--- a/Note/架构/Android 架构.pptx
+++ b/Note/架构/Android 架构.pptx
@@ -5,8 +5,18 @@
     <p:sldMasterId id="2147483648" r:id="rId1"/>
   </p:sldMasterIdLst>
   <p:sldIdLst>
-    <p:sldId id="256" r:id="rId2"/>
-    <p:sldId id="257" r:id="rId3"/>
+    <p:sldId id="262" r:id="rId2"/>
+    <p:sldId id="256" r:id="rId3"/>
+    <p:sldId id="257" r:id="rId4"/>
+    <p:sldId id="258" r:id="rId5"/>
+    <p:sldId id="259" r:id="rId6"/>
+    <p:sldId id="260" r:id="rId7"/>
+    <p:sldId id="261" r:id="rId8"/>
+    <p:sldId id="263" r:id="rId9"/>
+    <p:sldId id="264" r:id="rId10"/>
+    <p:sldId id="265" r:id="rId11"/>
+    <p:sldId id="266" r:id="rId12"/>
+    <p:sldId id="267" r:id="rId13"/>
   </p:sldIdLst>
   <p:sldSz cx="12192000" cy="6858000"/>
   <p:notesSz cx="6858000" cy="9144000"/>
@@ -244,7 +254,7 @@
           <a:p>
             <a:fld id="{EE65E554-6B3C-264F-BC98-4F7EF63DBC0E}" type="datetimeFigureOut">
               <a:rPr kumimoji="1" lang="zh-CN" altLang="en-US" smtClean="0"/>
-              <a:t>2018/3/20</a:t>
+              <a:t>2018/3/22</a:t>
             </a:fld>
             <a:endParaRPr kumimoji="1" lang="zh-CN" altLang="en-US"/>
           </a:p>
@@ -414,7 +424,7 @@
           <a:p>
             <a:fld id="{EE65E554-6B3C-264F-BC98-4F7EF63DBC0E}" type="datetimeFigureOut">
               <a:rPr kumimoji="1" lang="zh-CN" altLang="en-US" smtClean="0"/>
-              <a:t>2018/3/20</a:t>
+              <a:t>2018/3/22</a:t>
             </a:fld>
             <a:endParaRPr kumimoji="1" lang="zh-CN" altLang="en-US"/>
           </a:p>
@@ -594,7 +604,7 @@
           <a:p>
             <a:fld id="{EE65E554-6B3C-264F-BC98-4F7EF63DBC0E}" type="datetimeFigureOut">
               <a:rPr kumimoji="1" lang="zh-CN" altLang="en-US" smtClean="0"/>
-              <a:t>2018/3/20</a:t>
+              <a:t>2018/3/22</a:t>
             </a:fld>
             <a:endParaRPr kumimoji="1" lang="zh-CN" altLang="en-US"/>
           </a:p>
@@ -764,7 +774,7 @@
           <a:p>
             <a:fld id="{EE65E554-6B3C-264F-BC98-4F7EF63DBC0E}" type="datetimeFigureOut">
               <a:rPr kumimoji="1" lang="zh-CN" altLang="en-US" smtClean="0"/>
-              <a:t>2018/3/20</a:t>
+              <a:t>2018/3/22</a:t>
             </a:fld>
             <a:endParaRPr kumimoji="1" lang="zh-CN" altLang="en-US"/>
           </a:p>
@@ -1010,7 +1020,7 @@
           <a:p>
             <a:fld id="{EE65E554-6B3C-264F-BC98-4F7EF63DBC0E}" type="datetimeFigureOut">
               <a:rPr kumimoji="1" lang="zh-CN" altLang="en-US" smtClean="0"/>
-              <a:t>2018/3/20</a:t>
+              <a:t>2018/3/22</a:t>
             </a:fld>
             <a:endParaRPr kumimoji="1" lang="zh-CN" altLang="en-US"/>
           </a:p>
@@ -1242,7 +1252,7 @@
           <a:p>
             <a:fld id="{EE65E554-6B3C-264F-BC98-4F7EF63DBC0E}" type="datetimeFigureOut">
               <a:rPr kumimoji="1" lang="zh-CN" altLang="en-US" smtClean="0"/>
-              <a:t>2018/3/20</a:t>
+              <a:t>2018/3/22</a:t>
             </a:fld>
             <a:endParaRPr kumimoji="1" lang="zh-CN" altLang="en-US"/>
           </a:p>
@@ -1609,7 +1619,7 @@
           <a:p>
             <a:fld id="{EE65E554-6B3C-264F-BC98-4F7EF63DBC0E}" type="datetimeFigureOut">
               <a:rPr kumimoji="1" lang="zh-CN" altLang="en-US" smtClean="0"/>
-              <a:t>2018/3/20</a:t>
+              <a:t>2018/3/22</a:t>
             </a:fld>
             <a:endParaRPr kumimoji="1" lang="zh-CN" altLang="en-US"/>
           </a:p>
@@ -1727,7 +1737,7 @@
           <a:p>
             <a:fld id="{EE65E554-6B3C-264F-BC98-4F7EF63DBC0E}" type="datetimeFigureOut">
               <a:rPr kumimoji="1" lang="zh-CN" altLang="en-US" smtClean="0"/>
-              <a:t>2018/3/20</a:t>
+              <a:t>2018/3/22</a:t>
             </a:fld>
             <a:endParaRPr kumimoji="1" lang="zh-CN" altLang="en-US"/>
           </a:p>
@@ -1822,7 +1832,7 @@
           <a:p>
             <a:fld id="{EE65E554-6B3C-264F-BC98-4F7EF63DBC0E}" type="datetimeFigureOut">
               <a:rPr kumimoji="1" lang="zh-CN" altLang="en-US" smtClean="0"/>
-              <a:t>2018/3/20</a:t>
+              <a:t>2018/3/22</a:t>
             </a:fld>
             <a:endParaRPr kumimoji="1" lang="zh-CN" altLang="en-US"/>
           </a:p>
@@ -2099,7 +2109,7 @@
           <a:p>
             <a:fld id="{EE65E554-6B3C-264F-BC98-4F7EF63DBC0E}" type="datetimeFigureOut">
               <a:rPr kumimoji="1" lang="zh-CN" altLang="en-US" smtClean="0"/>
-              <a:t>2018/3/20</a:t>
+              <a:t>2018/3/22</a:t>
             </a:fld>
             <a:endParaRPr kumimoji="1" lang="zh-CN" altLang="en-US"/>
           </a:p>
@@ -2352,7 +2362,7 @@
           <a:p>
             <a:fld id="{EE65E554-6B3C-264F-BC98-4F7EF63DBC0E}" type="datetimeFigureOut">
               <a:rPr kumimoji="1" lang="zh-CN" altLang="en-US" smtClean="0"/>
-              <a:t>2018/3/20</a:t>
+              <a:t>2018/3/22</a:t>
             </a:fld>
             <a:endParaRPr kumimoji="1" lang="zh-CN" altLang="en-US"/>
           </a:p>
@@ -2565,7 +2575,7 @@
           <a:p>
             <a:fld id="{EE65E554-6B3C-264F-BC98-4F7EF63DBC0E}" type="datetimeFigureOut">
               <a:rPr kumimoji="1" lang="zh-CN" altLang="en-US" smtClean="0"/>
-              <a:t>2018/3/20</a:t>
+              <a:t>2018/3/22</a:t>
             </a:fld>
             <a:endParaRPr kumimoji="1" lang="zh-CN" altLang="en-US"/>
           </a:p>
@@ -2978,14 +2988,206 @@
         </p:nvSpPr>
         <p:spPr>
           <a:xfrm>
-            <a:off x="6448926" y="2068334"/>
-            <a:ext cx="1870769" cy="2794571"/>
+            <a:off x="5018044" y="2967335"/>
+            <a:ext cx="2155910" cy="1754326"/>
           </a:xfrm>
           <a:prstGeom prst="rect">
             <a:avLst/>
           </a:prstGeom>
+          <a:noFill/>
+        </p:spPr>
+        <p:txBody>
+          <a:bodyPr wrap="none" lIns="91440" tIns="45720" rIns="91440" bIns="45720">
+            <a:spAutoFit/>
+          </a:bodyPr>
+          <a:lstStyle/>
+          <a:p>
+            <a:pPr algn="ctr"/>
+            <a:r>
+              <a:rPr lang="en-US" altLang="zh-CN" sz="5400" b="0" cap="none" spc="0">
+                <a:ln w="0"/>
+                <a:solidFill>
+                  <a:schemeClr val="tx1"/>
+                </a:solidFill>
+                <a:effectLst>
+                  <a:outerShdw blurRad="38100" dist="19050" dir="2700000" algn="tl" rotWithShape="0">
+                    <a:schemeClr val="dk1">
+                      <a:alpha val="40000"/>
+                    </a:schemeClr>
+                  </a:outerShdw>
+                </a:effectLst>
+              </a:rPr>
+              <a:t>MVVM</a:t>
+            </a:r>
+            <a:endParaRPr lang="zh-CN" altLang="en-US" sz="5400" b="0" cap="none" spc="0">
+              <a:ln w="0"/>
+              <a:solidFill>
+                <a:schemeClr val="tx1"/>
+              </a:solidFill>
+              <a:effectLst>
+                <a:outerShdw blurRad="38100" dist="19050" dir="2700000" algn="tl" rotWithShape="0">
+                  <a:schemeClr val="dk1">
+                    <a:alpha val="40000"/>
+                  </a:schemeClr>
+                </a:outerShdw>
+              </a:effectLst>
+            </a:endParaRPr>
+          </a:p>
+          <a:p>
+            <a:pPr algn="ctr"/>
+            <a:endParaRPr lang="zh-CN" altLang="en-US" sz="5400" b="0" cap="none" spc="0">
+              <a:ln w="0"/>
+              <a:solidFill>
+                <a:schemeClr val="tx1"/>
+              </a:solidFill>
+              <a:effectLst>
+                <a:outerShdw blurRad="38100" dist="19050" dir="2700000" algn="tl" rotWithShape="0">
+                  <a:schemeClr val="dk1">
+                    <a:alpha val="40000"/>
+                  </a:schemeClr>
+                </a:outerShdw>
+              </a:effectLst>
+            </a:endParaRPr>
+          </a:p>
+        </p:txBody>
+      </p:sp>
+    </p:spTree>
+    <p:extLst>
+      <p:ext uri="{BB962C8B-B14F-4D97-AF65-F5344CB8AC3E}">
+        <p14:creationId xmlns:p14="http://schemas.microsoft.com/office/powerpoint/2010/main" val="1728754339"/>
+      </p:ext>
+    </p:extLst>
+  </p:cSld>
+  <p:clrMapOvr>
+    <a:masterClrMapping/>
+  </p:clrMapOvr>
+</p:sld>
+</file>
+
+<file path=ppt/slides/slide10.xml><?xml version="1.0" encoding="utf-8"?>
+<p:sld xmlns:a="http://schemas.openxmlformats.org/drawingml/2006/main" xmlns:r="http://schemas.openxmlformats.org/officeDocument/2006/relationships" xmlns:p="http://schemas.openxmlformats.org/presentationml/2006/main">
+  <p:cSld>
+    <p:spTree>
+      <p:nvGrpSpPr>
+        <p:cNvPr id="1" name=""/>
+        <p:cNvGrpSpPr/>
+        <p:nvPr/>
+      </p:nvGrpSpPr>
+      <p:grpSpPr>
+        <a:xfrm>
+          <a:off x="0" y="0"/>
+          <a:ext cx="0" cy="0"/>
+          <a:chOff x="0" y="0"/>
+          <a:chExt cx="0" cy="0"/>
+        </a:xfrm>
+      </p:grpSpPr>
+      <p:sp>
+        <p:nvSpPr>
+          <p:cNvPr id="4" name="矩形 3"/>
+          <p:cNvSpPr/>
+          <p:nvPr/>
+        </p:nvSpPr>
+        <p:spPr>
+          <a:xfrm>
+            <a:off x="779645" y="1430589"/>
+            <a:ext cx="2993457" cy="4485373"/>
+          </a:xfrm>
+          <a:prstGeom prst="rect">
+            <a:avLst/>
+          </a:prstGeom>
           <a:solidFill>
+            <a:schemeClr val="accent3">
+              <a:lumMod val="40000"/>
+              <a:lumOff val="60000"/>
+            </a:schemeClr>
+          </a:solidFill>
+          <a:ln>
+            <a:noFill/>
+          </a:ln>
+        </p:spPr>
+        <p:style>
+          <a:lnRef idx="2">
             <a:schemeClr val="accent1">
+              <a:shade val="50000"/>
+            </a:schemeClr>
+          </a:lnRef>
+          <a:fillRef idx="1">
+            <a:schemeClr val="accent1"/>
+          </a:fillRef>
+          <a:effectRef idx="0">
+            <a:schemeClr val="accent1"/>
+          </a:effectRef>
+          <a:fontRef idx="minor">
+            <a:schemeClr val="lt1"/>
+          </a:fontRef>
+        </p:style>
+        <p:txBody>
+          <a:bodyPr rtlCol="0" anchor="ctr"/>
+          <a:lstStyle/>
+          <a:p>
+            <a:pPr algn="ctr"/>
+            <a:endParaRPr kumimoji="1" lang="zh-CN" altLang="en-US"/>
+          </a:p>
+        </p:txBody>
+      </p:sp>
+      <p:sp>
+        <p:nvSpPr>
+          <p:cNvPr id="5" name="文本框 4"/>
+          <p:cNvSpPr txBox="1"/>
+          <p:nvPr/>
+        </p:nvSpPr>
+        <p:spPr>
+          <a:xfrm>
+            <a:off x="779645" y="1430589"/>
+            <a:ext cx="1870769" cy="369332"/>
+          </a:xfrm>
+          <a:prstGeom prst="rect">
+            <a:avLst/>
+          </a:prstGeom>
+          <a:noFill/>
+        </p:spPr>
+        <p:txBody>
+          <a:bodyPr wrap="none" rtlCol="0">
+            <a:spAutoFit/>
+          </a:bodyPr>
+          <a:lstStyle/>
+          <a:p>
+            <a:r>
+              <a:rPr kumimoji="1" lang="en-US" altLang="zh-CN">
+                <a:solidFill>
+                  <a:schemeClr val="bg2">
+                    <a:lumMod val="50000"/>
+                  </a:schemeClr>
+                </a:solidFill>
+              </a:rPr>
+              <a:t>Activity/Fragment</a:t>
+            </a:r>
+            <a:endParaRPr kumimoji="1" lang="zh-CN" altLang="en-US">
+              <a:solidFill>
+                <a:schemeClr val="bg2">
+                  <a:lumMod val="50000"/>
+                </a:schemeClr>
+              </a:solidFill>
+            </a:endParaRPr>
+          </a:p>
+        </p:txBody>
+      </p:sp>
+      <p:sp>
+        <p:nvSpPr>
+          <p:cNvPr id="6" name="矩形 5"/>
+          <p:cNvSpPr/>
+          <p:nvPr/>
+        </p:nvSpPr>
+        <p:spPr>
+          <a:xfrm>
+            <a:off x="981777" y="1886552"/>
+            <a:ext cx="2560320" cy="1309035"/>
+          </a:xfrm>
+          <a:prstGeom prst="rect">
+            <a:avLst/>
+          </a:prstGeom>
+          <a:solidFill>
+            <a:schemeClr val="accent3">
               <a:lumMod val="60000"/>
               <a:lumOff val="40000"/>
             </a:schemeClr>
@@ -3015,46 +3217,20 @@
           <a:lstStyle/>
           <a:p>
             <a:pPr algn="ctr"/>
-            <a:endParaRPr kumimoji="1" lang="zh-CN" altLang="en-US" dirty="0"/>
-          </a:p>
-        </p:txBody>
-      </p:sp>
-      <p:sp>
-        <p:nvSpPr>
-          <p:cNvPr id="5" name="文本框 4"/>
-          <p:cNvSpPr txBox="1"/>
-          <p:nvPr/>
-        </p:nvSpPr>
-        <p:spPr>
-          <a:xfrm>
-            <a:off x="6448926" y="1699002"/>
-            <a:ext cx="648639" cy="369332"/>
-          </a:xfrm>
-          <a:prstGeom prst="rect">
-            <a:avLst/>
-          </a:prstGeom>
-          <a:noFill/>
-        </p:spPr>
-        <p:txBody>
-          <a:bodyPr wrap="none" rtlCol="0">
-            <a:spAutoFit/>
-          </a:bodyPr>
-          <a:lstStyle/>
-          <a:p>
-            <a:r>
-              <a:rPr kumimoji="1" lang="en-US" altLang="zh-CN" dirty="0" smtClean="0">
-                <a:solidFill>
-                  <a:schemeClr val="accent2">
-                    <a:lumMod val="75000"/>
+            <a:r>
+              <a:rPr kumimoji="1" lang="en-US" altLang="zh-CN">
+                <a:solidFill>
+                  <a:schemeClr val="bg2">
+                    <a:lumMod val="50000"/>
                   </a:schemeClr>
                 </a:solidFill>
               </a:rPr>
               <a:t>View</a:t>
             </a:r>
-            <a:endParaRPr kumimoji="1" lang="zh-CN" altLang="en-US" dirty="0">
+            <a:endParaRPr kumimoji="1" lang="zh-CN" altLang="en-US">
               <a:solidFill>
-                <a:schemeClr val="accent2">
-                  <a:lumMod val="75000"/>
+                <a:schemeClr val="bg2">
+                  <a:lumMod val="50000"/>
                 </a:schemeClr>
               </a:solidFill>
             </a:endParaRPr>
@@ -3063,40 +3239,63 @@
       </p:sp>
       <p:sp>
         <p:nvSpPr>
-          <p:cNvPr id="6" name="文本框 5"/>
-          <p:cNvSpPr txBox="1"/>
-          <p:nvPr/>
-        </p:nvSpPr>
-        <p:spPr>
-          <a:xfrm>
-            <a:off x="6448926" y="2068334"/>
-            <a:ext cx="1870769" cy="369332"/>
+          <p:cNvPr id="7" name="矩形 6"/>
+          <p:cNvSpPr/>
+          <p:nvPr/>
+        </p:nvSpPr>
+        <p:spPr>
+          <a:xfrm>
+            <a:off x="981777" y="4129238"/>
+            <a:ext cx="2560320" cy="1472665"/>
           </a:xfrm>
           <a:prstGeom prst="rect">
             <a:avLst/>
           </a:prstGeom>
-          <a:noFill/>
-        </p:spPr>
-        <p:txBody>
-          <a:bodyPr wrap="none" rtlCol="0">
-            <a:spAutoFit/>
-          </a:bodyPr>
-          <a:lstStyle/>
-          <a:p>
-            <a:r>
-              <a:rPr kumimoji="1" lang="en-US" altLang="zh-CN" dirty="0" smtClean="0">
-                <a:solidFill>
-                  <a:schemeClr val="accent1">
-                    <a:lumMod val="75000"/>
-                  </a:schemeClr>
-                </a:solidFill>
-              </a:rPr>
-              <a:t>Activity/Fragment</a:t>
-            </a:r>
-            <a:endParaRPr kumimoji="1" lang="zh-CN" altLang="en-US" dirty="0">
+          <a:solidFill>
+            <a:schemeClr val="accent3">
+              <a:lumMod val="60000"/>
+              <a:lumOff val="40000"/>
+            </a:schemeClr>
+          </a:solidFill>
+          <a:ln>
+            <a:noFill/>
+          </a:ln>
+        </p:spPr>
+        <p:style>
+          <a:lnRef idx="2">
+            <a:schemeClr val="accent1">
+              <a:shade val="50000"/>
+            </a:schemeClr>
+          </a:lnRef>
+          <a:fillRef idx="1">
+            <a:schemeClr val="accent1"/>
+          </a:fillRef>
+          <a:effectRef idx="0">
+            <a:schemeClr val="accent1"/>
+          </a:effectRef>
+          <a:fontRef idx="minor">
+            <a:schemeClr val="lt1"/>
+          </a:fontRef>
+        </p:style>
+        <p:txBody>
+          <a:bodyPr rtlCol="0" anchor="ctr"/>
+          <a:lstStyle/>
+          <a:p>
+            <a:pPr algn="ctr"/>
+            <a:r>
+              <a:rPr kumimoji="1" lang="en-US" altLang="zh-CN">
+                <a:solidFill>
+                  <a:schemeClr val="bg2">
+                    <a:lumMod val="50000"/>
+                  </a:schemeClr>
+                </a:solidFill>
+              </a:rPr>
+              <a:t>Controller</a:t>
+            </a:r>
+            <a:endParaRPr kumimoji="1" lang="zh-CN" altLang="en-US">
               <a:solidFill>
-                <a:schemeClr val="accent1">
-                  <a:lumMod val="75000"/>
+                <a:schemeClr val="bg2">
+                  <a:lumMod val="50000"/>
                 </a:schemeClr>
               </a:solidFill>
             </a:endParaRPr>
@@ -3105,20 +3304,20 @@
       </p:sp>
       <p:sp>
         <p:nvSpPr>
-          <p:cNvPr id="7" name="矩形 6"/>
+          <p:cNvPr id="8" name="矩形 7"/>
           <p:cNvSpPr/>
           <p:nvPr/>
         </p:nvSpPr>
         <p:spPr>
           <a:xfrm>
-            <a:off x="6701078" y="3996195"/>
-            <a:ext cx="1366463" cy="616449"/>
+            <a:off x="5255394" y="4129238"/>
+            <a:ext cx="2521819" cy="1478715"/>
           </a:xfrm>
           <a:prstGeom prst="rect">
             <a:avLst/>
           </a:prstGeom>
           <a:solidFill>
-            <a:schemeClr val="accent2">
+            <a:schemeClr val="accent5">
               <a:lumMod val="40000"/>
               <a:lumOff val="60000"/>
             </a:schemeClr>
@@ -3149,18 +3348,18 @@
           <a:p>
             <a:pPr algn="ctr"/>
             <a:r>
-              <a:rPr kumimoji="1" lang="en-US" altLang="zh-CN" dirty="0" smtClean="0">
-                <a:solidFill>
-                  <a:schemeClr val="accent2">
-                    <a:lumMod val="75000"/>
-                  </a:schemeClr>
-                </a:solidFill>
-              </a:rPr>
-              <a:t>ViewModel</a:t>
-            </a:r>
-            <a:endParaRPr kumimoji="1" lang="zh-CN" altLang="en-US" dirty="0">
+              <a:rPr kumimoji="1" lang="en-US" altLang="zh-CN">
+                <a:solidFill>
+                  <a:schemeClr val="accent5">
+                    <a:lumMod val="75000"/>
+                  </a:schemeClr>
+                </a:solidFill>
+              </a:rPr>
+              <a:t>Model</a:t>
+            </a:r>
+            <a:endParaRPr kumimoji="1" lang="zh-CN" altLang="en-US">
               <a:solidFill>
-                <a:schemeClr val="accent2">
+                <a:schemeClr val="accent5">
                   <a:lumMod val="75000"/>
                 </a:schemeClr>
               </a:solidFill>
@@ -3168,160 +3367,28 @@
           </a:p>
         </p:txBody>
       </p:sp>
-      <p:sp>
-        <p:nvSpPr>
-          <p:cNvPr id="8" name="矩形 7"/>
-          <p:cNvSpPr/>
-          <p:nvPr/>
-        </p:nvSpPr>
-        <p:spPr>
-          <a:xfrm>
-            <a:off x="6701078" y="2518482"/>
-            <a:ext cx="1366463" cy="604929"/>
-          </a:xfrm>
-          <a:prstGeom prst="rect">
-            <a:avLst/>
-          </a:prstGeom>
-          <a:solidFill>
-            <a:schemeClr val="accent4">
-              <a:lumMod val="40000"/>
-              <a:lumOff val="60000"/>
-            </a:schemeClr>
-          </a:solidFill>
-          <a:ln>
-            <a:noFill/>
-          </a:ln>
-        </p:spPr>
-        <p:style>
-          <a:lnRef idx="2">
-            <a:schemeClr val="accent1">
-              <a:shade val="50000"/>
-            </a:schemeClr>
-          </a:lnRef>
-          <a:fillRef idx="1">
-            <a:schemeClr val="accent1"/>
-          </a:fillRef>
-          <a:effectRef idx="0">
-            <a:schemeClr val="accent1"/>
-          </a:effectRef>
-          <a:fontRef idx="minor">
-            <a:schemeClr val="lt1"/>
-          </a:fontRef>
-        </p:style>
-        <p:txBody>
-          <a:bodyPr rtlCol="0" anchor="ctr"/>
-          <a:lstStyle/>
-          <a:p>
-            <a:pPr algn="ctr"/>
-            <a:r>
-              <a:rPr kumimoji="1" lang="en-US" altLang="zh-CN" dirty="0" smtClean="0">
-                <a:solidFill>
-                  <a:schemeClr val="accent4">
-                    <a:lumMod val="75000"/>
-                  </a:schemeClr>
-                </a:solidFill>
-              </a:rPr>
-              <a:t>View</a:t>
-            </a:r>
-            <a:endParaRPr kumimoji="1" lang="zh-CN" altLang="en-US" dirty="0">
-              <a:solidFill>
-                <a:schemeClr val="accent4">
-                  <a:lumMod val="75000"/>
-                </a:schemeClr>
-              </a:solidFill>
-            </a:endParaRPr>
-          </a:p>
-        </p:txBody>
-      </p:sp>
-      <p:sp>
-        <p:nvSpPr>
-          <p:cNvPr id="9" name="矩形 8"/>
-          <p:cNvSpPr/>
-          <p:nvPr/>
-        </p:nvSpPr>
-        <p:spPr>
-          <a:xfrm>
-            <a:off x="9568449" y="3111226"/>
-            <a:ext cx="1535723" cy="708786"/>
-          </a:xfrm>
-          <a:prstGeom prst="rect">
-            <a:avLst/>
-          </a:prstGeom>
-          <a:solidFill>
-            <a:schemeClr val="accent6">
-              <a:lumMod val="60000"/>
-              <a:lumOff val="40000"/>
-            </a:schemeClr>
-          </a:solidFill>
-          <a:ln>
-            <a:noFill/>
-          </a:ln>
-        </p:spPr>
-        <p:style>
-          <a:lnRef idx="2">
-            <a:schemeClr val="accent1">
-              <a:shade val="50000"/>
-            </a:schemeClr>
-          </a:lnRef>
-          <a:fillRef idx="1">
-            <a:schemeClr val="accent1"/>
-          </a:fillRef>
-          <a:effectRef idx="0">
-            <a:schemeClr val="accent1"/>
-          </a:effectRef>
-          <a:fontRef idx="minor">
-            <a:schemeClr val="lt1"/>
-          </a:fontRef>
-        </p:style>
-        <p:txBody>
-          <a:bodyPr rtlCol="0" anchor="ctr"/>
-          <a:lstStyle/>
-          <a:p>
-            <a:pPr algn="ctr"/>
-            <a:r>
-              <a:rPr kumimoji="1" lang="en-US" altLang="zh-CN" dirty="0" smtClean="0">
-                <a:solidFill>
-                  <a:schemeClr val="accent6">
-                    <a:lumMod val="75000"/>
-                  </a:schemeClr>
-                </a:solidFill>
-              </a:rPr>
-              <a:t>DataBinding</a:t>
-            </a:r>
-            <a:endParaRPr kumimoji="1" lang="zh-CN" altLang="en-US" dirty="0">
-              <a:solidFill>
-                <a:schemeClr val="accent6">
-                  <a:lumMod val="75000"/>
-                </a:schemeClr>
-              </a:solidFill>
-            </a:endParaRPr>
-          </a:p>
-        </p:txBody>
-      </p:sp>
       <p:cxnSp>
         <p:nvCxnSpPr>
-          <p:cNvPr id="11" name="直线箭头连接符 10"/>
-          <p:cNvCxnSpPr>
-            <a:stCxn id="7" idx="3"/>
-            <a:endCxn id="9" idx="1"/>
-          </p:cNvCxnSpPr>
+          <p:cNvPr id="9" name="直线箭头连接符 8"/>
+          <p:cNvCxnSpPr/>
           <p:nvPr/>
         </p:nvCxnSpPr>
         <p:spPr>
-          <a:xfrm flipV="1">
-            <a:off x="8067541" y="3465619"/>
-            <a:ext cx="1500908" cy="838801"/>
+          <a:xfrm>
+            <a:off x="2261937" y="3195587"/>
+            <a:ext cx="0" cy="933651"/>
           </a:xfrm>
           <a:prstGeom prst="straightConnector1">
             <a:avLst/>
           </a:prstGeom>
-          <a:ln w="25400">
+          <a:ln w="19050">
             <a:solidFill>
-              <a:schemeClr val="accent1"/>
+              <a:schemeClr val="bg2">
+                <a:lumMod val="25000"/>
+              </a:schemeClr>
             </a:solidFill>
-            <a:prstDash val="sysDash"/>
-            <a:headEnd w="lg" len="lg"/>
-            <a:tailEnd type="triangle" w="lg" len="lg"/>
+            <a:headEnd type="stealth" w="lg" len="lg"/>
+            <a:tailEnd type="stealth" w="lg" len="lg"/>
           </a:ln>
         </p:spPr>
         <p:style>
@@ -3341,28 +3408,27 @@
       </p:cxnSp>
       <p:cxnSp>
         <p:nvCxnSpPr>
-          <p:cNvPr id="12" name="直线箭头连接符 11"/>
-          <p:cNvCxnSpPr>
-            <a:stCxn id="9" idx="1"/>
-            <a:endCxn id="8" idx="3"/>
-          </p:cNvCxnSpPr>
+          <p:cNvPr id="10" name="直线箭头连接符 9"/>
+          <p:cNvCxnSpPr/>
           <p:nvPr/>
         </p:nvCxnSpPr>
         <p:spPr>
-          <a:xfrm flipH="1" flipV="1">
-            <a:off x="8067541" y="2820947"/>
-            <a:ext cx="1500908" cy="644672"/>
+          <a:xfrm>
+            <a:off x="3542097" y="4865571"/>
+            <a:ext cx="1713297" cy="3025"/>
           </a:xfrm>
           <a:prstGeom prst="straightConnector1">
             <a:avLst/>
           </a:prstGeom>
           <a:ln w="25400">
             <a:solidFill>
-              <a:schemeClr val="accent1"/>
+              <a:schemeClr val="tx1">
+                <a:lumMod val="75000"/>
+                <a:lumOff val="25000"/>
+              </a:schemeClr>
             </a:solidFill>
-            <a:prstDash val="sysDash"/>
-            <a:headEnd w="lg" len="lg"/>
-            <a:tailEnd type="triangle" w="lg" len="lg"/>
+            <a:headEnd type="stealth" w="lg" len="lg"/>
+            <a:tailEnd type="stealth" w="lg" len="lg"/>
           </a:ln>
         </p:spPr>
         <p:style>
@@ -3382,21 +3448,200 @@
       </p:cxnSp>
       <p:sp>
         <p:nvSpPr>
-          <p:cNvPr id="16" name="矩形 15"/>
+          <p:cNvPr id="11" name="文本框 10"/>
+          <p:cNvSpPr txBox="1"/>
+          <p:nvPr/>
+        </p:nvSpPr>
+        <p:spPr>
+          <a:xfrm>
+            <a:off x="779646" y="356135"/>
+            <a:ext cx="1558183" cy="369332"/>
+          </a:xfrm>
+          <a:prstGeom prst="rect">
+            <a:avLst/>
+          </a:prstGeom>
+          <a:noFill/>
+        </p:spPr>
+        <p:txBody>
+          <a:bodyPr wrap="none" rtlCol="0">
+            <a:spAutoFit/>
+          </a:bodyPr>
+          <a:lstStyle/>
+          <a:p>
+            <a:r>
+              <a:rPr kumimoji="1" lang="en-US" altLang="zh-CN"/>
+              <a:t>MVC</a:t>
+            </a:r>
+            <a:r>
+              <a:rPr kumimoji="1" lang="zh-CN" altLang="en-US"/>
+              <a:t>基础架构</a:t>
+            </a:r>
+            <a:endParaRPr kumimoji="1" lang="zh-CN" altLang="en-US"/>
+          </a:p>
+        </p:txBody>
+      </p:sp>
+    </p:spTree>
+    <p:extLst>
+      <p:ext uri="{BB962C8B-B14F-4D97-AF65-F5344CB8AC3E}">
+        <p14:creationId xmlns:p14="http://schemas.microsoft.com/office/powerpoint/2010/main" val="1149073489"/>
+      </p:ext>
+    </p:extLst>
+  </p:cSld>
+  <p:clrMapOvr>
+    <a:masterClrMapping/>
+  </p:clrMapOvr>
+</p:sld>
+</file>
+
+<file path=ppt/slides/slide11.xml><?xml version="1.0" encoding="utf-8"?>
+<p:sld xmlns:a="http://schemas.openxmlformats.org/drawingml/2006/main" xmlns:r="http://schemas.openxmlformats.org/officeDocument/2006/relationships" xmlns:p="http://schemas.openxmlformats.org/presentationml/2006/main">
+  <p:cSld>
+    <p:spTree>
+      <p:nvGrpSpPr>
+        <p:cNvPr id="1" name=""/>
+        <p:cNvGrpSpPr/>
+        <p:nvPr/>
+      </p:nvGrpSpPr>
+      <p:grpSpPr>
+        <a:xfrm>
+          <a:off x="0" y="0"/>
+          <a:ext cx="0" cy="0"/>
+          <a:chOff x="0" y="0"/>
+          <a:chExt cx="0" cy="0"/>
+        </a:xfrm>
+      </p:grpSpPr>
+      <p:sp>
+        <p:nvSpPr>
+          <p:cNvPr id="4" name="矩形 3"/>
           <p:cNvSpPr/>
           <p:nvPr/>
         </p:nvSpPr>
         <p:spPr>
           <a:xfrm>
-            <a:off x="782054" y="2050179"/>
-            <a:ext cx="4109988" cy="2794572"/>
+            <a:off x="5332809" y="2967335"/>
+            <a:ext cx="1526380" cy="923330"/>
           </a:xfrm>
           <a:prstGeom prst="rect">
             <a:avLst/>
           </a:prstGeom>
+          <a:noFill/>
+        </p:spPr>
+        <p:txBody>
+          <a:bodyPr wrap="none" lIns="91440" tIns="45720" rIns="91440" bIns="45720">
+            <a:spAutoFit/>
+          </a:bodyPr>
+          <a:lstStyle/>
+          <a:p>
+            <a:pPr algn="ctr"/>
+            <a:r>
+              <a:rPr lang="en-US" altLang="zh-CN" sz="5400" b="0" cap="none" spc="0">
+                <a:ln w="0"/>
+                <a:solidFill>
+                  <a:schemeClr val="tx1"/>
+                </a:solidFill>
+                <a:effectLst>
+                  <a:outerShdw blurRad="38100" dist="19050" dir="2700000" algn="tl" rotWithShape="0">
+                    <a:schemeClr val="dk1">
+                      <a:alpha val="40000"/>
+                    </a:schemeClr>
+                  </a:outerShdw>
+                </a:effectLst>
+              </a:rPr>
+              <a:t>MVP</a:t>
+            </a:r>
+            <a:endParaRPr lang="zh-CN" altLang="en-US" sz="5400" b="0" cap="none" spc="0">
+              <a:ln w="0"/>
+              <a:solidFill>
+                <a:schemeClr val="tx1"/>
+              </a:solidFill>
+              <a:effectLst>
+                <a:outerShdw blurRad="38100" dist="19050" dir="2700000" algn="tl" rotWithShape="0">
+                  <a:schemeClr val="dk1">
+                    <a:alpha val="40000"/>
+                  </a:schemeClr>
+                </a:outerShdw>
+              </a:effectLst>
+            </a:endParaRPr>
+          </a:p>
+        </p:txBody>
+      </p:sp>
+    </p:spTree>
+    <p:extLst>
+      <p:ext uri="{BB962C8B-B14F-4D97-AF65-F5344CB8AC3E}">
+        <p14:creationId xmlns:p14="http://schemas.microsoft.com/office/powerpoint/2010/main" val="312270463"/>
+      </p:ext>
+    </p:extLst>
+  </p:cSld>
+  <p:clrMapOvr>
+    <a:masterClrMapping/>
+  </p:clrMapOvr>
+</p:sld>
+</file>
+
+<file path=ppt/slides/slide12.xml><?xml version="1.0" encoding="utf-8"?>
+<p:sld xmlns:a="http://schemas.openxmlformats.org/drawingml/2006/main" xmlns:r="http://schemas.openxmlformats.org/officeDocument/2006/relationships" xmlns:p="http://schemas.openxmlformats.org/presentationml/2006/main">
+  <p:cSld>
+    <p:spTree>
+      <p:nvGrpSpPr>
+        <p:cNvPr id="1" name=""/>
+        <p:cNvGrpSpPr/>
+        <p:nvPr/>
+      </p:nvGrpSpPr>
+      <p:grpSpPr>
+        <a:xfrm>
+          <a:off x="0" y="0"/>
+          <a:ext cx="0" cy="0"/>
+          <a:chOff x="0" y="0"/>
+          <a:chExt cx="0" cy="0"/>
+        </a:xfrm>
+      </p:grpSpPr>
+      <p:sp>
+        <p:nvSpPr>
+          <p:cNvPr id="4" name="文本框 3"/>
+          <p:cNvSpPr txBox="1"/>
+          <p:nvPr/>
+        </p:nvSpPr>
+        <p:spPr>
+          <a:xfrm>
+            <a:off x="308008" y="279133"/>
+            <a:ext cx="1338828" cy="369332"/>
+          </a:xfrm>
+          <a:prstGeom prst="rect">
+            <a:avLst/>
+          </a:prstGeom>
+          <a:noFill/>
+        </p:spPr>
+        <p:txBody>
+          <a:bodyPr wrap="none" rtlCol="0">
+            <a:spAutoFit/>
+          </a:bodyPr>
+          <a:lstStyle/>
+          <a:p>
+            <a:r>
+              <a:rPr kumimoji="1" lang="zh-CN" altLang="en-US"/>
+              <a:t>基础架构图</a:t>
+            </a:r>
+          </a:p>
+        </p:txBody>
+      </p:sp>
+      <p:sp>
+        <p:nvSpPr>
+          <p:cNvPr id="5" name="矩形 4"/>
+          <p:cNvSpPr/>
+          <p:nvPr/>
+        </p:nvSpPr>
+        <p:spPr>
+          <a:xfrm>
+            <a:off x="779645" y="1430589"/>
+            <a:ext cx="2993457" cy="4485373"/>
+          </a:xfrm>
+          <a:prstGeom prst="rect">
+            <a:avLst/>
+          </a:prstGeom>
           <a:solidFill>
-            <a:schemeClr val="bg2">
-              <a:lumMod val="75000"/>
+            <a:schemeClr val="accent3">
+              <a:lumMod val="40000"/>
+              <a:lumOff val="60000"/>
             </a:schemeClr>
           </a:solidFill>
           <a:ln>
@@ -3430,14 +3675,14 @@
       </p:sp>
       <p:sp>
         <p:nvSpPr>
-          <p:cNvPr id="17" name="文本框 16"/>
+          <p:cNvPr id="6" name="文本框 5"/>
           <p:cNvSpPr txBox="1"/>
           <p:nvPr/>
         </p:nvSpPr>
         <p:spPr>
           <a:xfrm>
-            <a:off x="2338938" y="1680848"/>
-            <a:ext cx="793807" cy="369332"/>
+            <a:off x="779645" y="1430589"/>
+            <a:ext cx="1870769" cy="369332"/>
           </a:xfrm>
           <a:prstGeom prst="rect">
             <a:avLst/>
@@ -3451,16 +3696,16 @@
           <a:lstStyle/>
           <a:p>
             <a:r>
-              <a:rPr kumimoji="1" lang="en-US" altLang="zh-CN" dirty="0" smtClean="0">
+              <a:rPr kumimoji="1" lang="en-US" altLang="zh-CN">
                 <a:solidFill>
                   <a:schemeClr val="bg2">
                     <a:lumMod val="50000"/>
                   </a:schemeClr>
                 </a:solidFill>
               </a:rPr>
-              <a:t>Model</a:t>
-            </a:r>
-            <a:endParaRPr kumimoji="1" lang="zh-CN" altLang="en-US" dirty="0">
+              <a:t>Activity/Fragment</a:t>
+            </a:r>
+            <a:endParaRPr kumimoji="1" lang="zh-CN" altLang="en-US">
               <a:solidFill>
                 <a:schemeClr val="bg2">
                   <a:lumMod val="50000"/>
@@ -3472,21 +3717,22 @@
       </p:sp>
       <p:sp>
         <p:nvSpPr>
-          <p:cNvPr id="18" name="矩形 17"/>
+          <p:cNvPr id="7" name="矩形 6"/>
           <p:cNvSpPr/>
           <p:nvPr/>
         </p:nvSpPr>
         <p:spPr>
           <a:xfrm>
-            <a:off x="952902" y="4008988"/>
-            <a:ext cx="3686476" cy="616449"/>
+            <a:off x="981777" y="1886552"/>
+            <a:ext cx="2560320" cy="3609473"/>
           </a:xfrm>
           <a:prstGeom prst="rect">
             <a:avLst/>
           </a:prstGeom>
           <a:solidFill>
-            <a:schemeClr val="bg2">
-              <a:lumMod val="90000"/>
+            <a:schemeClr val="accent3">
+              <a:lumMod val="60000"/>
+              <a:lumOff val="40000"/>
             </a:schemeClr>
           </a:solidFill>
           <a:ln>
@@ -3515,31 +3761,43 @@
           <a:p>
             <a:pPr algn="ctr"/>
             <a:r>
-              <a:rPr kumimoji="1" lang="en-US" altLang="zh-CN" smtClean="0"/>
-              <a:t>Repository</a:t>
-            </a:r>
-            <a:endParaRPr kumimoji="1" lang="zh-CN" altLang="en-US" dirty="0"/>
-          </a:p>
-        </p:txBody>
-      </p:sp>
-      <p:sp>
-        <p:nvSpPr>
-          <p:cNvPr id="19" name="矩形 18"/>
+              <a:rPr kumimoji="1" lang="en-US" altLang="zh-CN">
+                <a:solidFill>
+                  <a:schemeClr val="bg2">
+                    <a:lumMod val="50000"/>
+                  </a:schemeClr>
+                </a:solidFill>
+              </a:rPr>
+              <a:t>View</a:t>
+            </a:r>
+            <a:endParaRPr kumimoji="1" lang="zh-CN" altLang="en-US">
+              <a:solidFill>
+                <a:schemeClr val="bg2">
+                  <a:lumMod val="50000"/>
+                </a:schemeClr>
+              </a:solidFill>
+            </a:endParaRPr>
+          </a:p>
+        </p:txBody>
+      </p:sp>
+      <p:sp>
+        <p:nvSpPr>
+          <p:cNvPr id="8" name="矩形 7"/>
           <p:cNvSpPr/>
           <p:nvPr/>
         </p:nvSpPr>
         <p:spPr>
           <a:xfrm>
-            <a:off x="2269156" y="2357094"/>
-            <a:ext cx="1058779" cy="1108526"/>
+            <a:off x="5929162" y="1615255"/>
+            <a:ext cx="2560320" cy="1472665"/>
           </a:xfrm>
           <a:prstGeom prst="rect">
             <a:avLst/>
           </a:prstGeom>
           <a:solidFill>
-            <a:schemeClr val="tx1">
-              <a:lumMod val="50000"/>
-              <a:lumOff val="50000"/>
+            <a:schemeClr val="accent3">
+              <a:lumMod val="60000"/>
+              <a:lumOff val="40000"/>
             </a:schemeClr>
           </a:solidFill>
           <a:ln>
@@ -3568,30 +3826,43 @@
           <a:p>
             <a:pPr algn="ctr"/>
             <a:r>
-              <a:rPr kumimoji="1" lang="en-US" altLang="zh-CN" dirty="0" smtClean="0"/>
-              <a:t>Remote</a:t>
-            </a:r>
-            <a:endParaRPr kumimoji="1" lang="zh-CN" altLang="en-US" dirty="0"/>
-          </a:p>
-        </p:txBody>
-      </p:sp>
-      <p:sp>
-        <p:nvSpPr>
-          <p:cNvPr id="20" name="矩形 19"/>
+              <a:rPr kumimoji="1" lang="en-US" altLang="zh-CN">
+                <a:solidFill>
+                  <a:schemeClr val="bg2">
+                    <a:lumMod val="50000"/>
+                  </a:schemeClr>
+                </a:solidFill>
+              </a:rPr>
+              <a:t>Presenter</a:t>
+            </a:r>
+            <a:endParaRPr kumimoji="1" lang="zh-CN" altLang="en-US">
+              <a:solidFill>
+                <a:schemeClr val="bg2">
+                  <a:lumMod val="50000"/>
+                </a:schemeClr>
+              </a:solidFill>
+            </a:endParaRPr>
+          </a:p>
+        </p:txBody>
+      </p:sp>
+      <p:sp>
+        <p:nvSpPr>
+          <p:cNvPr id="9" name="矩形 8"/>
           <p:cNvSpPr/>
           <p:nvPr/>
         </p:nvSpPr>
         <p:spPr>
           <a:xfrm>
-            <a:off x="3580599" y="2354769"/>
-            <a:ext cx="1058779" cy="1110852"/>
+            <a:off x="5967663" y="4437247"/>
+            <a:ext cx="2521819" cy="1478715"/>
           </a:xfrm>
           <a:prstGeom prst="rect">
             <a:avLst/>
           </a:prstGeom>
           <a:solidFill>
-            <a:schemeClr val="bg2">
-              <a:lumMod val="50000"/>
+            <a:schemeClr val="accent5">
+              <a:lumMod val="40000"/>
+              <a:lumOff val="60000"/>
             </a:schemeClr>
           </a:solidFill>
           <a:ln>
@@ -3620,32 +3891,49 @@
           <a:p>
             <a:pPr algn="ctr"/>
             <a:r>
-              <a:rPr kumimoji="1" lang="en-US" altLang="zh-CN" dirty="0" smtClean="0"/>
-              <a:t>DataBase</a:t>
-            </a:r>
-            <a:endParaRPr kumimoji="1" lang="zh-CN" altLang="en-US" dirty="0"/>
+              <a:rPr kumimoji="1" lang="en-US" altLang="zh-CN">
+                <a:solidFill>
+                  <a:schemeClr val="accent5">
+                    <a:lumMod val="75000"/>
+                  </a:schemeClr>
+                </a:solidFill>
+              </a:rPr>
+              <a:t>Model</a:t>
+            </a:r>
+            <a:endParaRPr kumimoji="1" lang="zh-CN" altLang="en-US">
+              <a:solidFill>
+                <a:schemeClr val="accent5">
+                  <a:lumMod val="75000"/>
+                </a:schemeClr>
+              </a:solidFill>
+            </a:endParaRPr>
           </a:p>
         </p:txBody>
       </p:sp>
       <p:cxnSp>
         <p:nvCxnSpPr>
-          <p:cNvPr id="22" name="直线箭头连接符 21"/>
+          <p:cNvPr id="11" name="直线箭头连接符 10"/>
           <p:cNvCxnSpPr>
-            <a:stCxn id="7" idx="1"/>
-            <a:endCxn id="18" idx="3"/>
+            <a:stCxn id="7" idx="3"/>
+            <a:endCxn id="8" idx="1"/>
           </p:cNvCxnSpPr>
           <p:nvPr/>
         </p:nvCxnSpPr>
         <p:spPr>
-          <a:xfrm flipH="1">
-            <a:off x="4639378" y="4304420"/>
-            <a:ext cx="2061700" cy="12793"/>
+          <a:xfrm flipV="1">
+            <a:off x="3542097" y="2351588"/>
+            <a:ext cx="2387065" cy="1339701"/>
           </a:xfrm>
           <a:prstGeom prst="straightConnector1">
             <a:avLst/>
           </a:prstGeom>
           <a:ln w="25400">
-            <a:prstDash val="sysDash"/>
+            <a:solidFill>
+              <a:schemeClr val="tx1">
+                <a:lumMod val="75000"/>
+                <a:lumOff val="25000"/>
+              </a:schemeClr>
+            </a:solidFill>
             <a:headEnd type="stealth" w="lg" len="lg"/>
             <a:tailEnd type="stealth" w="lg" len="lg"/>
           </a:ln>
@@ -3667,150 +3955,28 @@
       </p:cxnSp>
       <p:cxnSp>
         <p:nvCxnSpPr>
-          <p:cNvPr id="23" name="直线箭头连接符 22"/>
+          <p:cNvPr id="15" name="直线箭头连接符 14"/>
           <p:cNvCxnSpPr>
-            <a:stCxn id="19" idx="2"/>
-            <a:endCxn id="18" idx="0"/>
+            <a:stCxn id="9" idx="0"/>
+            <a:endCxn id="8" idx="2"/>
           </p:cNvCxnSpPr>
           <p:nvPr/>
         </p:nvCxnSpPr>
         <p:spPr>
-          <a:xfrm flipH="1">
-            <a:off x="2796140" y="3465620"/>
-            <a:ext cx="2406" cy="543368"/>
+          <a:xfrm flipH="1" flipV="1">
+            <a:off x="7209322" y="3087920"/>
+            <a:ext cx="19251" cy="1349327"/>
           </a:xfrm>
           <a:prstGeom prst="straightConnector1">
             <a:avLst/>
           </a:prstGeom>
           <a:ln w="25400">
-            <a:prstDash val="sysDash"/>
-            <a:headEnd type="stealth" w="lg" len="lg"/>
-            <a:tailEnd type="stealth" w="lg" len="lg"/>
-          </a:ln>
-        </p:spPr>
-        <p:style>
-          <a:lnRef idx="1">
-            <a:schemeClr val="accent1"/>
-          </a:lnRef>
-          <a:fillRef idx="0">
-            <a:schemeClr val="accent1"/>
-          </a:fillRef>
-          <a:effectRef idx="0">
-            <a:schemeClr val="accent1"/>
-          </a:effectRef>
-          <a:fontRef idx="minor">
-            <a:schemeClr val="tx1"/>
-          </a:fontRef>
-        </p:style>
-      </p:cxnSp>
-      <p:cxnSp>
-        <p:nvCxnSpPr>
-          <p:cNvPr id="26" name="直线箭头连接符 25"/>
-          <p:cNvCxnSpPr>
-            <a:stCxn id="20" idx="2"/>
-            <a:endCxn id="18" idx="0"/>
-          </p:cNvCxnSpPr>
-          <p:nvPr/>
-        </p:nvCxnSpPr>
-        <p:spPr>
-          <a:xfrm flipH="1">
-            <a:off x="2796140" y="3465621"/>
-            <a:ext cx="1313849" cy="543367"/>
-          </a:xfrm>
-          <a:prstGeom prst="straightConnector1">
-            <a:avLst/>
-          </a:prstGeom>
-          <a:ln w="25400">
-            <a:prstDash val="sysDash"/>
-            <a:headEnd type="stealth" w="lg" len="lg"/>
-            <a:tailEnd type="stealth" w="lg" len="lg"/>
-          </a:ln>
-        </p:spPr>
-        <p:style>
-          <a:lnRef idx="1">
-            <a:schemeClr val="accent1"/>
-          </a:lnRef>
-          <a:fillRef idx="0">
-            <a:schemeClr val="accent1"/>
-          </a:fillRef>
-          <a:effectRef idx="0">
-            <a:schemeClr val="accent1"/>
-          </a:effectRef>
-          <a:fontRef idx="minor">
-            <a:schemeClr val="tx1"/>
-          </a:fontRef>
-        </p:style>
-      </p:cxnSp>
-      <p:sp>
-        <p:nvSpPr>
-          <p:cNvPr id="52" name="矩形 51"/>
-          <p:cNvSpPr/>
-          <p:nvPr/>
-        </p:nvSpPr>
-        <p:spPr>
-          <a:xfrm>
-            <a:off x="1024598" y="2387141"/>
-            <a:ext cx="1020278" cy="1046108"/>
-          </a:xfrm>
-          <a:prstGeom prst="rect">
-            <a:avLst/>
-          </a:prstGeom>
-          <a:solidFill>
-            <a:schemeClr val="bg1">
-              <a:lumMod val="85000"/>
-            </a:schemeClr>
-          </a:solidFill>
-          <a:ln>
-            <a:noFill/>
-          </a:ln>
-        </p:spPr>
-        <p:style>
-          <a:lnRef idx="2">
-            <a:schemeClr val="accent1">
-              <a:shade val="50000"/>
-            </a:schemeClr>
-          </a:lnRef>
-          <a:fillRef idx="1">
-            <a:schemeClr val="accent1"/>
-          </a:fillRef>
-          <a:effectRef idx="0">
-            <a:schemeClr val="accent1"/>
-          </a:effectRef>
-          <a:fontRef idx="minor">
-            <a:schemeClr val="lt1"/>
-          </a:fontRef>
-        </p:style>
-        <p:txBody>
-          <a:bodyPr rtlCol="0" anchor="ctr"/>
-          <a:lstStyle/>
-          <a:p>
-            <a:pPr algn="ctr"/>
-            <a:r>
-              <a:rPr kumimoji="1" lang="en-US" altLang="zh-CN" dirty="0" smtClean="0"/>
-              <a:t>Memory</a:t>
-            </a:r>
-            <a:endParaRPr kumimoji="1" lang="zh-CN" altLang="en-US" dirty="0"/>
-          </a:p>
-        </p:txBody>
-      </p:sp>
-      <p:cxnSp>
-        <p:nvCxnSpPr>
-          <p:cNvPr id="53" name="直线箭头连接符 52"/>
-          <p:cNvCxnSpPr>
-            <a:stCxn id="52" idx="2"/>
-          </p:cNvCxnSpPr>
-          <p:nvPr/>
-        </p:nvCxnSpPr>
-        <p:spPr>
-          <a:xfrm>
-            <a:off x="1534737" y="3433249"/>
-            <a:ext cx="1253537" cy="575738"/>
-          </a:xfrm>
-          <a:prstGeom prst="straightConnector1">
-            <a:avLst/>
-          </a:prstGeom>
-          <a:ln w="25400">
-            <a:prstDash val="sysDash"/>
+            <a:solidFill>
+              <a:schemeClr val="tx1">
+                <a:lumMod val="75000"/>
+                <a:lumOff val="25000"/>
+              </a:schemeClr>
+            </a:solidFill>
             <a:headEnd type="stealth" w="lg" len="lg"/>
             <a:tailEnd type="stealth" w="lg" len="lg"/>
           </a:ln>
@@ -3833,7 +3999,7 @@
     </p:spTree>
     <p:extLst>
       <p:ext uri="{BB962C8B-B14F-4D97-AF65-F5344CB8AC3E}">
-        <p14:creationId xmlns:p14="http://schemas.microsoft.com/office/powerpoint/2010/main" val="1935119113"/>
+        <p14:creationId xmlns:p14="http://schemas.microsoft.com/office/powerpoint/2010/main" val="1680786766"/>
       </p:ext>
     </p:extLst>
   </p:cSld>
@@ -3868,6 +4034,929 @@
         </p:nvSpPr>
         <p:spPr>
           <a:xfrm>
+            <a:off x="6448926" y="2068334"/>
+            <a:ext cx="1870769" cy="2794571"/>
+          </a:xfrm>
+          <a:prstGeom prst="rect">
+            <a:avLst/>
+          </a:prstGeom>
+          <a:solidFill>
+            <a:schemeClr val="accent1">
+              <a:lumMod val="60000"/>
+              <a:lumOff val="40000"/>
+            </a:schemeClr>
+          </a:solidFill>
+          <a:ln>
+            <a:noFill/>
+          </a:ln>
+        </p:spPr>
+        <p:style>
+          <a:lnRef idx="2">
+            <a:schemeClr val="accent1">
+              <a:shade val="50000"/>
+            </a:schemeClr>
+          </a:lnRef>
+          <a:fillRef idx="1">
+            <a:schemeClr val="accent1"/>
+          </a:fillRef>
+          <a:effectRef idx="0">
+            <a:schemeClr val="accent1"/>
+          </a:effectRef>
+          <a:fontRef idx="minor">
+            <a:schemeClr val="lt1"/>
+          </a:fontRef>
+        </p:style>
+        <p:txBody>
+          <a:bodyPr rtlCol="0" anchor="ctr"/>
+          <a:lstStyle/>
+          <a:p>
+            <a:pPr algn="ctr"/>
+            <a:endParaRPr kumimoji="1" lang="zh-CN" altLang="en-US" dirty="0"/>
+          </a:p>
+        </p:txBody>
+      </p:sp>
+      <p:sp>
+        <p:nvSpPr>
+          <p:cNvPr id="5" name="文本框 4"/>
+          <p:cNvSpPr txBox="1"/>
+          <p:nvPr/>
+        </p:nvSpPr>
+        <p:spPr>
+          <a:xfrm>
+            <a:off x="6448926" y="1699002"/>
+            <a:ext cx="648639" cy="369332"/>
+          </a:xfrm>
+          <a:prstGeom prst="rect">
+            <a:avLst/>
+          </a:prstGeom>
+          <a:noFill/>
+        </p:spPr>
+        <p:txBody>
+          <a:bodyPr wrap="none" rtlCol="0">
+            <a:spAutoFit/>
+          </a:bodyPr>
+          <a:lstStyle/>
+          <a:p>
+            <a:r>
+              <a:rPr kumimoji="1" lang="en-US" altLang="zh-CN" dirty="0" smtClean="0">
+                <a:solidFill>
+                  <a:schemeClr val="accent2">
+                    <a:lumMod val="75000"/>
+                  </a:schemeClr>
+                </a:solidFill>
+              </a:rPr>
+              <a:t>View</a:t>
+            </a:r>
+            <a:endParaRPr kumimoji="1" lang="zh-CN" altLang="en-US" dirty="0">
+              <a:solidFill>
+                <a:schemeClr val="accent2">
+                  <a:lumMod val="75000"/>
+                </a:schemeClr>
+              </a:solidFill>
+            </a:endParaRPr>
+          </a:p>
+        </p:txBody>
+      </p:sp>
+      <p:sp>
+        <p:nvSpPr>
+          <p:cNvPr id="6" name="文本框 5"/>
+          <p:cNvSpPr txBox="1"/>
+          <p:nvPr/>
+        </p:nvSpPr>
+        <p:spPr>
+          <a:xfrm>
+            <a:off x="6448926" y="2068334"/>
+            <a:ext cx="1870769" cy="369332"/>
+          </a:xfrm>
+          <a:prstGeom prst="rect">
+            <a:avLst/>
+          </a:prstGeom>
+          <a:noFill/>
+        </p:spPr>
+        <p:txBody>
+          <a:bodyPr wrap="none" rtlCol="0">
+            <a:spAutoFit/>
+          </a:bodyPr>
+          <a:lstStyle/>
+          <a:p>
+            <a:r>
+              <a:rPr kumimoji="1" lang="en-US" altLang="zh-CN" dirty="0" smtClean="0">
+                <a:solidFill>
+                  <a:schemeClr val="accent1">
+                    <a:lumMod val="75000"/>
+                  </a:schemeClr>
+                </a:solidFill>
+              </a:rPr>
+              <a:t>Activity/Fragment</a:t>
+            </a:r>
+            <a:endParaRPr kumimoji="1" lang="zh-CN" altLang="en-US" dirty="0">
+              <a:solidFill>
+                <a:schemeClr val="accent1">
+                  <a:lumMod val="75000"/>
+                </a:schemeClr>
+              </a:solidFill>
+            </a:endParaRPr>
+          </a:p>
+        </p:txBody>
+      </p:sp>
+      <p:sp>
+        <p:nvSpPr>
+          <p:cNvPr id="7" name="矩形 6"/>
+          <p:cNvSpPr/>
+          <p:nvPr/>
+        </p:nvSpPr>
+        <p:spPr>
+          <a:xfrm>
+            <a:off x="6701078" y="3996195"/>
+            <a:ext cx="1366463" cy="616449"/>
+          </a:xfrm>
+          <a:prstGeom prst="rect">
+            <a:avLst/>
+          </a:prstGeom>
+          <a:solidFill>
+            <a:schemeClr val="accent2">
+              <a:lumMod val="40000"/>
+              <a:lumOff val="60000"/>
+            </a:schemeClr>
+          </a:solidFill>
+          <a:ln>
+            <a:noFill/>
+          </a:ln>
+        </p:spPr>
+        <p:style>
+          <a:lnRef idx="2">
+            <a:schemeClr val="accent1">
+              <a:shade val="50000"/>
+            </a:schemeClr>
+          </a:lnRef>
+          <a:fillRef idx="1">
+            <a:schemeClr val="accent1"/>
+          </a:fillRef>
+          <a:effectRef idx="0">
+            <a:schemeClr val="accent1"/>
+          </a:effectRef>
+          <a:fontRef idx="minor">
+            <a:schemeClr val="lt1"/>
+          </a:fontRef>
+        </p:style>
+        <p:txBody>
+          <a:bodyPr rtlCol="0" anchor="ctr"/>
+          <a:lstStyle/>
+          <a:p>
+            <a:pPr algn="ctr"/>
+            <a:r>
+              <a:rPr kumimoji="1" lang="en-US" altLang="zh-CN" dirty="0" smtClean="0">
+                <a:solidFill>
+                  <a:schemeClr val="accent2">
+                    <a:lumMod val="75000"/>
+                  </a:schemeClr>
+                </a:solidFill>
+              </a:rPr>
+              <a:t>ViewModel</a:t>
+            </a:r>
+            <a:endParaRPr kumimoji="1" lang="zh-CN" altLang="en-US" dirty="0">
+              <a:solidFill>
+                <a:schemeClr val="accent2">
+                  <a:lumMod val="75000"/>
+                </a:schemeClr>
+              </a:solidFill>
+            </a:endParaRPr>
+          </a:p>
+        </p:txBody>
+      </p:sp>
+      <p:sp>
+        <p:nvSpPr>
+          <p:cNvPr id="8" name="矩形 7"/>
+          <p:cNvSpPr/>
+          <p:nvPr/>
+        </p:nvSpPr>
+        <p:spPr>
+          <a:xfrm>
+            <a:off x="6701078" y="2518482"/>
+            <a:ext cx="1366463" cy="604929"/>
+          </a:xfrm>
+          <a:prstGeom prst="rect">
+            <a:avLst/>
+          </a:prstGeom>
+          <a:solidFill>
+            <a:schemeClr val="accent4">
+              <a:lumMod val="40000"/>
+              <a:lumOff val="60000"/>
+            </a:schemeClr>
+          </a:solidFill>
+          <a:ln>
+            <a:noFill/>
+          </a:ln>
+        </p:spPr>
+        <p:style>
+          <a:lnRef idx="2">
+            <a:schemeClr val="accent1">
+              <a:shade val="50000"/>
+            </a:schemeClr>
+          </a:lnRef>
+          <a:fillRef idx="1">
+            <a:schemeClr val="accent1"/>
+          </a:fillRef>
+          <a:effectRef idx="0">
+            <a:schemeClr val="accent1"/>
+          </a:effectRef>
+          <a:fontRef idx="minor">
+            <a:schemeClr val="lt1"/>
+          </a:fontRef>
+        </p:style>
+        <p:txBody>
+          <a:bodyPr rtlCol="0" anchor="ctr"/>
+          <a:lstStyle/>
+          <a:p>
+            <a:pPr algn="ctr"/>
+            <a:r>
+              <a:rPr kumimoji="1" lang="en-US" altLang="zh-CN" dirty="0" smtClean="0">
+                <a:solidFill>
+                  <a:schemeClr val="accent4">
+                    <a:lumMod val="75000"/>
+                  </a:schemeClr>
+                </a:solidFill>
+              </a:rPr>
+              <a:t>View</a:t>
+            </a:r>
+            <a:endParaRPr kumimoji="1" lang="zh-CN" altLang="en-US" dirty="0">
+              <a:solidFill>
+                <a:schemeClr val="accent4">
+                  <a:lumMod val="75000"/>
+                </a:schemeClr>
+              </a:solidFill>
+            </a:endParaRPr>
+          </a:p>
+        </p:txBody>
+      </p:sp>
+      <p:sp>
+        <p:nvSpPr>
+          <p:cNvPr id="9" name="矩形 8"/>
+          <p:cNvSpPr/>
+          <p:nvPr/>
+        </p:nvSpPr>
+        <p:spPr>
+          <a:xfrm>
+            <a:off x="9568449" y="3111226"/>
+            <a:ext cx="1535723" cy="708786"/>
+          </a:xfrm>
+          <a:prstGeom prst="rect">
+            <a:avLst/>
+          </a:prstGeom>
+          <a:solidFill>
+            <a:schemeClr val="accent6">
+              <a:lumMod val="60000"/>
+              <a:lumOff val="40000"/>
+            </a:schemeClr>
+          </a:solidFill>
+          <a:ln>
+            <a:noFill/>
+          </a:ln>
+        </p:spPr>
+        <p:style>
+          <a:lnRef idx="2">
+            <a:schemeClr val="accent1">
+              <a:shade val="50000"/>
+            </a:schemeClr>
+          </a:lnRef>
+          <a:fillRef idx="1">
+            <a:schemeClr val="accent1"/>
+          </a:fillRef>
+          <a:effectRef idx="0">
+            <a:schemeClr val="accent1"/>
+          </a:effectRef>
+          <a:fontRef idx="minor">
+            <a:schemeClr val="lt1"/>
+          </a:fontRef>
+        </p:style>
+        <p:txBody>
+          <a:bodyPr rtlCol="0" anchor="ctr"/>
+          <a:lstStyle/>
+          <a:p>
+            <a:pPr algn="ctr"/>
+            <a:r>
+              <a:rPr kumimoji="1" lang="en-US" altLang="zh-CN" dirty="0" smtClean="0">
+                <a:solidFill>
+                  <a:schemeClr val="accent6">
+                    <a:lumMod val="75000"/>
+                  </a:schemeClr>
+                </a:solidFill>
+              </a:rPr>
+              <a:t>DataBinding</a:t>
+            </a:r>
+            <a:endParaRPr kumimoji="1" lang="zh-CN" altLang="en-US" dirty="0">
+              <a:solidFill>
+                <a:schemeClr val="accent6">
+                  <a:lumMod val="75000"/>
+                </a:schemeClr>
+              </a:solidFill>
+            </a:endParaRPr>
+          </a:p>
+        </p:txBody>
+      </p:sp>
+      <p:cxnSp>
+        <p:nvCxnSpPr>
+          <p:cNvPr id="11" name="直线箭头连接符 10"/>
+          <p:cNvCxnSpPr>
+            <a:stCxn id="7" idx="3"/>
+            <a:endCxn id="9" idx="1"/>
+          </p:cNvCxnSpPr>
+          <p:nvPr/>
+        </p:nvCxnSpPr>
+        <p:spPr>
+          <a:xfrm flipV="1">
+            <a:off x="8067541" y="3465619"/>
+            <a:ext cx="1500908" cy="838801"/>
+          </a:xfrm>
+          <a:prstGeom prst="straightConnector1">
+            <a:avLst/>
+          </a:prstGeom>
+          <a:ln w="25400">
+            <a:solidFill>
+              <a:schemeClr val="accent1"/>
+            </a:solidFill>
+            <a:prstDash val="sysDash"/>
+            <a:headEnd w="lg" len="lg"/>
+            <a:tailEnd type="triangle" w="lg" len="lg"/>
+          </a:ln>
+        </p:spPr>
+        <p:style>
+          <a:lnRef idx="1">
+            <a:schemeClr val="accent1"/>
+          </a:lnRef>
+          <a:fillRef idx="0">
+            <a:schemeClr val="accent1"/>
+          </a:fillRef>
+          <a:effectRef idx="0">
+            <a:schemeClr val="accent1"/>
+          </a:effectRef>
+          <a:fontRef idx="minor">
+            <a:schemeClr val="tx1"/>
+          </a:fontRef>
+        </p:style>
+      </p:cxnSp>
+      <p:cxnSp>
+        <p:nvCxnSpPr>
+          <p:cNvPr id="12" name="直线箭头连接符 11"/>
+          <p:cNvCxnSpPr>
+            <a:stCxn id="9" idx="1"/>
+            <a:endCxn id="8" idx="3"/>
+          </p:cNvCxnSpPr>
+          <p:nvPr/>
+        </p:nvCxnSpPr>
+        <p:spPr>
+          <a:xfrm flipH="1" flipV="1">
+            <a:off x="8067541" y="2820947"/>
+            <a:ext cx="1500908" cy="644672"/>
+          </a:xfrm>
+          <a:prstGeom prst="straightConnector1">
+            <a:avLst/>
+          </a:prstGeom>
+          <a:ln w="25400">
+            <a:solidFill>
+              <a:schemeClr val="accent1"/>
+            </a:solidFill>
+            <a:prstDash val="sysDash"/>
+            <a:headEnd w="lg" len="lg"/>
+            <a:tailEnd type="triangle" w="lg" len="lg"/>
+          </a:ln>
+        </p:spPr>
+        <p:style>
+          <a:lnRef idx="1">
+            <a:schemeClr val="accent1"/>
+          </a:lnRef>
+          <a:fillRef idx="0">
+            <a:schemeClr val="accent1"/>
+          </a:fillRef>
+          <a:effectRef idx="0">
+            <a:schemeClr val="accent1"/>
+          </a:effectRef>
+          <a:fontRef idx="minor">
+            <a:schemeClr val="tx1"/>
+          </a:fontRef>
+        </p:style>
+      </p:cxnSp>
+      <p:sp>
+        <p:nvSpPr>
+          <p:cNvPr id="16" name="矩形 15"/>
+          <p:cNvSpPr/>
+          <p:nvPr/>
+        </p:nvSpPr>
+        <p:spPr>
+          <a:xfrm>
+            <a:off x="782054" y="2050179"/>
+            <a:ext cx="4109988" cy="2794572"/>
+          </a:xfrm>
+          <a:prstGeom prst="rect">
+            <a:avLst/>
+          </a:prstGeom>
+          <a:solidFill>
+            <a:schemeClr val="bg2">
+              <a:lumMod val="75000"/>
+            </a:schemeClr>
+          </a:solidFill>
+          <a:ln>
+            <a:noFill/>
+          </a:ln>
+        </p:spPr>
+        <p:style>
+          <a:lnRef idx="2">
+            <a:schemeClr val="accent1">
+              <a:shade val="50000"/>
+            </a:schemeClr>
+          </a:lnRef>
+          <a:fillRef idx="1">
+            <a:schemeClr val="accent1"/>
+          </a:fillRef>
+          <a:effectRef idx="0">
+            <a:schemeClr val="accent1"/>
+          </a:effectRef>
+          <a:fontRef idx="minor">
+            <a:schemeClr val="lt1"/>
+          </a:fontRef>
+        </p:style>
+        <p:txBody>
+          <a:bodyPr rtlCol="0" anchor="ctr"/>
+          <a:lstStyle/>
+          <a:p>
+            <a:pPr algn="ctr"/>
+            <a:endParaRPr kumimoji="1" lang="zh-CN" altLang="en-US"/>
+          </a:p>
+        </p:txBody>
+      </p:sp>
+      <p:sp>
+        <p:nvSpPr>
+          <p:cNvPr id="17" name="文本框 16"/>
+          <p:cNvSpPr txBox="1"/>
+          <p:nvPr/>
+        </p:nvSpPr>
+        <p:spPr>
+          <a:xfrm>
+            <a:off x="2338938" y="1680848"/>
+            <a:ext cx="793807" cy="369332"/>
+          </a:xfrm>
+          <a:prstGeom prst="rect">
+            <a:avLst/>
+          </a:prstGeom>
+          <a:noFill/>
+        </p:spPr>
+        <p:txBody>
+          <a:bodyPr wrap="none" rtlCol="0">
+            <a:spAutoFit/>
+          </a:bodyPr>
+          <a:lstStyle/>
+          <a:p>
+            <a:r>
+              <a:rPr kumimoji="1" lang="en-US" altLang="zh-CN" dirty="0" smtClean="0">
+                <a:solidFill>
+                  <a:schemeClr val="bg2">
+                    <a:lumMod val="50000"/>
+                  </a:schemeClr>
+                </a:solidFill>
+              </a:rPr>
+              <a:t>Model</a:t>
+            </a:r>
+            <a:endParaRPr kumimoji="1" lang="zh-CN" altLang="en-US" dirty="0">
+              <a:solidFill>
+                <a:schemeClr val="bg2">
+                  <a:lumMod val="50000"/>
+                </a:schemeClr>
+              </a:solidFill>
+            </a:endParaRPr>
+          </a:p>
+        </p:txBody>
+      </p:sp>
+      <p:sp>
+        <p:nvSpPr>
+          <p:cNvPr id="18" name="矩形 17"/>
+          <p:cNvSpPr/>
+          <p:nvPr/>
+        </p:nvSpPr>
+        <p:spPr>
+          <a:xfrm>
+            <a:off x="952902" y="4008988"/>
+            <a:ext cx="3686476" cy="616449"/>
+          </a:xfrm>
+          <a:prstGeom prst="rect">
+            <a:avLst/>
+          </a:prstGeom>
+          <a:solidFill>
+            <a:schemeClr val="bg2">
+              <a:lumMod val="90000"/>
+            </a:schemeClr>
+          </a:solidFill>
+          <a:ln>
+            <a:noFill/>
+          </a:ln>
+        </p:spPr>
+        <p:style>
+          <a:lnRef idx="2">
+            <a:schemeClr val="accent1">
+              <a:shade val="50000"/>
+            </a:schemeClr>
+          </a:lnRef>
+          <a:fillRef idx="1">
+            <a:schemeClr val="accent1"/>
+          </a:fillRef>
+          <a:effectRef idx="0">
+            <a:schemeClr val="accent1"/>
+          </a:effectRef>
+          <a:fontRef idx="minor">
+            <a:schemeClr val="lt1"/>
+          </a:fontRef>
+        </p:style>
+        <p:txBody>
+          <a:bodyPr rtlCol="0" anchor="ctr"/>
+          <a:lstStyle/>
+          <a:p>
+            <a:pPr algn="ctr"/>
+            <a:r>
+              <a:rPr kumimoji="1" lang="en-US" altLang="zh-CN" smtClean="0"/>
+              <a:t>Repository</a:t>
+            </a:r>
+            <a:endParaRPr kumimoji="1" lang="zh-CN" altLang="en-US" dirty="0"/>
+          </a:p>
+        </p:txBody>
+      </p:sp>
+      <p:sp>
+        <p:nvSpPr>
+          <p:cNvPr id="19" name="矩形 18"/>
+          <p:cNvSpPr/>
+          <p:nvPr/>
+        </p:nvSpPr>
+        <p:spPr>
+          <a:xfrm>
+            <a:off x="2269156" y="2357094"/>
+            <a:ext cx="1058779" cy="1108526"/>
+          </a:xfrm>
+          <a:prstGeom prst="rect">
+            <a:avLst/>
+          </a:prstGeom>
+          <a:solidFill>
+            <a:schemeClr val="tx1">
+              <a:lumMod val="50000"/>
+              <a:lumOff val="50000"/>
+            </a:schemeClr>
+          </a:solidFill>
+          <a:ln>
+            <a:noFill/>
+          </a:ln>
+        </p:spPr>
+        <p:style>
+          <a:lnRef idx="2">
+            <a:schemeClr val="accent1">
+              <a:shade val="50000"/>
+            </a:schemeClr>
+          </a:lnRef>
+          <a:fillRef idx="1">
+            <a:schemeClr val="accent1"/>
+          </a:fillRef>
+          <a:effectRef idx="0">
+            <a:schemeClr val="accent1"/>
+          </a:effectRef>
+          <a:fontRef idx="minor">
+            <a:schemeClr val="lt1"/>
+          </a:fontRef>
+        </p:style>
+        <p:txBody>
+          <a:bodyPr rtlCol="0" anchor="ctr"/>
+          <a:lstStyle/>
+          <a:p>
+            <a:pPr algn="ctr"/>
+            <a:r>
+              <a:rPr kumimoji="1" lang="en-US" altLang="zh-CN" dirty="0" smtClean="0"/>
+              <a:t>Remote</a:t>
+            </a:r>
+            <a:endParaRPr kumimoji="1" lang="zh-CN" altLang="en-US" dirty="0"/>
+          </a:p>
+        </p:txBody>
+      </p:sp>
+      <p:sp>
+        <p:nvSpPr>
+          <p:cNvPr id="20" name="矩形 19"/>
+          <p:cNvSpPr/>
+          <p:nvPr/>
+        </p:nvSpPr>
+        <p:spPr>
+          <a:xfrm>
+            <a:off x="3580599" y="2354769"/>
+            <a:ext cx="1058779" cy="1110852"/>
+          </a:xfrm>
+          <a:prstGeom prst="rect">
+            <a:avLst/>
+          </a:prstGeom>
+          <a:solidFill>
+            <a:schemeClr val="bg2">
+              <a:lumMod val="50000"/>
+            </a:schemeClr>
+          </a:solidFill>
+          <a:ln>
+            <a:noFill/>
+          </a:ln>
+        </p:spPr>
+        <p:style>
+          <a:lnRef idx="2">
+            <a:schemeClr val="accent1">
+              <a:shade val="50000"/>
+            </a:schemeClr>
+          </a:lnRef>
+          <a:fillRef idx="1">
+            <a:schemeClr val="accent1"/>
+          </a:fillRef>
+          <a:effectRef idx="0">
+            <a:schemeClr val="accent1"/>
+          </a:effectRef>
+          <a:fontRef idx="minor">
+            <a:schemeClr val="lt1"/>
+          </a:fontRef>
+        </p:style>
+        <p:txBody>
+          <a:bodyPr rtlCol="0" anchor="ctr"/>
+          <a:lstStyle/>
+          <a:p>
+            <a:pPr algn="ctr"/>
+            <a:r>
+              <a:rPr kumimoji="1" lang="en-US" altLang="zh-CN" dirty="0" smtClean="0"/>
+              <a:t>DataBase</a:t>
+            </a:r>
+            <a:endParaRPr kumimoji="1" lang="zh-CN" altLang="en-US" dirty="0"/>
+          </a:p>
+        </p:txBody>
+      </p:sp>
+      <p:cxnSp>
+        <p:nvCxnSpPr>
+          <p:cNvPr id="22" name="直线箭头连接符 21"/>
+          <p:cNvCxnSpPr>
+            <a:stCxn id="7" idx="1"/>
+            <a:endCxn id="18" idx="3"/>
+          </p:cNvCxnSpPr>
+          <p:nvPr/>
+        </p:nvCxnSpPr>
+        <p:spPr>
+          <a:xfrm flipH="1">
+            <a:off x="4639378" y="4304420"/>
+            <a:ext cx="2061700" cy="12793"/>
+          </a:xfrm>
+          <a:prstGeom prst="straightConnector1">
+            <a:avLst/>
+          </a:prstGeom>
+          <a:ln w="25400">
+            <a:prstDash val="sysDash"/>
+            <a:headEnd type="stealth" w="lg" len="lg"/>
+            <a:tailEnd type="stealth" w="lg" len="lg"/>
+          </a:ln>
+        </p:spPr>
+        <p:style>
+          <a:lnRef idx="1">
+            <a:schemeClr val="accent1"/>
+          </a:lnRef>
+          <a:fillRef idx="0">
+            <a:schemeClr val="accent1"/>
+          </a:fillRef>
+          <a:effectRef idx="0">
+            <a:schemeClr val="accent1"/>
+          </a:effectRef>
+          <a:fontRef idx="minor">
+            <a:schemeClr val="tx1"/>
+          </a:fontRef>
+        </p:style>
+      </p:cxnSp>
+      <p:cxnSp>
+        <p:nvCxnSpPr>
+          <p:cNvPr id="23" name="直线箭头连接符 22"/>
+          <p:cNvCxnSpPr>
+            <a:stCxn id="19" idx="2"/>
+            <a:endCxn id="18" idx="0"/>
+          </p:cNvCxnSpPr>
+          <p:nvPr/>
+        </p:nvCxnSpPr>
+        <p:spPr>
+          <a:xfrm flipH="1">
+            <a:off x="2796140" y="3465620"/>
+            <a:ext cx="2406" cy="543368"/>
+          </a:xfrm>
+          <a:prstGeom prst="straightConnector1">
+            <a:avLst/>
+          </a:prstGeom>
+          <a:ln w="25400">
+            <a:prstDash val="sysDash"/>
+            <a:headEnd type="stealth" w="lg" len="lg"/>
+            <a:tailEnd type="stealth" w="lg" len="lg"/>
+          </a:ln>
+        </p:spPr>
+        <p:style>
+          <a:lnRef idx="1">
+            <a:schemeClr val="accent1"/>
+          </a:lnRef>
+          <a:fillRef idx="0">
+            <a:schemeClr val="accent1"/>
+          </a:fillRef>
+          <a:effectRef idx="0">
+            <a:schemeClr val="accent1"/>
+          </a:effectRef>
+          <a:fontRef idx="minor">
+            <a:schemeClr val="tx1"/>
+          </a:fontRef>
+        </p:style>
+      </p:cxnSp>
+      <p:cxnSp>
+        <p:nvCxnSpPr>
+          <p:cNvPr id="26" name="直线箭头连接符 25"/>
+          <p:cNvCxnSpPr>
+            <a:stCxn id="20" idx="2"/>
+            <a:endCxn id="18" idx="0"/>
+          </p:cNvCxnSpPr>
+          <p:nvPr/>
+        </p:nvCxnSpPr>
+        <p:spPr>
+          <a:xfrm flipH="1">
+            <a:off x="2796140" y="3465621"/>
+            <a:ext cx="1313849" cy="543367"/>
+          </a:xfrm>
+          <a:prstGeom prst="straightConnector1">
+            <a:avLst/>
+          </a:prstGeom>
+          <a:ln w="25400">
+            <a:prstDash val="sysDash"/>
+            <a:headEnd type="stealth" w="lg" len="lg"/>
+            <a:tailEnd type="stealth" w="lg" len="lg"/>
+          </a:ln>
+        </p:spPr>
+        <p:style>
+          <a:lnRef idx="1">
+            <a:schemeClr val="accent1"/>
+          </a:lnRef>
+          <a:fillRef idx="0">
+            <a:schemeClr val="accent1"/>
+          </a:fillRef>
+          <a:effectRef idx="0">
+            <a:schemeClr val="accent1"/>
+          </a:effectRef>
+          <a:fontRef idx="minor">
+            <a:schemeClr val="tx1"/>
+          </a:fontRef>
+        </p:style>
+      </p:cxnSp>
+      <p:sp>
+        <p:nvSpPr>
+          <p:cNvPr id="52" name="矩形 51"/>
+          <p:cNvSpPr/>
+          <p:nvPr/>
+        </p:nvSpPr>
+        <p:spPr>
+          <a:xfrm>
+            <a:off x="1024598" y="2387141"/>
+            <a:ext cx="1020278" cy="1046108"/>
+          </a:xfrm>
+          <a:prstGeom prst="rect">
+            <a:avLst/>
+          </a:prstGeom>
+          <a:solidFill>
+            <a:schemeClr val="bg1">
+              <a:lumMod val="85000"/>
+            </a:schemeClr>
+          </a:solidFill>
+          <a:ln>
+            <a:noFill/>
+          </a:ln>
+        </p:spPr>
+        <p:style>
+          <a:lnRef idx="2">
+            <a:schemeClr val="accent1">
+              <a:shade val="50000"/>
+            </a:schemeClr>
+          </a:lnRef>
+          <a:fillRef idx="1">
+            <a:schemeClr val="accent1"/>
+          </a:fillRef>
+          <a:effectRef idx="0">
+            <a:schemeClr val="accent1"/>
+          </a:effectRef>
+          <a:fontRef idx="minor">
+            <a:schemeClr val="lt1"/>
+          </a:fontRef>
+        </p:style>
+        <p:txBody>
+          <a:bodyPr rtlCol="0" anchor="ctr"/>
+          <a:lstStyle/>
+          <a:p>
+            <a:pPr algn="ctr"/>
+            <a:r>
+              <a:rPr kumimoji="1" lang="en-US" altLang="zh-CN" dirty="0" smtClean="0"/>
+              <a:t>Memory</a:t>
+            </a:r>
+            <a:endParaRPr kumimoji="1" lang="zh-CN" altLang="en-US" dirty="0"/>
+          </a:p>
+        </p:txBody>
+      </p:sp>
+      <p:cxnSp>
+        <p:nvCxnSpPr>
+          <p:cNvPr id="53" name="直线箭头连接符 52"/>
+          <p:cNvCxnSpPr>
+            <a:stCxn id="52" idx="2"/>
+          </p:cNvCxnSpPr>
+          <p:nvPr/>
+        </p:nvCxnSpPr>
+        <p:spPr>
+          <a:xfrm>
+            <a:off x="1534737" y="3433249"/>
+            <a:ext cx="1253537" cy="575738"/>
+          </a:xfrm>
+          <a:prstGeom prst="straightConnector1">
+            <a:avLst/>
+          </a:prstGeom>
+          <a:ln w="25400">
+            <a:prstDash val="sysDash"/>
+            <a:headEnd type="stealth" w="lg" len="lg"/>
+            <a:tailEnd type="stealth" w="lg" len="lg"/>
+          </a:ln>
+        </p:spPr>
+        <p:style>
+          <a:lnRef idx="1">
+            <a:schemeClr val="accent1"/>
+          </a:lnRef>
+          <a:fillRef idx="0">
+            <a:schemeClr val="accent1"/>
+          </a:fillRef>
+          <a:effectRef idx="0">
+            <a:schemeClr val="accent1"/>
+          </a:effectRef>
+          <a:fontRef idx="minor">
+            <a:schemeClr val="tx1"/>
+          </a:fontRef>
+        </p:style>
+      </p:cxnSp>
+      <p:sp>
+        <p:nvSpPr>
+          <p:cNvPr id="2" name="文本框 1"/>
+          <p:cNvSpPr txBox="1"/>
+          <p:nvPr/>
+        </p:nvSpPr>
+        <p:spPr>
+          <a:xfrm>
+            <a:off x="952902" y="447869"/>
+            <a:ext cx="1766125" cy="369332"/>
+          </a:xfrm>
+          <a:prstGeom prst="rect">
+            <a:avLst/>
+          </a:prstGeom>
+          <a:noFill/>
+        </p:spPr>
+        <p:txBody>
+          <a:bodyPr wrap="none" rtlCol="0">
+            <a:spAutoFit/>
+          </a:bodyPr>
+          <a:lstStyle/>
+          <a:p>
+            <a:r>
+              <a:rPr kumimoji="1" lang="en-US" altLang="zh-CN"/>
+              <a:t>MVVM</a:t>
+            </a:r>
+            <a:r>
+              <a:rPr kumimoji="1" lang="zh-CN" altLang="en-US"/>
+              <a:t>基础架构</a:t>
+            </a:r>
+          </a:p>
+        </p:txBody>
+      </p:sp>
+    </p:spTree>
+    <p:extLst>
+      <p:ext uri="{BB962C8B-B14F-4D97-AF65-F5344CB8AC3E}">
+        <p14:creationId xmlns:p14="http://schemas.microsoft.com/office/powerpoint/2010/main" val="1935119113"/>
+      </p:ext>
+    </p:extLst>
+  </p:cSld>
+  <p:clrMapOvr>
+    <a:masterClrMapping/>
+  </p:clrMapOvr>
+</p:sld>
+</file>
+
+<file path=ppt/slides/slide3.xml><?xml version="1.0" encoding="utf-8"?>
+<p:sld xmlns:a="http://schemas.openxmlformats.org/drawingml/2006/main" xmlns:r="http://schemas.openxmlformats.org/officeDocument/2006/relationships" xmlns:p="http://schemas.openxmlformats.org/presentationml/2006/main">
+  <p:cSld>
+    <p:spTree>
+      <p:nvGrpSpPr>
+        <p:cNvPr id="1" name=""/>
+        <p:cNvGrpSpPr/>
+        <p:nvPr/>
+      </p:nvGrpSpPr>
+      <p:grpSpPr>
+        <a:xfrm>
+          <a:off x="0" y="0"/>
+          <a:ext cx="0" cy="0"/>
+          <a:chOff x="0" y="0"/>
+          <a:chExt cx="0" cy="0"/>
+        </a:xfrm>
+      </p:grpSpPr>
+      <p:sp>
+        <p:nvSpPr>
+          <p:cNvPr id="4" name="矩形 3"/>
+          <p:cNvSpPr/>
+          <p:nvPr/>
+        </p:nvSpPr>
+        <p:spPr>
+          <a:xfrm>
             <a:off x="259882" y="577516"/>
             <a:ext cx="3859731" cy="6092791"/>
           </a:xfrm>
@@ -4086,17 +5175,7 @@
                   </a:schemeClr>
                 </a:solidFill>
               </a:rPr>
-              <a:t>databindin</a:t>
-            </a:r>
-            <a:r>
-              <a:rPr kumimoji="1" lang="en-US" altLang="zh-CN" dirty="0" err="1" smtClean="0">
-                <a:solidFill>
-                  <a:schemeClr val="accent2">
-                    <a:lumMod val="75000"/>
-                  </a:schemeClr>
-                </a:solidFill>
-              </a:rPr>
-              <a:t>g</a:t>
+              <a:t>databinding</a:t>
             </a:r>
             <a:r>
               <a:rPr kumimoji="1" lang="en-US" altLang="zh-CN" sz="1200" dirty="0" smtClean="0">
@@ -5100,10 +6179,5714 @@
           </a:fontRef>
         </p:style>
       </p:cxnSp>
+      <p:sp>
+        <p:nvSpPr>
+          <p:cNvPr id="2" name="文本框 1"/>
+          <p:cNvSpPr txBox="1"/>
+          <p:nvPr/>
+        </p:nvSpPr>
+        <p:spPr>
+          <a:xfrm>
+            <a:off x="5980922" y="208184"/>
+            <a:ext cx="2227789" cy="369332"/>
+          </a:xfrm>
+          <a:prstGeom prst="rect">
+            <a:avLst/>
+          </a:prstGeom>
+          <a:noFill/>
+        </p:spPr>
+        <p:txBody>
+          <a:bodyPr wrap="none" rtlCol="0">
+            <a:spAutoFit/>
+          </a:bodyPr>
+          <a:lstStyle/>
+          <a:p>
+            <a:r>
+              <a:rPr kumimoji="1" lang="en-US" altLang="zh-CN"/>
+              <a:t>MVVM</a:t>
+            </a:r>
+            <a:r>
+              <a:rPr kumimoji="1" lang="zh-CN" altLang="en-US"/>
+              <a:t>基础实现架构</a:t>
+            </a:r>
+          </a:p>
+        </p:txBody>
+      </p:sp>
     </p:spTree>
     <p:extLst>
       <p:ext uri="{BB962C8B-B14F-4D97-AF65-F5344CB8AC3E}">
         <p14:creationId xmlns:p14="http://schemas.microsoft.com/office/powerpoint/2010/main" val="1247243125"/>
+      </p:ext>
+    </p:extLst>
+  </p:cSld>
+  <p:clrMapOvr>
+    <a:masterClrMapping/>
+  </p:clrMapOvr>
+</p:sld>
+</file>
+
+<file path=ppt/slides/slide4.xml><?xml version="1.0" encoding="utf-8"?>
+<p:sld xmlns:a="http://schemas.openxmlformats.org/drawingml/2006/main" xmlns:r="http://schemas.openxmlformats.org/officeDocument/2006/relationships" xmlns:p="http://schemas.openxmlformats.org/presentationml/2006/main">
+  <p:cSld>
+    <p:spTree>
+      <p:nvGrpSpPr>
+        <p:cNvPr id="1" name=""/>
+        <p:cNvGrpSpPr/>
+        <p:nvPr/>
+      </p:nvGrpSpPr>
+      <p:grpSpPr>
+        <a:xfrm>
+          <a:off x="0" y="0"/>
+          <a:ext cx="0" cy="0"/>
+          <a:chOff x="0" y="0"/>
+          <a:chExt cx="0" cy="0"/>
+        </a:xfrm>
+      </p:grpSpPr>
+      <p:sp>
+        <p:nvSpPr>
+          <p:cNvPr id="4" name="文本框 3"/>
+          <p:cNvSpPr txBox="1"/>
+          <p:nvPr/>
+        </p:nvSpPr>
+        <p:spPr>
+          <a:xfrm>
+            <a:off x="317241" y="242596"/>
+            <a:ext cx="1766125" cy="369332"/>
+          </a:xfrm>
+          <a:prstGeom prst="rect">
+            <a:avLst/>
+          </a:prstGeom>
+          <a:noFill/>
+        </p:spPr>
+        <p:txBody>
+          <a:bodyPr wrap="none" rtlCol="0">
+            <a:spAutoFit/>
+          </a:bodyPr>
+          <a:lstStyle/>
+          <a:p>
+            <a:r>
+              <a:rPr kumimoji="1" lang="en-US" altLang="zh-CN"/>
+              <a:t>MVVM</a:t>
+            </a:r>
+            <a:r>
+              <a:rPr kumimoji="1" lang="zh-CN" altLang="en-US"/>
+              <a:t>开发过程</a:t>
+            </a:r>
+          </a:p>
+        </p:txBody>
+      </p:sp>
+      <p:sp>
+        <p:nvSpPr>
+          <p:cNvPr id="5" name="矩形 4"/>
+          <p:cNvSpPr/>
+          <p:nvPr/>
+        </p:nvSpPr>
+        <p:spPr>
+          <a:xfrm>
+            <a:off x="3668250" y="793102"/>
+            <a:ext cx="2238028" cy="503854"/>
+          </a:xfrm>
+          <a:prstGeom prst="rect">
+            <a:avLst/>
+          </a:prstGeom>
+          <a:solidFill>
+            <a:schemeClr val="accent2">
+              <a:lumMod val="20000"/>
+              <a:lumOff val="80000"/>
+            </a:schemeClr>
+          </a:solidFill>
+          <a:ln>
+            <a:noFill/>
+          </a:ln>
+        </p:spPr>
+        <p:style>
+          <a:lnRef idx="2">
+            <a:schemeClr val="accent1">
+              <a:shade val="50000"/>
+            </a:schemeClr>
+          </a:lnRef>
+          <a:fillRef idx="1">
+            <a:schemeClr val="accent1"/>
+          </a:fillRef>
+          <a:effectRef idx="0">
+            <a:schemeClr val="accent1"/>
+          </a:effectRef>
+          <a:fontRef idx="minor">
+            <a:schemeClr val="lt1"/>
+          </a:fontRef>
+        </p:style>
+        <p:txBody>
+          <a:bodyPr rtlCol="0" anchor="ctr"/>
+          <a:lstStyle/>
+          <a:p>
+            <a:pPr algn="ctr"/>
+            <a:r>
+              <a:rPr kumimoji="1" lang="zh-CN" altLang="en-US">
+                <a:solidFill>
+                  <a:schemeClr val="accent2">
+                    <a:lumMod val="75000"/>
+                  </a:schemeClr>
+                </a:solidFill>
+              </a:rPr>
+              <a:t>添加</a:t>
+            </a:r>
+            <a:r>
+              <a:rPr kumimoji="1" lang="en-US" altLang="zh-CN">
+                <a:solidFill>
+                  <a:schemeClr val="accent2">
+                    <a:lumMod val="75000"/>
+                  </a:schemeClr>
+                </a:solidFill>
+              </a:rPr>
+              <a:t>DataBinding</a:t>
+            </a:r>
+            <a:r>
+              <a:rPr kumimoji="1" lang="zh-CN" altLang="en-US">
+                <a:solidFill>
+                  <a:schemeClr val="accent2">
+                    <a:lumMod val="75000"/>
+                  </a:schemeClr>
+                </a:solidFill>
+              </a:rPr>
+              <a:t>支持</a:t>
+            </a:r>
+          </a:p>
+        </p:txBody>
+      </p:sp>
+      <p:sp>
+        <p:nvSpPr>
+          <p:cNvPr id="6" name="矩形 5"/>
+          <p:cNvSpPr/>
+          <p:nvPr/>
+        </p:nvSpPr>
+        <p:spPr>
+          <a:xfrm>
+            <a:off x="3668250" y="1720726"/>
+            <a:ext cx="2238028" cy="527951"/>
+          </a:xfrm>
+          <a:prstGeom prst="rect">
+            <a:avLst/>
+          </a:prstGeom>
+          <a:solidFill>
+            <a:schemeClr val="accent2">
+              <a:lumMod val="20000"/>
+              <a:lumOff val="80000"/>
+            </a:schemeClr>
+          </a:solidFill>
+          <a:ln>
+            <a:noFill/>
+          </a:ln>
+        </p:spPr>
+        <p:style>
+          <a:lnRef idx="2">
+            <a:schemeClr val="accent1">
+              <a:shade val="50000"/>
+            </a:schemeClr>
+          </a:lnRef>
+          <a:fillRef idx="1">
+            <a:schemeClr val="accent1"/>
+          </a:fillRef>
+          <a:effectRef idx="0">
+            <a:schemeClr val="accent1"/>
+          </a:effectRef>
+          <a:fontRef idx="minor">
+            <a:schemeClr val="lt1"/>
+          </a:fontRef>
+        </p:style>
+        <p:txBody>
+          <a:bodyPr rtlCol="0" anchor="ctr"/>
+          <a:lstStyle/>
+          <a:p>
+            <a:pPr algn="ctr"/>
+            <a:r>
+              <a:rPr kumimoji="1" lang="zh-CN" altLang="en-US">
+                <a:solidFill>
+                  <a:schemeClr val="accent2">
+                    <a:lumMod val="75000"/>
+                  </a:schemeClr>
+                </a:solidFill>
+              </a:rPr>
+              <a:t>设计</a:t>
+            </a:r>
+            <a:r>
+              <a:rPr kumimoji="1" lang="en-US" altLang="zh-CN">
+                <a:solidFill>
+                  <a:schemeClr val="accent2">
+                    <a:lumMod val="75000"/>
+                  </a:schemeClr>
+                </a:solidFill>
+              </a:rPr>
+              <a:t>Layout</a:t>
+            </a:r>
+            <a:endParaRPr kumimoji="1" lang="zh-CN" altLang="en-US">
+              <a:solidFill>
+                <a:schemeClr val="accent2">
+                  <a:lumMod val="75000"/>
+                </a:schemeClr>
+              </a:solidFill>
+            </a:endParaRPr>
+          </a:p>
+        </p:txBody>
+      </p:sp>
+      <p:cxnSp>
+        <p:nvCxnSpPr>
+          <p:cNvPr id="8" name="直线箭头连接符 7"/>
+          <p:cNvCxnSpPr>
+            <a:stCxn id="5" idx="2"/>
+            <a:endCxn id="6" idx="0"/>
+          </p:cNvCxnSpPr>
+          <p:nvPr/>
+        </p:nvCxnSpPr>
+        <p:spPr>
+          <a:xfrm>
+            <a:off x="4787264" y="1296956"/>
+            <a:ext cx="0" cy="423770"/>
+          </a:xfrm>
+          <a:prstGeom prst="straightConnector1">
+            <a:avLst/>
+          </a:prstGeom>
+          <a:ln>
+            <a:headEnd type="none" w="lg" len="lg"/>
+            <a:tailEnd type="stealth" w="lg" len="lg"/>
+          </a:ln>
+        </p:spPr>
+        <p:style>
+          <a:lnRef idx="1">
+            <a:schemeClr val="accent1"/>
+          </a:lnRef>
+          <a:fillRef idx="0">
+            <a:schemeClr val="accent1"/>
+          </a:fillRef>
+          <a:effectRef idx="0">
+            <a:schemeClr val="accent1"/>
+          </a:effectRef>
+          <a:fontRef idx="minor">
+            <a:schemeClr val="tx1"/>
+          </a:fontRef>
+        </p:style>
+      </p:cxnSp>
+      <p:sp>
+        <p:nvSpPr>
+          <p:cNvPr id="13" name="剪去单角的矩形 12"/>
+          <p:cNvSpPr/>
+          <p:nvPr/>
+        </p:nvSpPr>
+        <p:spPr>
+          <a:xfrm flipH="1">
+            <a:off x="738768" y="1720726"/>
+            <a:ext cx="2519265" cy="1759592"/>
+          </a:xfrm>
+          <a:prstGeom prst="snip1Rect">
+            <a:avLst/>
+          </a:prstGeom>
+          <a:solidFill>
+            <a:schemeClr val="accent6">
+              <a:lumMod val="20000"/>
+              <a:lumOff val="80000"/>
+            </a:schemeClr>
+          </a:solidFill>
+          <a:ln>
+            <a:noFill/>
+          </a:ln>
+        </p:spPr>
+        <p:style>
+          <a:lnRef idx="2">
+            <a:schemeClr val="accent1">
+              <a:shade val="50000"/>
+            </a:schemeClr>
+          </a:lnRef>
+          <a:fillRef idx="1">
+            <a:schemeClr val="accent1"/>
+          </a:fillRef>
+          <a:effectRef idx="0">
+            <a:schemeClr val="accent1"/>
+          </a:effectRef>
+          <a:fontRef idx="minor">
+            <a:schemeClr val="lt1"/>
+          </a:fontRef>
+        </p:style>
+        <p:txBody>
+          <a:bodyPr rtlCol="0" anchor="ctr"/>
+          <a:lstStyle/>
+          <a:p>
+            <a:pPr algn="ctr"/>
+            <a:endParaRPr kumimoji="1" lang="zh-CN" altLang="en-US"/>
+          </a:p>
+        </p:txBody>
+      </p:sp>
+      <p:cxnSp>
+        <p:nvCxnSpPr>
+          <p:cNvPr id="15" name="直线连接符 14"/>
+          <p:cNvCxnSpPr>
+            <a:stCxn id="6" idx="1"/>
+            <a:endCxn id="13" idx="2"/>
+          </p:cNvCxnSpPr>
+          <p:nvPr/>
+        </p:nvCxnSpPr>
+        <p:spPr>
+          <a:xfrm flipH="1">
+            <a:off x="3258033" y="1984702"/>
+            <a:ext cx="410217" cy="615820"/>
+          </a:xfrm>
+          <a:prstGeom prst="line">
+            <a:avLst/>
+          </a:prstGeom>
+          <a:ln w="19050">
+            <a:prstDash val="sysDash"/>
+          </a:ln>
+        </p:spPr>
+        <p:style>
+          <a:lnRef idx="1">
+            <a:schemeClr val="accent1"/>
+          </a:lnRef>
+          <a:fillRef idx="0">
+            <a:schemeClr val="accent1"/>
+          </a:fillRef>
+          <a:effectRef idx="0">
+            <a:schemeClr val="accent1"/>
+          </a:effectRef>
+          <a:fontRef idx="minor">
+            <a:schemeClr val="tx1"/>
+          </a:fontRef>
+        </p:style>
+      </p:cxnSp>
+      <p:sp>
+        <p:nvSpPr>
+          <p:cNvPr id="16" name="文本框 15"/>
+          <p:cNvSpPr txBox="1"/>
+          <p:nvPr/>
+        </p:nvSpPr>
+        <p:spPr>
+          <a:xfrm>
+            <a:off x="794755" y="1994032"/>
+            <a:ext cx="2452300" cy="1384995"/>
+          </a:xfrm>
+          <a:prstGeom prst="rect">
+            <a:avLst/>
+          </a:prstGeom>
+          <a:noFill/>
+        </p:spPr>
+        <p:txBody>
+          <a:bodyPr wrap="square" rtlCol="0">
+            <a:spAutoFit/>
+          </a:bodyPr>
+          <a:lstStyle/>
+          <a:p>
+            <a:r>
+              <a:rPr kumimoji="1" lang="en-US" altLang="zh-CN" sz="1400">
+                <a:solidFill>
+                  <a:schemeClr val="accent6">
+                    <a:lumMod val="75000"/>
+                  </a:schemeClr>
+                </a:solidFill>
+              </a:rPr>
+              <a:t>1.</a:t>
+            </a:r>
+            <a:r>
+              <a:rPr kumimoji="1" lang="zh-CN" altLang="en-US" sz="1400">
+                <a:solidFill>
+                  <a:schemeClr val="accent6">
+                    <a:lumMod val="75000"/>
+                  </a:schemeClr>
+                </a:solidFill>
+              </a:rPr>
+              <a:t>使用</a:t>
+            </a:r>
+            <a:r>
+              <a:rPr kumimoji="1" lang="en-US" altLang="zh-CN" sz="1400">
+                <a:solidFill>
+                  <a:schemeClr val="accent6">
+                    <a:lumMod val="75000"/>
+                  </a:schemeClr>
+                </a:solidFill>
+              </a:rPr>
+              <a:t>DataBinding</a:t>
+            </a:r>
+            <a:r>
+              <a:rPr kumimoji="1" lang="zh-CN" altLang="en-US" sz="1400">
+                <a:solidFill>
+                  <a:schemeClr val="accent6">
+                    <a:lumMod val="75000"/>
+                  </a:schemeClr>
+                </a:solidFill>
+              </a:rPr>
+              <a:t>方式构建基础</a:t>
+            </a:r>
+            <a:r>
+              <a:rPr kumimoji="1" lang="en-US" altLang="zh-CN" sz="1400">
+                <a:solidFill>
+                  <a:schemeClr val="accent6">
+                    <a:lumMod val="75000"/>
+                  </a:schemeClr>
+                </a:solidFill>
+              </a:rPr>
+              <a:t>layout</a:t>
+            </a:r>
+            <a:endParaRPr kumimoji="1" lang="zh-CN" altLang="en-US" sz="1400">
+              <a:solidFill>
+                <a:schemeClr val="accent6">
+                  <a:lumMod val="75000"/>
+                </a:schemeClr>
+              </a:solidFill>
+            </a:endParaRPr>
+          </a:p>
+          <a:p>
+            <a:r>
+              <a:rPr kumimoji="1" lang="en-US" altLang="zh-CN" sz="1400">
+                <a:solidFill>
+                  <a:schemeClr val="accent6">
+                    <a:lumMod val="75000"/>
+                  </a:schemeClr>
+                </a:solidFill>
+              </a:rPr>
+              <a:t>2.</a:t>
+            </a:r>
+            <a:r>
+              <a:rPr kumimoji="1" lang="zh-CN" altLang="en-US" sz="1400">
+                <a:solidFill>
+                  <a:schemeClr val="accent6">
+                    <a:lumMod val="75000"/>
+                  </a:schemeClr>
+                </a:solidFill>
+              </a:rPr>
+              <a:t>添加实际</a:t>
+            </a:r>
+            <a:r>
+              <a:rPr kumimoji="1" lang="en-US" altLang="zh-CN" sz="1400">
+                <a:solidFill>
+                  <a:schemeClr val="accent6">
+                    <a:lumMod val="75000"/>
+                  </a:schemeClr>
+                </a:solidFill>
+              </a:rPr>
+              <a:t>ViewRoot</a:t>
+            </a:r>
+            <a:r>
+              <a:rPr kumimoji="1" lang="zh-CN" altLang="en-US" sz="1400">
+                <a:solidFill>
+                  <a:schemeClr val="accent6">
+                    <a:lumMod val="75000"/>
+                  </a:schemeClr>
+                </a:solidFill>
+              </a:rPr>
+              <a:t>的</a:t>
+            </a:r>
+            <a:r>
+              <a:rPr kumimoji="1" lang="en-US" altLang="zh-CN" sz="1400">
+                <a:solidFill>
+                  <a:schemeClr val="accent6">
+                    <a:lumMod val="75000"/>
+                  </a:schemeClr>
+                </a:solidFill>
+              </a:rPr>
+              <a:t>Layout</a:t>
+            </a:r>
+            <a:endParaRPr kumimoji="1" lang="zh-CN" altLang="en-US" sz="1400">
+              <a:solidFill>
+                <a:schemeClr val="accent6">
+                  <a:lumMod val="75000"/>
+                </a:schemeClr>
+              </a:solidFill>
+            </a:endParaRPr>
+          </a:p>
+          <a:p>
+            <a:r>
+              <a:rPr kumimoji="1" lang="en-US" altLang="zh-CN" sz="1400">
+                <a:solidFill>
+                  <a:schemeClr val="accent6">
+                    <a:lumMod val="75000"/>
+                  </a:schemeClr>
+                </a:solidFill>
+              </a:rPr>
+              <a:t>3.</a:t>
+            </a:r>
+            <a:r>
+              <a:rPr kumimoji="1" lang="zh-CN" altLang="en-US" sz="1400">
+                <a:solidFill>
+                  <a:schemeClr val="accent6">
+                    <a:lumMod val="75000"/>
+                  </a:schemeClr>
+                </a:solidFill>
+              </a:rPr>
+              <a:t>添加使用的</a:t>
+            </a:r>
+            <a:r>
+              <a:rPr kumimoji="1" lang="en-US" altLang="zh-CN" sz="1400">
+                <a:solidFill>
+                  <a:schemeClr val="accent6">
+                    <a:lumMod val="75000"/>
+                  </a:schemeClr>
+                </a:solidFill>
+              </a:rPr>
+              <a:t>data</a:t>
+            </a:r>
+            <a:endParaRPr kumimoji="1" lang="zh-CN" altLang="en-US" sz="1400">
+              <a:solidFill>
+                <a:schemeClr val="accent6">
+                  <a:lumMod val="75000"/>
+                </a:schemeClr>
+              </a:solidFill>
+            </a:endParaRPr>
+          </a:p>
+          <a:p>
+            <a:r>
+              <a:rPr kumimoji="1" lang="en-US" altLang="zh-CN" sz="1400">
+                <a:solidFill>
+                  <a:schemeClr val="accent6">
+                    <a:lumMod val="75000"/>
+                  </a:schemeClr>
+                </a:solidFill>
+              </a:rPr>
+              <a:t>4.</a:t>
+            </a:r>
+            <a:r>
+              <a:rPr kumimoji="1" lang="zh-CN" altLang="en-US" sz="1400">
+                <a:solidFill>
+                  <a:schemeClr val="accent6">
+                    <a:lumMod val="75000"/>
+                  </a:schemeClr>
+                </a:solidFill>
+              </a:rPr>
+              <a:t>使用</a:t>
+            </a:r>
+            <a:r>
+              <a:rPr kumimoji="1" lang="en-US" altLang="zh-CN" sz="1400">
+                <a:solidFill>
+                  <a:schemeClr val="accent6">
+                    <a:lumMod val="75000"/>
+                  </a:schemeClr>
+                </a:solidFill>
+              </a:rPr>
+              <a:t>DataBinding</a:t>
+            </a:r>
+            <a:r>
+              <a:rPr kumimoji="1" lang="zh-CN" altLang="en-US" sz="1400">
+                <a:solidFill>
+                  <a:schemeClr val="accent6">
+                    <a:lumMod val="75000"/>
+                  </a:schemeClr>
+                </a:solidFill>
+              </a:rPr>
+              <a:t>支持的</a:t>
+            </a:r>
+            <a:r>
+              <a:rPr kumimoji="1" lang="en-US" altLang="zh-CN" sz="1400">
+                <a:solidFill>
+                  <a:schemeClr val="accent6">
+                    <a:lumMod val="75000"/>
+                  </a:schemeClr>
+                </a:solidFill>
+              </a:rPr>
+              <a:t>layout</a:t>
+            </a:r>
+            <a:r>
+              <a:rPr kumimoji="1" lang="zh-CN" altLang="en-US" sz="1400">
+                <a:solidFill>
+                  <a:schemeClr val="accent6">
+                    <a:lumMod val="75000"/>
+                  </a:schemeClr>
+                </a:solidFill>
+              </a:rPr>
+              <a:t>的语法绑定数据、行为</a:t>
+            </a:r>
+          </a:p>
+        </p:txBody>
+      </p:sp>
+      <p:sp>
+        <p:nvSpPr>
+          <p:cNvPr id="18" name="矩形 17"/>
+          <p:cNvSpPr/>
+          <p:nvPr/>
+        </p:nvSpPr>
+        <p:spPr>
+          <a:xfrm>
+            <a:off x="3668250" y="2637846"/>
+            <a:ext cx="2238028" cy="590547"/>
+          </a:xfrm>
+          <a:prstGeom prst="rect">
+            <a:avLst/>
+          </a:prstGeom>
+          <a:solidFill>
+            <a:schemeClr val="accent2">
+              <a:lumMod val="20000"/>
+              <a:lumOff val="80000"/>
+            </a:schemeClr>
+          </a:solidFill>
+          <a:ln>
+            <a:noFill/>
+          </a:ln>
+        </p:spPr>
+        <p:style>
+          <a:lnRef idx="2">
+            <a:schemeClr val="accent1">
+              <a:shade val="50000"/>
+            </a:schemeClr>
+          </a:lnRef>
+          <a:fillRef idx="1">
+            <a:schemeClr val="accent1"/>
+          </a:fillRef>
+          <a:effectRef idx="0">
+            <a:schemeClr val="accent1"/>
+          </a:effectRef>
+          <a:fontRef idx="minor">
+            <a:schemeClr val="lt1"/>
+          </a:fontRef>
+        </p:style>
+        <p:txBody>
+          <a:bodyPr rtlCol="0" anchor="ctr"/>
+          <a:lstStyle/>
+          <a:p>
+            <a:pPr algn="ctr"/>
+            <a:r>
+              <a:rPr kumimoji="1" lang="zh-CN" altLang="en-US" sz="1400">
+                <a:solidFill>
+                  <a:schemeClr val="accent2">
+                    <a:lumMod val="75000"/>
+                  </a:schemeClr>
+                </a:solidFill>
+              </a:rPr>
+              <a:t>构建</a:t>
+            </a:r>
+            <a:r>
+              <a:rPr kumimoji="1" lang="en-US" altLang="zh-CN" sz="1400">
+                <a:solidFill>
+                  <a:schemeClr val="accent2">
+                    <a:lumMod val="75000"/>
+                  </a:schemeClr>
+                </a:solidFill>
+              </a:rPr>
+              <a:t>Activity</a:t>
+            </a:r>
+            <a:r>
+              <a:rPr kumimoji="1" lang="zh-CN" altLang="en-US" sz="1400">
+                <a:solidFill>
+                  <a:schemeClr val="accent2">
+                    <a:lumMod val="75000"/>
+                  </a:schemeClr>
+                </a:solidFill>
+              </a:rPr>
+              <a:t>和</a:t>
+            </a:r>
+            <a:r>
+              <a:rPr kumimoji="1" lang="en-US" altLang="zh-CN" sz="1400">
+                <a:solidFill>
+                  <a:schemeClr val="accent2">
+                    <a:lumMod val="75000"/>
+                  </a:schemeClr>
+                </a:solidFill>
+              </a:rPr>
+              <a:t>Fragment</a:t>
+            </a:r>
+            <a:endParaRPr kumimoji="1" lang="zh-CN" altLang="en-US" sz="1400">
+              <a:solidFill>
+                <a:schemeClr val="accent2">
+                  <a:lumMod val="75000"/>
+                </a:schemeClr>
+              </a:solidFill>
+            </a:endParaRPr>
+          </a:p>
+        </p:txBody>
+      </p:sp>
+      <p:cxnSp>
+        <p:nvCxnSpPr>
+          <p:cNvPr id="20" name="直线箭头连接符 19"/>
+          <p:cNvCxnSpPr>
+            <a:stCxn id="6" idx="2"/>
+            <a:endCxn id="18" idx="0"/>
+          </p:cNvCxnSpPr>
+          <p:nvPr/>
+        </p:nvCxnSpPr>
+        <p:spPr>
+          <a:xfrm>
+            <a:off x="4787264" y="2248677"/>
+            <a:ext cx="0" cy="389169"/>
+          </a:xfrm>
+          <a:prstGeom prst="straightConnector1">
+            <a:avLst/>
+          </a:prstGeom>
+          <a:ln>
+            <a:tailEnd type="stealth" w="lg" len="lg"/>
+          </a:ln>
+        </p:spPr>
+        <p:style>
+          <a:lnRef idx="1">
+            <a:schemeClr val="accent1"/>
+          </a:lnRef>
+          <a:fillRef idx="0">
+            <a:schemeClr val="accent1"/>
+          </a:fillRef>
+          <a:effectRef idx="0">
+            <a:schemeClr val="accent1"/>
+          </a:effectRef>
+          <a:fontRef idx="minor">
+            <a:schemeClr val="tx1"/>
+          </a:fontRef>
+        </p:style>
+      </p:cxnSp>
+      <p:sp>
+        <p:nvSpPr>
+          <p:cNvPr id="24" name="剪去单角的矩形 23"/>
+          <p:cNvSpPr/>
+          <p:nvPr/>
+        </p:nvSpPr>
+        <p:spPr>
+          <a:xfrm flipH="1">
+            <a:off x="559836" y="3753624"/>
+            <a:ext cx="2687217" cy="522514"/>
+          </a:xfrm>
+          <a:prstGeom prst="snip1Rect">
+            <a:avLst/>
+          </a:prstGeom>
+          <a:solidFill>
+            <a:schemeClr val="accent6">
+              <a:lumMod val="20000"/>
+              <a:lumOff val="80000"/>
+            </a:schemeClr>
+          </a:solidFill>
+          <a:ln>
+            <a:noFill/>
+          </a:ln>
+        </p:spPr>
+        <p:style>
+          <a:lnRef idx="2">
+            <a:schemeClr val="accent1">
+              <a:shade val="50000"/>
+            </a:schemeClr>
+          </a:lnRef>
+          <a:fillRef idx="1">
+            <a:schemeClr val="accent1"/>
+          </a:fillRef>
+          <a:effectRef idx="0">
+            <a:schemeClr val="accent1"/>
+          </a:effectRef>
+          <a:fontRef idx="minor">
+            <a:schemeClr val="lt1"/>
+          </a:fontRef>
+        </p:style>
+        <p:txBody>
+          <a:bodyPr rtlCol="0" anchor="ctr"/>
+          <a:lstStyle/>
+          <a:p>
+            <a:r>
+              <a:rPr kumimoji="1" lang="zh-CN" altLang="en-US" sz="1400">
+                <a:solidFill>
+                  <a:schemeClr val="accent6">
+                    <a:lumMod val="75000"/>
+                  </a:schemeClr>
+                </a:solidFill>
+              </a:rPr>
+              <a:t>使用</a:t>
+            </a:r>
+            <a:r>
+              <a:rPr kumimoji="1" lang="en-US" altLang="zh-CN" sz="1400">
+                <a:solidFill>
+                  <a:schemeClr val="accent6">
+                    <a:lumMod val="75000"/>
+                  </a:schemeClr>
+                </a:solidFill>
+              </a:rPr>
+              <a:t>DataBinding</a:t>
+            </a:r>
+            <a:r>
+              <a:rPr kumimoji="1" lang="zh-CN" altLang="en-US" sz="1400">
+                <a:solidFill>
+                  <a:schemeClr val="accent6">
+                    <a:lumMod val="75000"/>
+                  </a:schemeClr>
+                </a:solidFill>
+              </a:rPr>
+              <a:t>方式设置</a:t>
+            </a:r>
+            <a:r>
+              <a:rPr kumimoji="1" lang="en-US" altLang="zh-CN" sz="1400">
+                <a:solidFill>
+                  <a:schemeClr val="accent6">
+                    <a:lumMod val="75000"/>
+                  </a:schemeClr>
+                </a:solidFill>
+              </a:rPr>
+              <a:t>View</a:t>
+            </a:r>
+            <a:endParaRPr kumimoji="1" lang="zh-CN" altLang="en-US" sz="1400">
+              <a:solidFill>
+                <a:schemeClr val="accent6">
+                  <a:lumMod val="75000"/>
+                </a:schemeClr>
+              </a:solidFill>
+            </a:endParaRPr>
+          </a:p>
+        </p:txBody>
+      </p:sp>
+      <p:cxnSp>
+        <p:nvCxnSpPr>
+          <p:cNvPr id="25" name="直线连接符 24"/>
+          <p:cNvCxnSpPr>
+            <a:stCxn id="18" idx="1"/>
+            <a:endCxn id="24" idx="2"/>
+          </p:cNvCxnSpPr>
+          <p:nvPr/>
+        </p:nvCxnSpPr>
+        <p:spPr>
+          <a:xfrm flipH="1">
+            <a:off x="3247053" y="2933120"/>
+            <a:ext cx="421197" cy="1081761"/>
+          </a:xfrm>
+          <a:prstGeom prst="line">
+            <a:avLst/>
+          </a:prstGeom>
+          <a:ln w="19050">
+            <a:prstDash val="sysDash"/>
+          </a:ln>
+        </p:spPr>
+        <p:style>
+          <a:lnRef idx="1">
+            <a:schemeClr val="accent1"/>
+          </a:lnRef>
+          <a:fillRef idx="0">
+            <a:schemeClr val="accent1"/>
+          </a:fillRef>
+          <a:effectRef idx="0">
+            <a:schemeClr val="accent1"/>
+          </a:effectRef>
+          <a:fontRef idx="minor">
+            <a:schemeClr val="tx1"/>
+          </a:fontRef>
+        </p:style>
+      </p:cxnSp>
+      <p:sp>
+        <p:nvSpPr>
+          <p:cNvPr id="28" name="矩形 27"/>
+          <p:cNvSpPr/>
+          <p:nvPr/>
+        </p:nvSpPr>
+        <p:spPr>
+          <a:xfrm>
+            <a:off x="3668250" y="3753624"/>
+            <a:ext cx="2238028" cy="613103"/>
+          </a:xfrm>
+          <a:prstGeom prst="rect">
+            <a:avLst/>
+          </a:prstGeom>
+          <a:solidFill>
+            <a:schemeClr val="accent2">
+              <a:lumMod val="20000"/>
+              <a:lumOff val="80000"/>
+            </a:schemeClr>
+          </a:solidFill>
+          <a:ln>
+            <a:noFill/>
+          </a:ln>
+        </p:spPr>
+        <p:style>
+          <a:lnRef idx="2">
+            <a:schemeClr val="accent1">
+              <a:shade val="50000"/>
+            </a:schemeClr>
+          </a:lnRef>
+          <a:fillRef idx="1">
+            <a:schemeClr val="accent1"/>
+          </a:fillRef>
+          <a:effectRef idx="0">
+            <a:schemeClr val="accent1"/>
+          </a:effectRef>
+          <a:fontRef idx="minor">
+            <a:schemeClr val="lt1"/>
+          </a:fontRef>
+        </p:style>
+        <p:txBody>
+          <a:bodyPr rtlCol="0" anchor="ctr"/>
+          <a:lstStyle/>
+          <a:p>
+            <a:pPr algn="ctr"/>
+            <a:r>
+              <a:rPr kumimoji="1" lang="zh-CN" altLang="en-US" sz="1600">
+                <a:solidFill>
+                  <a:schemeClr val="accent2">
+                    <a:lumMod val="75000"/>
+                  </a:schemeClr>
+                </a:solidFill>
+              </a:rPr>
+              <a:t>构建</a:t>
+            </a:r>
+            <a:r>
+              <a:rPr kumimoji="1" lang="en-US" altLang="zh-CN" sz="1600">
+                <a:solidFill>
+                  <a:schemeClr val="accent2">
+                    <a:lumMod val="75000"/>
+                  </a:schemeClr>
+                </a:solidFill>
+              </a:rPr>
+              <a:t>ViewModel,</a:t>
+            </a:r>
+            <a:endParaRPr kumimoji="1" lang="zh-CN" altLang="en-US" sz="1600">
+              <a:solidFill>
+                <a:schemeClr val="accent2">
+                  <a:lumMod val="75000"/>
+                </a:schemeClr>
+              </a:solidFill>
+            </a:endParaRPr>
+          </a:p>
+          <a:p>
+            <a:pPr algn="ctr"/>
+            <a:r>
+              <a:rPr kumimoji="1" lang="zh-CN" altLang="en-US" sz="1600">
+                <a:solidFill>
+                  <a:schemeClr val="accent2">
+                    <a:lumMod val="75000"/>
+                  </a:schemeClr>
+                </a:solidFill>
+              </a:rPr>
+              <a:t>与</a:t>
+            </a:r>
+            <a:r>
+              <a:rPr kumimoji="1" lang="en-US" altLang="zh-CN" sz="1600">
+                <a:solidFill>
+                  <a:schemeClr val="accent2">
+                    <a:lumMod val="75000"/>
+                  </a:schemeClr>
+                </a:solidFill>
+              </a:rPr>
+              <a:t>View</a:t>
+            </a:r>
+            <a:r>
+              <a:rPr kumimoji="1" lang="zh-CN" altLang="en-US" sz="1600">
+                <a:solidFill>
+                  <a:schemeClr val="accent2">
+                    <a:lumMod val="75000"/>
+                  </a:schemeClr>
+                </a:solidFill>
+              </a:rPr>
+              <a:t>建立关联</a:t>
+            </a:r>
+            <a:r>
+              <a:rPr kumimoji="1" lang="en-US" altLang="zh-CN" sz="1600">
+                <a:solidFill>
+                  <a:schemeClr val="accent2">
+                    <a:lumMod val="75000"/>
+                  </a:schemeClr>
+                </a:solidFill>
+              </a:rPr>
+              <a:t>(</a:t>
+            </a:r>
+            <a:r>
+              <a:rPr kumimoji="1" lang="zh-CN" altLang="en-US" sz="1600">
+                <a:solidFill>
+                  <a:schemeClr val="accent2">
+                    <a:lumMod val="75000"/>
+                  </a:schemeClr>
+                </a:solidFill>
+              </a:rPr>
+              <a:t>观察</a:t>
+            </a:r>
+            <a:r>
+              <a:rPr kumimoji="1" lang="en-US" altLang="zh-CN" sz="1600">
+                <a:solidFill>
+                  <a:schemeClr val="accent2">
+                    <a:lumMod val="75000"/>
+                  </a:schemeClr>
+                </a:solidFill>
+              </a:rPr>
+              <a:t>)</a:t>
+            </a:r>
+            <a:endParaRPr kumimoji="1" lang="zh-CN" altLang="en-US" sz="1600">
+              <a:solidFill>
+                <a:schemeClr val="accent2">
+                  <a:lumMod val="75000"/>
+                </a:schemeClr>
+              </a:solidFill>
+            </a:endParaRPr>
+          </a:p>
+        </p:txBody>
+      </p:sp>
+      <p:cxnSp>
+        <p:nvCxnSpPr>
+          <p:cNvPr id="30" name="直线箭头连接符 29"/>
+          <p:cNvCxnSpPr>
+            <a:stCxn id="18" idx="2"/>
+            <a:endCxn id="28" idx="0"/>
+          </p:cNvCxnSpPr>
+          <p:nvPr/>
+        </p:nvCxnSpPr>
+        <p:spPr>
+          <a:xfrm>
+            <a:off x="4787264" y="3228393"/>
+            <a:ext cx="0" cy="525231"/>
+          </a:xfrm>
+          <a:prstGeom prst="straightConnector1">
+            <a:avLst/>
+          </a:prstGeom>
+          <a:ln>
+            <a:tailEnd type="stealth" w="lg" len="lg"/>
+          </a:ln>
+        </p:spPr>
+        <p:style>
+          <a:lnRef idx="1">
+            <a:schemeClr val="accent1"/>
+          </a:lnRef>
+          <a:fillRef idx="0">
+            <a:schemeClr val="accent1"/>
+          </a:fillRef>
+          <a:effectRef idx="0">
+            <a:schemeClr val="accent1"/>
+          </a:effectRef>
+          <a:fontRef idx="minor">
+            <a:schemeClr val="tx1"/>
+          </a:fontRef>
+        </p:style>
+      </p:cxnSp>
+      <p:sp>
+        <p:nvSpPr>
+          <p:cNvPr id="33" name="矩形 32"/>
+          <p:cNvSpPr/>
+          <p:nvPr/>
+        </p:nvSpPr>
+        <p:spPr>
+          <a:xfrm>
+            <a:off x="3668250" y="4777273"/>
+            <a:ext cx="2238028" cy="634482"/>
+          </a:xfrm>
+          <a:prstGeom prst="rect">
+            <a:avLst/>
+          </a:prstGeom>
+          <a:solidFill>
+            <a:schemeClr val="accent2">
+              <a:lumMod val="20000"/>
+              <a:lumOff val="80000"/>
+            </a:schemeClr>
+          </a:solidFill>
+          <a:ln>
+            <a:noFill/>
+          </a:ln>
+        </p:spPr>
+        <p:style>
+          <a:lnRef idx="2">
+            <a:schemeClr val="accent1">
+              <a:shade val="50000"/>
+            </a:schemeClr>
+          </a:lnRef>
+          <a:fillRef idx="1">
+            <a:schemeClr val="accent1"/>
+          </a:fillRef>
+          <a:effectRef idx="0">
+            <a:schemeClr val="accent1"/>
+          </a:effectRef>
+          <a:fontRef idx="minor">
+            <a:schemeClr val="lt1"/>
+          </a:fontRef>
+        </p:style>
+        <p:txBody>
+          <a:bodyPr rtlCol="0" anchor="ctr"/>
+          <a:lstStyle/>
+          <a:p>
+            <a:pPr algn="ctr"/>
+            <a:r>
+              <a:rPr kumimoji="1" lang="zh-CN" altLang="en-US">
+                <a:solidFill>
+                  <a:schemeClr val="accent2">
+                    <a:lumMod val="75000"/>
+                  </a:schemeClr>
+                </a:solidFill>
+              </a:rPr>
+              <a:t>构建</a:t>
+            </a:r>
+            <a:r>
+              <a:rPr kumimoji="1" lang="en-US" altLang="zh-CN">
+                <a:solidFill>
+                  <a:schemeClr val="accent2">
+                    <a:lumMod val="75000"/>
+                  </a:schemeClr>
+                </a:solidFill>
+              </a:rPr>
+              <a:t>Repository</a:t>
+            </a:r>
+            <a:endParaRPr kumimoji="1" lang="zh-CN" altLang="en-US">
+              <a:solidFill>
+                <a:schemeClr val="accent2">
+                  <a:lumMod val="75000"/>
+                </a:schemeClr>
+              </a:solidFill>
+            </a:endParaRPr>
+          </a:p>
+        </p:txBody>
+      </p:sp>
+      <p:cxnSp>
+        <p:nvCxnSpPr>
+          <p:cNvPr id="34" name="直线箭头连接符 33"/>
+          <p:cNvCxnSpPr>
+            <a:stCxn id="28" idx="2"/>
+            <a:endCxn id="33" idx="0"/>
+          </p:cNvCxnSpPr>
+          <p:nvPr/>
+        </p:nvCxnSpPr>
+        <p:spPr>
+          <a:xfrm>
+            <a:off x="4787264" y="4366727"/>
+            <a:ext cx="0" cy="410546"/>
+          </a:xfrm>
+          <a:prstGeom prst="straightConnector1">
+            <a:avLst/>
+          </a:prstGeom>
+          <a:ln>
+            <a:tailEnd type="stealth" w="lg" len="lg"/>
+          </a:ln>
+        </p:spPr>
+        <p:style>
+          <a:lnRef idx="1">
+            <a:schemeClr val="accent1"/>
+          </a:lnRef>
+          <a:fillRef idx="0">
+            <a:schemeClr val="accent1"/>
+          </a:fillRef>
+          <a:effectRef idx="0">
+            <a:schemeClr val="accent1"/>
+          </a:effectRef>
+          <a:fontRef idx="minor">
+            <a:schemeClr val="tx1"/>
+          </a:fontRef>
+        </p:style>
+      </p:cxnSp>
+      <p:sp>
+        <p:nvSpPr>
+          <p:cNvPr id="37" name="矩形 36"/>
+          <p:cNvSpPr/>
+          <p:nvPr/>
+        </p:nvSpPr>
+        <p:spPr>
+          <a:xfrm>
+            <a:off x="7203232" y="3753624"/>
+            <a:ext cx="1819470" cy="634482"/>
+          </a:xfrm>
+          <a:prstGeom prst="rect">
+            <a:avLst/>
+          </a:prstGeom>
+          <a:solidFill>
+            <a:schemeClr val="accent2">
+              <a:lumMod val="20000"/>
+              <a:lumOff val="80000"/>
+            </a:schemeClr>
+          </a:solidFill>
+          <a:ln>
+            <a:noFill/>
+          </a:ln>
+        </p:spPr>
+        <p:style>
+          <a:lnRef idx="2">
+            <a:schemeClr val="accent1">
+              <a:shade val="50000"/>
+            </a:schemeClr>
+          </a:lnRef>
+          <a:fillRef idx="1">
+            <a:schemeClr val="accent1"/>
+          </a:fillRef>
+          <a:effectRef idx="0">
+            <a:schemeClr val="accent1"/>
+          </a:effectRef>
+          <a:fontRef idx="minor">
+            <a:schemeClr val="lt1"/>
+          </a:fontRef>
+        </p:style>
+        <p:txBody>
+          <a:bodyPr rtlCol="0" anchor="ctr"/>
+          <a:lstStyle/>
+          <a:p>
+            <a:pPr algn="ctr"/>
+            <a:r>
+              <a:rPr kumimoji="1" lang="en-US" altLang="zh-CN">
+                <a:solidFill>
+                  <a:schemeClr val="accent2">
+                    <a:lumMod val="75000"/>
+                  </a:schemeClr>
+                </a:solidFill>
+              </a:rPr>
+              <a:t>Remote(API</a:t>
+            </a:r>
+            <a:r>
+              <a:rPr kumimoji="1" lang="zh-CN" altLang="en-US">
+                <a:solidFill>
+                  <a:schemeClr val="accent2">
+                    <a:lumMod val="75000"/>
+                  </a:schemeClr>
+                </a:solidFill>
+              </a:rPr>
+              <a:t>访问</a:t>
+            </a:r>
+            <a:r>
+              <a:rPr kumimoji="1" lang="en-US" altLang="zh-CN">
+                <a:solidFill>
+                  <a:schemeClr val="accent2">
+                    <a:lumMod val="75000"/>
+                  </a:schemeClr>
+                </a:solidFill>
+              </a:rPr>
+              <a:t>)</a:t>
+            </a:r>
+            <a:endParaRPr kumimoji="1" lang="zh-CN" altLang="en-US">
+              <a:solidFill>
+                <a:schemeClr val="accent2">
+                  <a:lumMod val="75000"/>
+                </a:schemeClr>
+              </a:solidFill>
+            </a:endParaRPr>
+          </a:p>
+        </p:txBody>
+      </p:sp>
+      <p:cxnSp>
+        <p:nvCxnSpPr>
+          <p:cNvPr id="39" name="直线连接符 38"/>
+          <p:cNvCxnSpPr>
+            <a:stCxn id="33" idx="3"/>
+            <a:endCxn id="37" idx="1"/>
+          </p:cNvCxnSpPr>
+          <p:nvPr/>
+        </p:nvCxnSpPr>
+        <p:spPr>
+          <a:xfrm flipV="1">
+            <a:off x="5906278" y="4070865"/>
+            <a:ext cx="1296954" cy="1023649"/>
+          </a:xfrm>
+          <a:prstGeom prst="line">
+            <a:avLst/>
+          </a:prstGeom>
+          <a:ln w="25400">
+            <a:prstDash val="sysDash"/>
+          </a:ln>
+        </p:spPr>
+        <p:style>
+          <a:lnRef idx="1">
+            <a:schemeClr val="accent1"/>
+          </a:lnRef>
+          <a:fillRef idx="0">
+            <a:schemeClr val="accent1"/>
+          </a:fillRef>
+          <a:effectRef idx="0">
+            <a:schemeClr val="accent1"/>
+          </a:effectRef>
+          <a:fontRef idx="minor">
+            <a:schemeClr val="tx1"/>
+          </a:fontRef>
+        </p:style>
+      </p:cxnSp>
+      <p:sp>
+        <p:nvSpPr>
+          <p:cNvPr id="41" name="矩形 40"/>
+          <p:cNvSpPr/>
+          <p:nvPr/>
+        </p:nvSpPr>
+        <p:spPr>
+          <a:xfrm>
+            <a:off x="7234571" y="4758612"/>
+            <a:ext cx="1819470" cy="653143"/>
+          </a:xfrm>
+          <a:prstGeom prst="rect">
+            <a:avLst/>
+          </a:prstGeom>
+          <a:solidFill>
+            <a:schemeClr val="accent2">
+              <a:lumMod val="20000"/>
+              <a:lumOff val="80000"/>
+            </a:schemeClr>
+          </a:solidFill>
+          <a:ln>
+            <a:noFill/>
+          </a:ln>
+        </p:spPr>
+        <p:style>
+          <a:lnRef idx="2">
+            <a:schemeClr val="accent1">
+              <a:shade val="50000"/>
+            </a:schemeClr>
+          </a:lnRef>
+          <a:fillRef idx="1">
+            <a:schemeClr val="accent1"/>
+          </a:fillRef>
+          <a:effectRef idx="0">
+            <a:schemeClr val="accent1"/>
+          </a:effectRef>
+          <a:fontRef idx="minor">
+            <a:schemeClr val="lt1"/>
+          </a:fontRef>
+        </p:style>
+        <p:txBody>
+          <a:bodyPr rtlCol="0" anchor="ctr"/>
+          <a:lstStyle/>
+          <a:p>
+            <a:pPr algn="ctr"/>
+            <a:r>
+              <a:rPr kumimoji="1" lang="en-US" altLang="zh-CN">
+                <a:solidFill>
+                  <a:schemeClr val="accent2">
+                    <a:lumMod val="75000"/>
+                  </a:schemeClr>
+                </a:solidFill>
+              </a:rPr>
+              <a:t>DataBase</a:t>
+            </a:r>
+            <a:endParaRPr kumimoji="1" lang="zh-CN" altLang="en-US">
+              <a:solidFill>
+                <a:schemeClr val="accent2">
+                  <a:lumMod val="75000"/>
+                </a:schemeClr>
+              </a:solidFill>
+            </a:endParaRPr>
+          </a:p>
+        </p:txBody>
+      </p:sp>
+      <p:cxnSp>
+        <p:nvCxnSpPr>
+          <p:cNvPr id="42" name="直线连接符 41"/>
+          <p:cNvCxnSpPr>
+            <a:stCxn id="33" idx="3"/>
+            <a:endCxn id="41" idx="1"/>
+          </p:cNvCxnSpPr>
+          <p:nvPr/>
+        </p:nvCxnSpPr>
+        <p:spPr>
+          <a:xfrm flipV="1">
+            <a:off x="5906278" y="5085184"/>
+            <a:ext cx="1328293" cy="9330"/>
+          </a:xfrm>
+          <a:prstGeom prst="line">
+            <a:avLst/>
+          </a:prstGeom>
+          <a:ln w="25400">
+            <a:prstDash val="sysDash"/>
+          </a:ln>
+        </p:spPr>
+        <p:style>
+          <a:lnRef idx="1">
+            <a:schemeClr val="accent1"/>
+          </a:lnRef>
+          <a:fillRef idx="0">
+            <a:schemeClr val="accent1"/>
+          </a:fillRef>
+          <a:effectRef idx="0">
+            <a:schemeClr val="accent1"/>
+          </a:effectRef>
+          <a:fontRef idx="minor">
+            <a:schemeClr val="tx1"/>
+          </a:fontRef>
+        </p:style>
+      </p:cxnSp>
+      <p:sp>
+        <p:nvSpPr>
+          <p:cNvPr id="46" name="矩形 45"/>
+          <p:cNvSpPr/>
+          <p:nvPr/>
+        </p:nvSpPr>
+        <p:spPr>
+          <a:xfrm>
+            <a:off x="7234571" y="5850293"/>
+            <a:ext cx="1788131" cy="597159"/>
+          </a:xfrm>
+          <a:prstGeom prst="rect">
+            <a:avLst/>
+          </a:prstGeom>
+          <a:solidFill>
+            <a:schemeClr val="accent2">
+              <a:lumMod val="20000"/>
+              <a:lumOff val="80000"/>
+            </a:schemeClr>
+          </a:solidFill>
+          <a:ln>
+            <a:noFill/>
+          </a:ln>
+        </p:spPr>
+        <p:style>
+          <a:lnRef idx="2">
+            <a:schemeClr val="accent1">
+              <a:shade val="50000"/>
+            </a:schemeClr>
+          </a:lnRef>
+          <a:fillRef idx="1">
+            <a:schemeClr val="accent1"/>
+          </a:fillRef>
+          <a:effectRef idx="0">
+            <a:schemeClr val="accent1"/>
+          </a:effectRef>
+          <a:fontRef idx="minor">
+            <a:schemeClr val="lt1"/>
+          </a:fontRef>
+        </p:style>
+        <p:txBody>
+          <a:bodyPr rtlCol="0" anchor="ctr"/>
+          <a:lstStyle/>
+          <a:p>
+            <a:pPr algn="ctr"/>
+            <a:r>
+              <a:rPr kumimoji="1" lang="en-US" altLang="zh-CN">
+                <a:solidFill>
+                  <a:schemeClr val="accent2">
+                    <a:lumMod val="75000"/>
+                  </a:schemeClr>
+                </a:solidFill>
+              </a:rPr>
+              <a:t>MemoryCache</a:t>
+            </a:r>
+            <a:endParaRPr kumimoji="1" lang="zh-CN" altLang="en-US">
+              <a:solidFill>
+                <a:schemeClr val="accent2">
+                  <a:lumMod val="75000"/>
+                </a:schemeClr>
+              </a:solidFill>
+            </a:endParaRPr>
+          </a:p>
+        </p:txBody>
+      </p:sp>
+      <p:cxnSp>
+        <p:nvCxnSpPr>
+          <p:cNvPr id="49" name="直线连接符 48"/>
+          <p:cNvCxnSpPr>
+            <a:stCxn id="33" idx="3"/>
+            <a:endCxn id="46" idx="1"/>
+          </p:cNvCxnSpPr>
+          <p:nvPr/>
+        </p:nvCxnSpPr>
+        <p:spPr>
+          <a:xfrm>
+            <a:off x="5906278" y="5094514"/>
+            <a:ext cx="1328293" cy="1054359"/>
+          </a:xfrm>
+          <a:prstGeom prst="line">
+            <a:avLst/>
+          </a:prstGeom>
+          <a:ln w="25400">
+            <a:prstDash val="sysDash"/>
+          </a:ln>
+        </p:spPr>
+        <p:style>
+          <a:lnRef idx="1">
+            <a:schemeClr val="accent1"/>
+          </a:lnRef>
+          <a:fillRef idx="0">
+            <a:schemeClr val="accent1"/>
+          </a:fillRef>
+          <a:effectRef idx="0">
+            <a:schemeClr val="accent1"/>
+          </a:effectRef>
+          <a:fontRef idx="minor">
+            <a:schemeClr val="tx1"/>
+          </a:fontRef>
+        </p:style>
+      </p:cxnSp>
+    </p:spTree>
+    <p:extLst>
+      <p:ext uri="{BB962C8B-B14F-4D97-AF65-F5344CB8AC3E}">
+        <p14:creationId xmlns:p14="http://schemas.microsoft.com/office/powerpoint/2010/main" val="929972924"/>
+      </p:ext>
+    </p:extLst>
+  </p:cSld>
+  <p:clrMapOvr>
+    <a:masterClrMapping/>
+  </p:clrMapOvr>
+</p:sld>
+</file>
+
+<file path=ppt/slides/slide5.xml><?xml version="1.0" encoding="utf-8"?>
+<p:sld xmlns:a="http://schemas.openxmlformats.org/drawingml/2006/main" xmlns:r="http://schemas.openxmlformats.org/officeDocument/2006/relationships" xmlns:p="http://schemas.openxmlformats.org/presentationml/2006/main">
+  <p:cSld>
+    <p:spTree>
+      <p:nvGrpSpPr>
+        <p:cNvPr id="1" name=""/>
+        <p:cNvGrpSpPr/>
+        <p:nvPr/>
+      </p:nvGrpSpPr>
+      <p:grpSpPr>
+        <a:xfrm>
+          <a:off x="0" y="0"/>
+          <a:ext cx="0" cy="0"/>
+          <a:chOff x="0" y="0"/>
+          <a:chExt cx="0" cy="0"/>
+        </a:xfrm>
+      </p:grpSpPr>
+      <p:sp>
+        <p:nvSpPr>
+          <p:cNvPr id="4" name="文本框 3"/>
+          <p:cNvSpPr txBox="1"/>
+          <p:nvPr/>
+        </p:nvSpPr>
+        <p:spPr>
+          <a:xfrm>
+            <a:off x="373224" y="307910"/>
+            <a:ext cx="1939249" cy="369332"/>
+          </a:xfrm>
+          <a:prstGeom prst="rect">
+            <a:avLst/>
+          </a:prstGeom>
+          <a:noFill/>
+        </p:spPr>
+        <p:txBody>
+          <a:bodyPr wrap="none" rtlCol="0">
+            <a:spAutoFit/>
+          </a:bodyPr>
+          <a:lstStyle/>
+          <a:p>
+            <a:r>
+              <a:rPr kumimoji="1" lang="en-US" altLang="zh-CN"/>
+              <a:t>MVVM-Demo</a:t>
+            </a:r>
+            <a:r>
+              <a:rPr kumimoji="1" lang="zh-CN" altLang="en-US"/>
+              <a:t>示例</a:t>
+            </a:r>
+          </a:p>
+        </p:txBody>
+      </p:sp>
+      <p:sp>
+        <p:nvSpPr>
+          <p:cNvPr id="5" name="矩形 4"/>
+          <p:cNvSpPr/>
+          <p:nvPr/>
+        </p:nvSpPr>
+        <p:spPr>
+          <a:xfrm>
+            <a:off x="2995126" y="867748"/>
+            <a:ext cx="2099388" cy="643812"/>
+          </a:xfrm>
+          <a:prstGeom prst="rect">
+            <a:avLst/>
+          </a:prstGeom>
+          <a:solidFill>
+            <a:schemeClr val="accent1">
+              <a:lumMod val="20000"/>
+              <a:lumOff val="80000"/>
+            </a:schemeClr>
+          </a:solidFill>
+          <a:ln>
+            <a:noFill/>
+          </a:ln>
+        </p:spPr>
+        <p:style>
+          <a:lnRef idx="2">
+            <a:schemeClr val="accent1">
+              <a:shade val="50000"/>
+            </a:schemeClr>
+          </a:lnRef>
+          <a:fillRef idx="1">
+            <a:schemeClr val="accent1"/>
+          </a:fillRef>
+          <a:effectRef idx="0">
+            <a:schemeClr val="accent1"/>
+          </a:effectRef>
+          <a:fontRef idx="minor">
+            <a:schemeClr val="lt1"/>
+          </a:fontRef>
+        </p:style>
+        <p:txBody>
+          <a:bodyPr rtlCol="0" anchor="ctr"/>
+          <a:lstStyle/>
+          <a:p>
+            <a:pPr algn="ctr"/>
+            <a:r>
+              <a:rPr kumimoji="1" lang="en-US" altLang="zh-CN">
+                <a:solidFill>
+                  <a:schemeClr val="accent1">
+                    <a:lumMod val="75000"/>
+                  </a:schemeClr>
+                </a:solidFill>
+              </a:rPr>
+              <a:t>DataBinding-layouts</a:t>
+            </a:r>
+            <a:endParaRPr kumimoji="1" lang="zh-CN" altLang="en-US">
+              <a:solidFill>
+                <a:schemeClr val="accent1">
+                  <a:lumMod val="75000"/>
+                </a:schemeClr>
+              </a:solidFill>
+            </a:endParaRPr>
+          </a:p>
+        </p:txBody>
+      </p:sp>
+      <p:sp>
+        <p:nvSpPr>
+          <p:cNvPr id="8" name="剪去单角的矩形 7"/>
+          <p:cNvSpPr/>
+          <p:nvPr/>
+        </p:nvSpPr>
+        <p:spPr>
+          <a:xfrm flipH="1">
+            <a:off x="373224" y="867748"/>
+            <a:ext cx="2286000" cy="1432248"/>
+          </a:xfrm>
+          <a:prstGeom prst="snip1Rect">
+            <a:avLst/>
+          </a:prstGeom>
+          <a:solidFill>
+            <a:schemeClr val="accent6">
+              <a:lumMod val="20000"/>
+              <a:lumOff val="80000"/>
+            </a:schemeClr>
+          </a:solidFill>
+          <a:ln>
+            <a:noFill/>
+          </a:ln>
+        </p:spPr>
+        <p:style>
+          <a:lnRef idx="2">
+            <a:schemeClr val="accent1">
+              <a:shade val="50000"/>
+            </a:schemeClr>
+          </a:lnRef>
+          <a:fillRef idx="1">
+            <a:schemeClr val="accent1"/>
+          </a:fillRef>
+          <a:effectRef idx="0">
+            <a:schemeClr val="accent1"/>
+          </a:effectRef>
+          <a:fontRef idx="minor">
+            <a:schemeClr val="lt1"/>
+          </a:fontRef>
+        </p:style>
+        <p:txBody>
+          <a:bodyPr rtlCol="0" anchor="ctr"/>
+          <a:lstStyle/>
+          <a:p>
+            <a:pPr algn="ctr"/>
+            <a:endParaRPr kumimoji="1" lang="zh-CN" altLang="en-US"/>
+          </a:p>
+        </p:txBody>
+      </p:sp>
+      <p:sp>
+        <p:nvSpPr>
+          <p:cNvPr id="9" name="文本框 8"/>
+          <p:cNvSpPr txBox="1"/>
+          <p:nvPr/>
+        </p:nvSpPr>
+        <p:spPr>
+          <a:xfrm>
+            <a:off x="494527" y="915001"/>
+            <a:ext cx="2127380" cy="1384995"/>
+          </a:xfrm>
+          <a:prstGeom prst="rect">
+            <a:avLst/>
+          </a:prstGeom>
+          <a:noFill/>
+        </p:spPr>
+        <p:txBody>
+          <a:bodyPr wrap="square" rtlCol="0">
+            <a:spAutoFit/>
+          </a:bodyPr>
+          <a:lstStyle/>
+          <a:p>
+            <a:r>
+              <a:rPr kumimoji="1" lang="en-US" altLang="zh-CN" sz="1400">
+                <a:solidFill>
+                  <a:schemeClr val="accent6">
+                    <a:lumMod val="75000"/>
+                  </a:schemeClr>
+                </a:solidFill>
+              </a:rPr>
+              <a:t>&lt;data&gt;</a:t>
+            </a:r>
+            <a:endParaRPr kumimoji="1" lang="zh-CN" altLang="en-US" sz="1400">
+              <a:solidFill>
+                <a:schemeClr val="accent6">
+                  <a:lumMod val="75000"/>
+                </a:schemeClr>
+              </a:solidFill>
+            </a:endParaRPr>
+          </a:p>
+          <a:p>
+            <a:r>
+              <a:rPr kumimoji="1" lang="zh-CN" altLang="en-US" sz="1400">
+                <a:solidFill>
+                  <a:schemeClr val="accent6">
+                    <a:lumMod val="75000"/>
+                  </a:schemeClr>
+                </a:solidFill>
+              </a:rPr>
+              <a:t>    </a:t>
+            </a:r>
+            <a:r>
+              <a:rPr kumimoji="1" lang="en-US" altLang="zh-CN" sz="1400">
+                <a:solidFill>
+                  <a:schemeClr val="accent6">
+                    <a:lumMod val="75000"/>
+                  </a:schemeClr>
+                </a:solidFill>
+              </a:rPr>
+              <a:t>&lt;import</a:t>
+            </a:r>
+            <a:r>
+              <a:rPr kumimoji="1" lang="zh-CN" altLang="en-US" sz="1400">
+                <a:solidFill>
+                  <a:schemeClr val="accent6">
+                    <a:lumMod val="75000"/>
+                  </a:schemeClr>
+                </a:solidFill>
+              </a:rPr>
+              <a:t> </a:t>
+            </a:r>
+            <a:r>
+              <a:rPr kumimoji="1" lang="en-US" altLang="zh-CN" sz="1400">
+                <a:solidFill>
+                  <a:schemeClr val="accent6">
+                    <a:lumMod val="75000"/>
+                  </a:schemeClr>
+                </a:solidFill>
+              </a:rPr>
+              <a:t>/&gt;s</a:t>
+            </a:r>
+            <a:r>
+              <a:rPr kumimoji="1" lang="zh-CN" altLang="en-US" sz="1400">
+                <a:solidFill>
+                  <a:schemeClr val="accent6">
+                    <a:lumMod val="75000"/>
+                  </a:schemeClr>
+                </a:solidFill>
+              </a:rPr>
+              <a:t> </a:t>
+            </a:r>
+            <a:r>
+              <a:rPr kumimoji="1" lang="mr-IN" altLang="zh-CN" sz="1400">
+                <a:solidFill>
+                  <a:schemeClr val="accent6">
+                    <a:lumMod val="75000"/>
+                  </a:schemeClr>
+                </a:solidFill>
+              </a:rPr>
+              <a:t>……</a:t>
+            </a:r>
+            <a:endParaRPr kumimoji="1" lang="zh-CN" altLang="en-US" sz="1400">
+              <a:solidFill>
+                <a:schemeClr val="accent6">
+                  <a:lumMod val="75000"/>
+                </a:schemeClr>
+              </a:solidFill>
+            </a:endParaRPr>
+          </a:p>
+          <a:p>
+            <a:r>
+              <a:rPr kumimoji="1" lang="zh-CN" altLang="en-US" sz="1400">
+                <a:solidFill>
+                  <a:schemeClr val="accent6">
+                    <a:lumMod val="75000"/>
+                  </a:schemeClr>
+                </a:solidFill>
+              </a:rPr>
+              <a:t>    </a:t>
+            </a:r>
+            <a:r>
+              <a:rPr kumimoji="1" lang="en-US" altLang="zh-CN" sz="1400">
+                <a:solidFill>
+                  <a:schemeClr val="accent6">
+                    <a:lumMod val="75000"/>
+                  </a:schemeClr>
+                </a:solidFill>
+              </a:rPr>
+              <a:t>&lt;variable</a:t>
+            </a:r>
+            <a:r>
+              <a:rPr kumimoji="1" lang="zh-CN" altLang="en-US" sz="1400">
+                <a:solidFill>
+                  <a:schemeClr val="accent6">
+                    <a:lumMod val="75000"/>
+                  </a:schemeClr>
+                </a:solidFill>
+              </a:rPr>
+              <a:t> </a:t>
+            </a:r>
+            <a:r>
+              <a:rPr kumimoji="1" lang="en-US" altLang="zh-CN" sz="1400">
+                <a:solidFill>
+                  <a:schemeClr val="accent6">
+                    <a:lumMod val="75000"/>
+                  </a:schemeClr>
+                </a:solidFill>
+              </a:rPr>
+              <a:t>/&gt;s</a:t>
+            </a:r>
+            <a:r>
+              <a:rPr kumimoji="1" lang="zh-CN" altLang="en-US" sz="1400">
+                <a:solidFill>
+                  <a:schemeClr val="accent6">
+                    <a:lumMod val="75000"/>
+                  </a:schemeClr>
+                </a:solidFill>
+              </a:rPr>
+              <a:t> </a:t>
+            </a:r>
+            <a:r>
+              <a:rPr kumimoji="1" lang="mr-IN" altLang="zh-CN" sz="1400">
+                <a:solidFill>
+                  <a:schemeClr val="accent6">
+                    <a:lumMod val="75000"/>
+                  </a:schemeClr>
+                </a:solidFill>
+              </a:rPr>
+              <a:t>……</a:t>
+            </a:r>
+            <a:endParaRPr kumimoji="1" lang="zh-CN" altLang="en-US" sz="1400">
+              <a:solidFill>
+                <a:schemeClr val="accent6">
+                  <a:lumMod val="75000"/>
+                </a:schemeClr>
+              </a:solidFill>
+            </a:endParaRPr>
+          </a:p>
+          <a:p>
+            <a:r>
+              <a:rPr kumimoji="1" lang="zh-CN" altLang="en-US" sz="1400">
+                <a:solidFill>
+                  <a:schemeClr val="accent6">
+                    <a:lumMod val="75000"/>
+                  </a:schemeClr>
+                </a:solidFill>
+              </a:rPr>
+              <a:t>    </a:t>
+            </a:r>
+            <a:r>
+              <a:rPr kumimoji="1" lang="en-US" altLang="zh-CN" sz="1400">
+                <a:solidFill>
+                  <a:schemeClr val="accent6">
+                    <a:lumMod val="75000"/>
+                  </a:schemeClr>
+                </a:solidFill>
+              </a:rPr>
+              <a:t>//variable</a:t>
+            </a:r>
+            <a:r>
+              <a:rPr kumimoji="1" lang="zh-CN" altLang="en-US" sz="1400">
+                <a:solidFill>
+                  <a:schemeClr val="accent6">
+                    <a:lumMod val="75000"/>
+                  </a:schemeClr>
+                </a:solidFill>
+              </a:rPr>
+              <a:t> 可以直接是</a:t>
+            </a:r>
+            <a:r>
+              <a:rPr kumimoji="1" lang="en-US" altLang="zh-CN" sz="1400">
+                <a:solidFill>
+                  <a:schemeClr val="accent6">
+                    <a:lumMod val="75000"/>
+                  </a:schemeClr>
+                </a:solidFill>
+              </a:rPr>
+              <a:t>ViewModel</a:t>
+            </a:r>
+            <a:endParaRPr kumimoji="1" lang="zh-CN" altLang="en-US" sz="1400">
+              <a:solidFill>
+                <a:schemeClr val="accent6">
+                  <a:lumMod val="75000"/>
+                </a:schemeClr>
+              </a:solidFill>
+            </a:endParaRPr>
+          </a:p>
+          <a:p>
+            <a:r>
+              <a:rPr kumimoji="1" lang="en-US" altLang="zh-CN" sz="1400">
+                <a:solidFill>
+                  <a:schemeClr val="accent6">
+                    <a:lumMod val="75000"/>
+                  </a:schemeClr>
+                </a:solidFill>
+              </a:rPr>
+              <a:t>&lt;/data&gt;</a:t>
+            </a:r>
+            <a:endParaRPr kumimoji="1" lang="zh-CN" altLang="en-US" sz="1400">
+              <a:solidFill>
+                <a:schemeClr val="accent6">
+                  <a:lumMod val="75000"/>
+                </a:schemeClr>
+              </a:solidFill>
+            </a:endParaRPr>
+          </a:p>
+        </p:txBody>
+      </p:sp>
+      <p:cxnSp>
+        <p:nvCxnSpPr>
+          <p:cNvPr id="11" name="直线连接符 10"/>
+          <p:cNvCxnSpPr>
+            <a:stCxn id="5" idx="1"/>
+            <a:endCxn id="8" idx="2"/>
+          </p:cNvCxnSpPr>
+          <p:nvPr/>
+        </p:nvCxnSpPr>
+        <p:spPr>
+          <a:xfrm flipH="1">
+            <a:off x="2659224" y="1189654"/>
+            <a:ext cx="335902" cy="394218"/>
+          </a:xfrm>
+          <a:prstGeom prst="line">
+            <a:avLst/>
+          </a:prstGeom>
+          <a:ln w="25400">
+            <a:prstDash val="sysDash"/>
+          </a:ln>
+        </p:spPr>
+        <p:style>
+          <a:lnRef idx="1">
+            <a:schemeClr val="accent1"/>
+          </a:lnRef>
+          <a:fillRef idx="0">
+            <a:schemeClr val="accent1"/>
+          </a:fillRef>
+          <a:effectRef idx="0">
+            <a:schemeClr val="accent1"/>
+          </a:effectRef>
+          <a:fontRef idx="minor">
+            <a:schemeClr val="tx1"/>
+          </a:fontRef>
+        </p:style>
+      </p:cxnSp>
+      <p:sp>
+        <p:nvSpPr>
+          <p:cNvPr id="12" name="矩形 11"/>
+          <p:cNvSpPr/>
+          <p:nvPr/>
+        </p:nvSpPr>
+        <p:spPr>
+          <a:xfrm>
+            <a:off x="2995126" y="2062064"/>
+            <a:ext cx="2099388" cy="2136712"/>
+          </a:xfrm>
+          <a:prstGeom prst="rect">
+            <a:avLst/>
+          </a:prstGeom>
+          <a:solidFill>
+            <a:schemeClr val="accent5">
+              <a:lumMod val="20000"/>
+              <a:lumOff val="80000"/>
+            </a:schemeClr>
+          </a:solidFill>
+          <a:ln>
+            <a:noFill/>
+          </a:ln>
+        </p:spPr>
+        <p:style>
+          <a:lnRef idx="2">
+            <a:schemeClr val="accent1">
+              <a:shade val="50000"/>
+            </a:schemeClr>
+          </a:lnRef>
+          <a:fillRef idx="1">
+            <a:schemeClr val="accent1"/>
+          </a:fillRef>
+          <a:effectRef idx="0">
+            <a:schemeClr val="accent1"/>
+          </a:effectRef>
+          <a:fontRef idx="minor">
+            <a:schemeClr val="lt1"/>
+          </a:fontRef>
+        </p:style>
+        <p:txBody>
+          <a:bodyPr rtlCol="0" anchor="ctr"/>
+          <a:lstStyle/>
+          <a:p>
+            <a:pPr algn="ctr"/>
+            <a:endParaRPr kumimoji="1" lang="zh-CN" altLang="en-US">
+              <a:solidFill>
+                <a:schemeClr val="accent5">
+                  <a:lumMod val="75000"/>
+                </a:schemeClr>
+              </a:solidFill>
+            </a:endParaRPr>
+          </a:p>
+        </p:txBody>
+      </p:sp>
+      <p:cxnSp>
+        <p:nvCxnSpPr>
+          <p:cNvPr id="14" name="直线连接符 13"/>
+          <p:cNvCxnSpPr>
+            <a:stCxn id="5" idx="2"/>
+            <a:endCxn id="12" idx="0"/>
+          </p:cNvCxnSpPr>
+          <p:nvPr/>
+        </p:nvCxnSpPr>
+        <p:spPr>
+          <a:xfrm>
+            <a:off x="4044820" y="1511560"/>
+            <a:ext cx="0" cy="550504"/>
+          </a:xfrm>
+          <a:prstGeom prst="line">
+            <a:avLst/>
+          </a:prstGeom>
+          <a:ln w="25400">
+            <a:prstDash val="sysDash"/>
+          </a:ln>
+        </p:spPr>
+        <p:style>
+          <a:lnRef idx="1">
+            <a:schemeClr val="accent1"/>
+          </a:lnRef>
+          <a:fillRef idx="0">
+            <a:schemeClr val="accent1"/>
+          </a:fillRef>
+          <a:effectRef idx="0">
+            <a:schemeClr val="accent1"/>
+          </a:effectRef>
+          <a:fontRef idx="minor">
+            <a:schemeClr val="tx1"/>
+          </a:fontRef>
+        </p:style>
+      </p:cxnSp>
+      <p:sp>
+        <p:nvSpPr>
+          <p:cNvPr id="16" name="文本框 15"/>
+          <p:cNvSpPr txBox="1"/>
+          <p:nvPr/>
+        </p:nvSpPr>
+        <p:spPr>
+          <a:xfrm>
+            <a:off x="2957809" y="2062064"/>
+            <a:ext cx="2048253" cy="369332"/>
+          </a:xfrm>
+          <a:prstGeom prst="rect">
+            <a:avLst/>
+          </a:prstGeom>
+          <a:noFill/>
+        </p:spPr>
+        <p:txBody>
+          <a:bodyPr wrap="none" rtlCol="0">
+            <a:spAutoFit/>
+          </a:bodyPr>
+          <a:lstStyle/>
+          <a:p>
+            <a:r>
+              <a:rPr kumimoji="1" lang="en-US" altLang="zh-CN">
+                <a:solidFill>
+                  <a:schemeClr val="accent5">
+                    <a:lumMod val="75000"/>
+                  </a:schemeClr>
+                </a:solidFill>
+              </a:rPr>
+              <a:t>Activitys/Fragments</a:t>
+            </a:r>
+            <a:endParaRPr kumimoji="1" lang="zh-CN" altLang="en-US"/>
+          </a:p>
+        </p:txBody>
+      </p:sp>
+      <p:sp>
+        <p:nvSpPr>
+          <p:cNvPr id="17" name="矩形 16"/>
+          <p:cNvSpPr/>
+          <p:nvPr/>
+        </p:nvSpPr>
+        <p:spPr>
+          <a:xfrm>
+            <a:off x="3149081" y="2452002"/>
+            <a:ext cx="1791477" cy="507747"/>
+          </a:xfrm>
+          <a:prstGeom prst="rect">
+            <a:avLst/>
+          </a:prstGeom>
+          <a:solidFill>
+            <a:schemeClr val="accent5">
+              <a:lumMod val="40000"/>
+              <a:lumOff val="60000"/>
+            </a:schemeClr>
+          </a:solidFill>
+          <a:ln>
+            <a:noFill/>
+          </a:ln>
+        </p:spPr>
+        <p:style>
+          <a:lnRef idx="2">
+            <a:schemeClr val="accent1">
+              <a:shade val="50000"/>
+            </a:schemeClr>
+          </a:lnRef>
+          <a:fillRef idx="1">
+            <a:schemeClr val="accent1"/>
+          </a:fillRef>
+          <a:effectRef idx="0">
+            <a:schemeClr val="accent1"/>
+          </a:effectRef>
+          <a:fontRef idx="minor">
+            <a:schemeClr val="lt1"/>
+          </a:fontRef>
+        </p:style>
+        <p:txBody>
+          <a:bodyPr rtlCol="0" anchor="ctr"/>
+          <a:lstStyle/>
+          <a:p>
+            <a:pPr algn="ctr"/>
+            <a:r>
+              <a:rPr kumimoji="1" lang="en-US" altLang="zh-CN">
+                <a:solidFill>
+                  <a:schemeClr val="accent4">
+                    <a:lumMod val="75000"/>
+                  </a:schemeClr>
+                </a:solidFill>
+              </a:rPr>
+              <a:t>DataBinding</a:t>
+            </a:r>
+            <a:endParaRPr kumimoji="1" lang="zh-CN" altLang="en-US">
+              <a:solidFill>
+                <a:schemeClr val="accent4">
+                  <a:lumMod val="75000"/>
+                </a:schemeClr>
+              </a:solidFill>
+            </a:endParaRPr>
+          </a:p>
+        </p:txBody>
+      </p:sp>
+      <p:sp>
+        <p:nvSpPr>
+          <p:cNvPr id="18" name="矩形 17"/>
+          <p:cNvSpPr/>
+          <p:nvPr/>
+        </p:nvSpPr>
+        <p:spPr>
+          <a:xfrm>
+            <a:off x="3149081" y="3437941"/>
+            <a:ext cx="1791477" cy="574222"/>
+          </a:xfrm>
+          <a:prstGeom prst="rect">
+            <a:avLst/>
+          </a:prstGeom>
+          <a:solidFill>
+            <a:schemeClr val="accent5">
+              <a:lumMod val="40000"/>
+              <a:lumOff val="60000"/>
+            </a:schemeClr>
+          </a:solidFill>
+          <a:ln>
+            <a:noFill/>
+          </a:ln>
+        </p:spPr>
+        <p:style>
+          <a:lnRef idx="2">
+            <a:schemeClr val="accent1">
+              <a:shade val="50000"/>
+            </a:schemeClr>
+          </a:lnRef>
+          <a:fillRef idx="1">
+            <a:schemeClr val="accent1"/>
+          </a:fillRef>
+          <a:effectRef idx="0">
+            <a:schemeClr val="accent1"/>
+          </a:effectRef>
+          <a:fontRef idx="minor">
+            <a:schemeClr val="lt1"/>
+          </a:fontRef>
+        </p:style>
+        <p:txBody>
+          <a:bodyPr rtlCol="0" anchor="ctr"/>
+          <a:lstStyle/>
+          <a:p>
+            <a:pPr algn="ctr"/>
+            <a:r>
+              <a:rPr kumimoji="1" lang="en-US" altLang="zh-CN">
+                <a:solidFill>
+                  <a:schemeClr val="accent4">
+                    <a:lumMod val="75000"/>
+                  </a:schemeClr>
+                </a:solidFill>
+              </a:rPr>
+              <a:t>ViewModel</a:t>
+            </a:r>
+            <a:endParaRPr kumimoji="1" lang="zh-CN" altLang="en-US">
+              <a:solidFill>
+                <a:schemeClr val="accent4">
+                  <a:lumMod val="75000"/>
+                </a:schemeClr>
+              </a:solidFill>
+            </a:endParaRPr>
+          </a:p>
+        </p:txBody>
+      </p:sp>
+      <p:sp>
+        <p:nvSpPr>
+          <p:cNvPr id="20" name="剪去单角的矩形 19"/>
+          <p:cNvSpPr/>
+          <p:nvPr/>
+        </p:nvSpPr>
+        <p:spPr>
+          <a:xfrm flipH="1">
+            <a:off x="539762" y="3461467"/>
+            <a:ext cx="1414675" cy="1289360"/>
+          </a:xfrm>
+          <a:prstGeom prst="snip1Rect">
+            <a:avLst/>
+          </a:prstGeom>
+          <a:solidFill>
+            <a:schemeClr val="accent6">
+              <a:lumMod val="20000"/>
+              <a:lumOff val="80000"/>
+            </a:schemeClr>
+          </a:solidFill>
+          <a:ln>
+            <a:noFill/>
+          </a:ln>
+        </p:spPr>
+        <p:style>
+          <a:lnRef idx="2">
+            <a:schemeClr val="accent1">
+              <a:shade val="50000"/>
+            </a:schemeClr>
+          </a:lnRef>
+          <a:fillRef idx="1">
+            <a:schemeClr val="accent1"/>
+          </a:fillRef>
+          <a:effectRef idx="0">
+            <a:schemeClr val="accent1"/>
+          </a:effectRef>
+          <a:fontRef idx="minor">
+            <a:schemeClr val="lt1"/>
+          </a:fontRef>
+        </p:style>
+        <p:txBody>
+          <a:bodyPr rtlCol="0" anchor="ctr"/>
+          <a:lstStyle/>
+          <a:p>
+            <a:pPr algn="ctr"/>
+            <a:endParaRPr kumimoji="1" lang="zh-CN" altLang="en-US"/>
+          </a:p>
+        </p:txBody>
+      </p:sp>
+      <p:sp>
+        <p:nvSpPr>
+          <p:cNvPr id="21" name="文本框 20"/>
+          <p:cNvSpPr txBox="1"/>
+          <p:nvPr/>
+        </p:nvSpPr>
+        <p:spPr>
+          <a:xfrm>
+            <a:off x="617664" y="3550498"/>
+            <a:ext cx="1374091" cy="1200329"/>
+          </a:xfrm>
+          <a:prstGeom prst="rect">
+            <a:avLst/>
+          </a:prstGeom>
+          <a:noFill/>
+        </p:spPr>
+        <p:txBody>
+          <a:bodyPr wrap="square" rtlCol="0">
+            <a:spAutoFit/>
+          </a:bodyPr>
+          <a:lstStyle/>
+          <a:p>
+            <a:r>
+              <a:rPr kumimoji="1" lang="en-US" altLang="zh-CN">
+                <a:solidFill>
+                  <a:schemeClr val="accent6">
+                    <a:lumMod val="75000"/>
+                  </a:schemeClr>
+                </a:solidFill>
+              </a:rPr>
+              <a:t>LiveDatas</a:t>
+            </a:r>
+            <a:endParaRPr kumimoji="1" lang="zh-CN" altLang="en-US">
+              <a:solidFill>
+                <a:schemeClr val="accent6">
+                  <a:lumMod val="75000"/>
+                </a:schemeClr>
+              </a:solidFill>
+            </a:endParaRPr>
+          </a:p>
+          <a:p>
+            <a:r>
+              <a:rPr kumimoji="1" lang="en-US" altLang="zh-CN">
+                <a:solidFill>
+                  <a:schemeClr val="accent6">
+                    <a:lumMod val="75000"/>
+                  </a:schemeClr>
+                </a:solidFill>
+              </a:rPr>
+              <a:t>Observables</a:t>
+            </a:r>
+            <a:endParaRPr kumimoji="1" lang="zh-CN" altLang="en-US">
+              <a:solidFill>
+                <a:schemeClr val="accent6">
+                  <a:lumMod val="75000"/>
+                </a:schemeClr>
+              </a:solidFill>
+            </a:endParaRPr>
+          </a:p>
+          <a:p>
+            <a:r>
+              <a:rPr kumimoji="1" lang="en-US" altLang="zh-CN">
+                <a:solidFill>
+                  <a:schemeClr val="accent6">
+                    <a:lumMod val="75000"/>
+                  </a:schemeClr>
+                </a:solidFill>
+              </a:rPr>
+              <a:t>Repositorys</a:t>
+            </a:r>
+            <a:endParaRPr kumimoji="1" lang="zh-CN" altLang="en-US">
+              <a:solidFill>
+                <a:schemeClr val="accent6">
+                  <a:lumMod val="75000"/>
+                </a:schemeClr>
+              </a:solidFill>
+            </a:endParaRPr>
+          </a:p>
+          <a:p>
+            <a:r>
+              <a:rPr kumimoji="1" lang="en-US" altLang="zh-CN">
+                <a:solidFill>
+                  <a:schemeClr val="accent6">
+                    <a:lumMod val="75000"/>
+                  </a:schemeClr>
+                </a:solidFill>
+              </a:rPr>
+              <a:t>Logics</a:t>
+            </a:r>
+            <a:endParaRPr kumimoji="1" lang="zh-CN" altLang="en-US">
+              <a:solidFill>
+                <a:schemeClr val="accent6">
+                  <a:lumMod val="75000"/>
+                </a:schemeClr>
+              </a:solidFill>
+            </a:endParaRPr>
+          </a:p>
+        </p:txBody>
+      </p:sp>
+      <p:cxnSp>
+        <p:nvCxnSpPr>
+          <p:cNvPr id="22" name="直线连接符 21"/>
+          <p:cNvCxnSpPr>
+            <a:stCxn id="20" idx="2"/>
+            <a:endCxn id="18" idx="1"/>
+          </p:cNvCxnSpPr>
+          <p:nvPr/>
+        </p:nvCxnSpPr>
+        <p:spPr>
+          <a:xfrm flipV="1">
+            <a:off x="1954437" y="3725052"/>
+            <a:ext cx="1194644" cy="381095"/>
+          </a:xfrm>
+          <a:prstGeom prst="line">
+            <a:avLst/>
+          </a:prstGeom>
+          <a:ln w="25400">
+            <a:prstDash val="sysDash"/>
+          </a:ln>
+        </p:spPr>
+        <p:style>
+          <a:lnRef idx="1">
+            <a:schemeClr val="accent1"/>
+          </a:lnRef>
+          <a:fillRef idx="0">
+            <a:schemeClr val="accent1"/>
+          </a:fillRef>
+          <a:effectRef idx="0">
+            <a:schemeClr val="accent1"/>
+          </a:effectRef>
+          <a:fontRef idx="minor">
+            <a:schemeClr val="tx1"/>
+          </a:fontRef>
+        </p:style>
+      </p:cxnSp>
+      <p:sp>
+        <p:nvSpPr>
+          <p:cNvPr id="27" name="矩形 26"/>
+          <p:cNvSpPr/>
+          <p:nvPr/>
+        </p:nvSpPr>
+        <p:spPr>
+          <a:xfrm>
+            <a:off x="5728996" y="3461467"/>
+            <a:ext cx="1856792" cy="550696"/>
+          </a:xfrm>
+          <a:prstGeom prst="rect">
+            <a:avLst/>
+          </a:prstGeom>
+          <a:solidFill>
+            <a:schemeClr val="accent5">
+              <a:lumMod val="20000"/>
+              <a:lumOff val="80000"/>
+            </a:schemeClr>
+          </a:solidFill>
+          <a:ln>
+            <a:noFill/>
+          </a:ln>
+        </p:spPr>
+        <p:style>
+          <a:lnRef idx="2">
+            <a:schemeClr val="accent1">
+              <a:shade val="50000"/>
+            </a:schemeClr>
+          </a:lnRef>
+          <a:fillRef idx="1">
+            <a:schemeClr val="accent1"/>
+          </a:fillRef>
+          <a:effectRef idx="0">
+            <a:schemeClr val="accent1"/>
+          </a:effectRef>
+          <a:fontRef idx="minor">
+            <a:schemeClr val="lt1"/>
+          </a:fontRef>
+        </p:style>
+        <p:txBody>
+          <a:bodyPr rtlCol="0" anchor="ctr"/>
+          <a:lstStyle/>
+          <a:p>
+            <a:pPr algn="ctr"/>
+            <a:r>
+              <a:rPr kumimoji="1" lang="en-US" altLang="zh-CN">
+                <a:solidFill>
+                  <a:schemeClr val="accent1">
+                    <a:lumMod val="75000"/>
+                  </a:schemeClr>
+                </a:solidFill>
+              </a:rPr>
+              <a:t>Model</a:t>
+            </a:r>
+            <a:endParaRPr kumimoji="1" lang="zh-CN" altLang="en-US">
+              <a:solidFill>
+                <a:schemeClr val="accent1">
+                  <a:lumMod val="75000"/>
+                </a:schemeClr>
+              </a:solidFill>
+            </a:endParaRPr>
+          </a:p>
+        </p:txBody>
+      </p:sp>
+      <p:cxnSp>
+        <p:nvCxnSpPr>
+          <p:cNvPr id="29" name="直线箭头连接符 28"/>
+          <p:cNvCxnSpPr>
+            <a:stCxn id="18" idx="3"/>
+            <a:endCxn id="27" idx="1"/>
+          </p:cNvCxnSpPr>
+          <p:nvPr/>
+        </p:nvCxnSpPr>
+        <p:spPr>
+          <a:xfrm>
+            <a:off x="4940558" y="3725052"/>
+            <a:ext cx="788438" cy="11763"/>
+          </a:xfrm>
+          <a:prstGeom prst="straightConnector1">
+            <a:avLst/>
+          </a:prstGeom>
+          <a:ln>
+            <a:headEnd type="stealth" w="lg" len="lg"/>
+            <a:tailEnd type="stealth" w="lg" len="lg"/>
+          </a:ln>
+        </p:spPr>
+        <p:style>
+          <a:lnRef idx="1">
+            <a:schemeClr val="accent1"/>
+          </a:lnRef>
+          <a:fillRef idx="0">
+            <a:schemeClr val="accent1"/>
+          </a:fillRef>
+          <a:effectRef idx="0">
+            <a:schemeClr val="accent1"/>
+          </a:effectRef>
+          <a:fontRef idx="minor">
+            <a:schemeClr val="tx1"/>
+          </a:fontRef>
+        </p:style>
+      </p:cxnSp>
+    </p:spTree>
+    <p:extLst>
+      <p:ext uri="{BB962C8B-B14F-4D97-AF65-F5344CB8AC3E}">
+        <p14:creationId xmlns:p14="http://schemas.microsoft.com/office/powerpoint/2010/main" val="2051214802"/>
+      </p:ext>
+    </p:extLst>
+  </p:cSld>
+  <p:clrMapOvr>
+    <a:masterClrMapping/>
+  </p:clrMapOvr>
+</p:sld>
+</file>
+
+<file path=ppt/slides/slide6.xml><?xml version="1.0" encoding="utf-8"?>
+<p:sld xmlns:a="http://schemas.openxmlformats.org/drawingml/2006/main" xmlns:r="http://schemas.openxmlformats.org/officeDocument/2006/relationships" xmlns:p="http://schemas.openxmlformats.org/presentationml/2006/main">
+  <p:cSld>
+    <p:spTree>
+      <p:nvGrpSpPr>
+        <p:cNvPr id="1" name=""/>
+        <p:cNvGrpSpPr/>
+        <p:nvPr/>
+      </p:nvGrpSpPr>
+      <p:grpSpPr>
+        <a:xfrm>
+          <a:off x="0" y="0"/>
+          <a:ext cx="0" cy="0"/>
+          <a:chOff x="0" y="0"/>
+          <a:chExt cx="0" cy="0"/>
+        </a:xfrm>
+      </p:grpSpPr>
+      <p:sp>
+        <p:nvSpPr>
+          <p:cNvPr id="4" name="文本框 3"/>
+          <p:cNvSpPr txBox="1"/>
+          <p:nvPr/>
+        </p:nvSpPr>
+        <p:spPr>
+          <a:xfrm>
+            <a:off x="154004" y="134754"/>
+            <a:ext cx="2249334" cy="369332"/>
+          </a:xfrm>
+          <a:prstGeom prst="rect">
+            <a:avLst/>
+          </a:prstGeom>
+          <a:noFill/>
+        </p:spPr>
+        <p:txBody>
+          <a:bodyPr wrap="none" rtlCol="0">
+            <a:spAutoFit/>
+          </a:bodyPr>
+          <a:lstStyle/>
+          <a:p>
+            <a:r>
+              <a:rPr kumimoji="1" lang="en-US" altLang="zh-CN"/>
+              <a:t>DataBinding</a:t>
+            </a:r>
+            <a:r>
+              <a:rPr kumimoji="1" lang="zh-CN" altLang="en-US"/>
+              <a:t>工作原理</a:t>
+            </a:r>
+          </a:p>
+        </p:txBody>
+      </p:sp>
+      <p:sp>
+        <p:nvSpPr>
+          <p:cNvPr id="5" name="矩形 4"/>
+          <p:cNvSpPr/>
+          <p:nvPr/>
+        </p:nvSpPr>
+        <p:spPr>
+          <a:xfrm>
+            <a:off x="526411" y="1258428"/>
+            <a:ext cx="3056446" cy="2004536"/>
+          </a:xfrm>
+          <a:prstGeom prst="rect">
+            <a:avLst/>
+          </a:prstGeom>
+          <a:solidFill>
+            <a:schemeClr val="accent6">
+              <a:lumMod val="20000"/>
+              <a:lumOff val="80000"/>
+            </a:schemeClr>
+          </a:solidFill>
+          <a:ln>
+            <a:noFill/>
+          </a:ln>
+        </p:spPr>
+        <p:style>
+          <a:lnRef idx="2">
+            <a:schemeClr val="accent1">
+              <a:shade val="50000"/>
+            </a:schemeClr>
+          </a:lnRef>
+          <a:fillRef idx="1">
+            <a:schemeClr val="accent1"/>
+          </a:fillRef>
+          <a:effectRef idx="0">
+            <a:schemeClr val="accent1"/>
+          </a:effectRef>
+          <a:fontRef idx="minor">
+            <a:schemeClr val="lt1"/>
+          </a:fontRef>
+        </p:style>
+        <p:txBody>
+          <a:bodyPr rtlCol="0" anchor="ctr"/>
+          <a:lstStyle/>
+          <a:p>
+            <a:pPr algn="ctr"/>
+            <a:endParaRPr kumimoji="1" lang="zh-CN" altLang="en-US"/>
+          </a:p>
+        </p:txBody>
+      </p:sp>
+      <p:sp>
+        <p:nvSpPr>
+          <p:cNvPr id="7" name="文本框 6"/>
+          <p:cNvSpPr txBox="1"/>
+          <p:nvPr/>
+        </p:nvSpPr>
+        <p:spPr>
+          <a:xfrm>
+            <a:off x="451102" y="972152"/>
+            <a:ext cx="1199367" cy="307777"/>
+          </a:xfrm>
+          <a:prstGeom prst="rect">
+            <a:avLst/>
+          </a:prstGeom>
+          <a:noFill/>
+        </p:spPr>
+        <p:txBody>
+          <a:bodyPr wrap="none" rtlCol="0">
+            <a:spAutoFit/>
+          </a:bodyPr>
+          <a:lstStyle/>
+          <a:p>
+            <a:r>
+              <a:rPr kumimoji="1" lang="en-US" altLang="zh-CN" sz="1400">
+                <a:solidFill>
+                  <a:schemeClr val="accent5">
+                    <a:lumMod val="60000"/>
+                    <a:lumOff val="40000"/>
+                  </a:schemeClr>
+                </a:solidFill>
+              </a:rPr>
+              <a:t>activity_a.xml</a:t>
+            </a:r>
+            <a:endParaRPr kumimoji="1" lang="zh-CN" altLang="en-US" sz="1400">
+              <a:solidFill>
+                <a:schemeClr val="accent5">
+                  <a:lumMod val="60000"/>
+                  <a:lumOff val="40000"/>
+                </a:schemeClr>
+              </a:solidFill>
+            </a:endParaRPr>
+          </a:p>
+        </p:txBody>
+      </p:sp>
+      <p:sp>
+        <p:nvSpPr>
+          <p:cNvPr id="8" name="文本框 7"/>
+          <p:cNvSpPr txBox="1"/>
+          <p:nvPr/>
+        </p:nvSpPr>
+        <p:spPr>
+          <a:xfrm>
+            <a:off x="560876" y="1414914"/>
+            <a:ext cx="3021981" cy="1754326"/>
+          </a:xfrm>
+          <a:prstGeom prst="rect">
+            <a:avLst/>
+          </a:prstGeom>
+          <a:noFill/>
+        </p:spPr>
+        <p:txBody>
+          <a:bodyPr wrap="square" rtlCol="0">
+            <a:spAutoFit/>
+          </a:bodyPr>
+          <a:lstStyle/>
+          <a:p>
+            <a:r>
+              <a:rPr kumimoji="1" lang="en-US" altLang="zh-CN" sz="1200">
+                <a:solidFill>
+                  <a:schemeClr val="accent5">
+                    <a:lumMod val="60000"/>
+                    <a:lumOff val="40000"/>
+                  </a:schemeClr>
+                </a:solidFill>
+              </a:rPr>
+              <a:t>&lt;layout&gt;</a:t>
+            </a:r>
+            <a:endParaRPr kumimoji="1" lang="zh-CN" altLang="en-US" sz="1200">
+              <a:solidFill>
+                <a:schemeClr val="accent5">
+                  <a:lumMod val="60000"/>
+                  <a:lumOff val="40000"/>
+                </a:schemeClr>
+              </a:solidFill>
+            </a:endParaRPr>
+          </a:p>
+          <a:p>
+            <a:r>
+              <a:rPr kumimoji="1" lang="zh-CN" altLang="en-US" sz="1200">
+                <a:solidFill>
+                  <a:schemeClr val="accent5">
+                    <a:lumMod val="60000"/>
+                    <a:lumOff val="40000"/>
+                  </a:schemeClr>
+                </a:solidFill>
+              </a:rPr>
+              <a:t>    </a:t>
+            </a:r>
+            <a:r>
+              <a:rPr kumimoji="1" lang="en-US" altLang="zh-CN" sz="1200">
+                <a:solidFill>
+                  <a:schemeClr val="accent5">
+                    <a:lumMod val="60000"/>
+                    <a:lumOff val="40000"/>
+                  </a:schemeClr>
+                </a:solidFill>
+              </a:rPr>
+              <a:t>&lt;data&gt;</a:t>
+            </a:r>
+            <a:endParaRPr kumimoji="1" lang="zh-CN" altLang="en-US" sz="1200">
+              <a:solidFill>
+                <a:schemeClr val="accent5">
+                  <a:lumMod val="60000"/>
+                  <a:lumOff val="40000"/>
+                </a:schemeClr>
+              </a:solidFill>
+            </a:endParaRPr>
+          </a:p>
+          <a:p>
+            <a:r>
+              <a:rPr kumimoji="1" lang="zh-CN" altLang="en-US" sz="1200">
+                <a:solidFill>
+                  <a:schemeClr val="accent5">
+                    <a:lumMod val="60000"/>
+                    <a:lumOff val="40000"/>
+                  </a:schemeClr>
+                </a:solidFill>
+              </a:rPr>
+              <a:t>        </a:t>
+            </a:r>
+            <a:r>
+              <a:rPr kumimoji="1" lang="en-US" altLang="zh-CN" sz="1200">
+                <a:solidFill>
+                  <a:schemeClr val="accent5">
+                    <a:lumMod val="60000"/>
+                    <a:lumOff val="40000"/>
+                  </a:schemeClr>
+                </a:solidFill>
+              </a:rPr>
+              <a:t>&lt;variable</a:t>
+            </a:r>
+            <a:r>
+              <a:rPr kumimoji="1" lang="zh-CN" altLang="en-US" sz="1200">
+                <a:solidFill>
+                  <a:schemeClr val="accent5">
+                    <a:lumMod val="60000"/>
+                    <a:lumOff val="40000"/>
+                  </a:schemeClr>
+                </a:solidFill>
+              </a:rPr>
+              <a:t> </a:t>
+            </a:r>
+            <a:r>
+              <a:rPr kumimoji="1" lang="en-US" altLang="zh-CN" sz="1200">
+                <a:solidFill>
+                  <a:schemeClr val="accent5">
+                    <a:lumMod val="60000"/>
+                    <a:lumOff val="40000"/>
+                  </a:schemeClr>
+                </a:solidFill>
+              </a:rPr>
+              <a:t>name=“a”</a:t>
+            </a:r>
+            <a:r>
+              <a:rPr kumimoji="1" lang="zh-CN" altLang="en-US" sz="1200">
+                <a:solidFill>
+                  <a:schemeClr val="accent5">
+                    <a:lumMod val="60000"/>
+                    <a:lumOff val="40000"/>
+                  </a:schemeClr>
+                </a:solidFill>
+              </a:rPr>
+              <a:t> </a:t>
+            </a:r>
+            <a:r>
+              <a:rPr kumimoji="1" lang="en-US" altLang="zh-CN" sz="1200">
+                <a:solidFill>
+                  <a:schemeClr val="accent5">
+                    <a:lumMod val="60000"/>
+                    <a:lumOff val="40000"/>
+                  </a:schemeClr>
+                </a:solidFill>
+              </a:rPr>
+              <a:t>type=“com.xx.x.A”/&gt;</a:t>
+            </a:r>
+            <a:endParaRPr kumimoji="1" lang="zh-CN" altLang="en-US" sz="1200">
+              <a:solidFill>
+                <a:schemeClr val="accent5">
+                  <a:lumMod val="60000"/>
+                  <a:lumOff val="40000"/>
+                </a:schemeClr>
+              </a:solidFill>
+            </a:endParaRPr>
+          </a:p>
+          <a:p>
+            <a:r>
+              <a:rPr kumimoji="1" lang="zh-CN" altLang="en-US" sz="1200">
+                <a:solidFill>
+                  <a:schemeClr val="accent5">
+                    <a:lumMod val="60000"/>
+                    <a:lumOff val="40000"/>
+                  </a:schemeClr>
+                </a:solidFill>
+              </a:rPr>
+              <a:t>    </a:t>
+            </a:r>
+            <a:r>
+              <a:rPr kumimoji="1" lang="en-US" altLang="zh-CN" sz="1200">
+                <a:solidFill>
+                  <a:schemeClr val="accent5">
+                    <a:lumMod val="60000"/>
+                    <a:lumOff val="40000"/>
+                  </a:schemeClr>
+                </a:solidFill>
+              </a:rPr>
+              <a:t>&lt;/data&gt;</a:t>
+            </a:r>
+            <a:endParaRPr kumimoji="1" lang="zh-CN" altLang="en-US" sz="1200">
+              <a:solidFill>
+                <a:schemeClr val="accent5">
+                  <a:lumMod val="60000"/>
+                  <a:lumOff val="40000"/>
+                </a:schemeClr>
+              </a:solidFill>
+            </a:endParaRPr>
+          </a:p>
+          <a:p>
+            <a:r>
+              <a:rPr kumimoji="1" lang="zh-CN" altLang="en-US" sz="1200">
+                <a:solidFill>
+                  <a:schemeClr val="accent5">
+                    <a:lumMod val="60000"/>
+                    <a:lumOff val="40000"/>
+                  </a:schemeClr>
+                </a:solidFill>
+              </a:rPr>
+              <a:t>    </a:t>
+            </a:r>
+            <a:r>
+              <a:rPr kumimoji="1" lang="en-US" altLang="zh-CN" sz="1200">
+                <a:solidFill>
+                  <a:schemeClr val="accent5">
+                    <a:lumMod val="60000"/>
+                    <a:lumOff val="40000"/>
+                  </a:schemeClr>
+                </a:solidFill>
+              </a:rPr>
+              <a:t>&lt;LinearLayout&gt;</a:t>
+            </a:r>
+            <a:endParaRPr kumimoji="1" lang="zh-CN" altLang="en-US" sz="1200">
+              <a:solidFill>
+                <a:schemeClr val="accent5">
+                  <a:lumMod val="60000"/>
+                  <a:lumOff val="40000"/>
+                </a:schemeClr>
+              </a:solidFill>
+            </a:endParaRPr>
+          </a:p>
+          <a:p>
+            <a:r>
+              <a:rPr kumimoji="1" lang="zh-CN" altLang="en-US" sz="1200">
+                <a:solidFill>
+                  <a:schemeClr val="accent5">
+                    <a:lumMod val="60000"/>
+                    <a:lumOff val="40000"/>
+                  </a:schemeClr>
+                </a:solidFill>
+              </a:rPr>
+              <a:t>        </a:t>
+            </a:r>
+            <a:r>
+              <a:rPr kumimoji="1" lang="en-US" altLang="zh-CN" sz="1200">
+                <a:solidFill>
+                  <a:schemeClr val="accent5">
+                    <a:lumMod val="60000"/>
+                    <a:lumOff val="40000"/>
+                  </a:schemeClr>
+                </a:solidFill>
+              </a:rPr>
+              <a:t>&lt;TextView</a:t>
+            </a:r>
+            <a:r>
+              <a:rPr kumimoji="1" lang="zh-CN" altLang="en-US" sz="1200">
+                <a:solidFill>
+                  <a:schemeClr val="accent5">
+                    <a:lumMod val="60000"/>
+                    <a:lumOff val="40000"/>
+                  </a:schemeClr>
+                </a:solidFill>
+              </a:rPr>
+              <a:t>  </a:t>
+            </a:r>
+            <a:r>
+              <a:rPr kumimoji="1" lang="en-US" altLang="zh-CN" sz="1200">
+                <a:solidFill>
+                  <a:schemeClr val="accent5">
+                    <a:lumMod val="60000"/>
+                    <a:lumOff val="40000"/>
+                  </a:schemeClr>
+                </a:solidFill>
+              </a:rPr>
+              <a:t>id=“textView”/&gt;</a:t>
+            </a:r>
+            <a:endParaRPr kumimoji="1" lang="zh-CN" altLang="en-US" sz="1200">
+              <a:solidFill>
+                <a:schemeClr val="accent5">
+                  <a:lumMod val="60000"/>
+                  <a:lumOff val="40000"/>
+                </a:schemeClr>
+              </a:solidFill>
+            </a:endParaRPr>
+          </a:p>
+          <a:p>
+            <a:r>
+              <a:rPr kumimoji="1" lang="zh-CN" altLang="en-US" sz="1200">
+                <a:solidFill>
+                  <a:schemeClr val="accent5">
+                    <a:lumMod val="60000"/>
+                    <a:lumOff val="40000"/>
+                  </a:schemeClr>
+                </a:solidFill>
+              </a:rPr>
+              <a:t>        </a:t>
+            </a:r>
+            <a:r>
+              <a:rPr kumimoji="1" lang="en-US" altLang="zh-CN" sz="1200">
+                <a:solidFill>
+                  <a:schemeClr val="accent5">
+                    <a:lumMod val="60000"/>
+                    <a:lumOff val="40000"/>
+                  </a:schemeClr>
+                </a:solidFill>
+              </a:rPr>
+              <a:t>&lt;ImageView</a:t>
+            </a:r>
+            <a:r>
+              <a:rPr kumimoji="1" lang="zh-CN" altLang="en-US" sz="1200">
+                <a:solidFill>
+                  <a:schemeClr val="accent5">
+                    <a:lumMod val="60000"/>
+                    <a:lumOff val="40000"/>
+                  </a:schemeClr>
+                </a:solidFill>
+              </a:rPr>
+              <a:t> </a:t>
+            </a:r>
+            <a:r>
+              <a:rPr kumimoji="1" lang="en-US" altLang="zh-CN" sz="1200">
+                <a:solidFill>
+                  <a:schemeClr val="accent5">
+                    <a:lumMod val="60000"/>
+                    <a:lumOff val="40000"/>
+                  </a:schemeClr>
+                </a:solidFill>
+              </a:rPr>
+              <a:t>id=“imageView”/&gt;</a:t>
+            </a:r>
+            <a:r>
+              <a:rPr kumimoji="1" lang="zh-CN" altLang="en-US" sz="1200">
+                <a:solidFill>
+                  <a:schemeClr val="accent5">
+                    <a:lumMod val="60000"/>
+                    <a:lumOff val="40000"/>
+                  </a:schemeClr>
+                </a:solidFill>
+              </a:rPr>
+              <a:t>	</a:t>
+            </a:r>
+          </a:p>
+          <a:p>
+            <a:r>
+              <a:rPr kumimoji="1" lang="zh-CN" altLang="en-US" sz="1200">
+                <a:solidFill>
+                  <a:schemeClr val="accent5">
+                    <a:lumMod val="60000"/>
+                    <a:lumOff val="40000"/>
+                  </a:schemeClr>
+                </a:solidFill>
+              </a:rPr>
+              <a:t>    </a:t>
+            </a:r>
+            <a:r>
+              <a:rPr kumimoji="1" lang="en-US" altLang="zh-CN" sz="1200">
+                <a:solidFill>
+                  <a:schemeClr val="accent5">
+                    <a:lumMod val="60000"/>
+                    <a:lumOff val="40000"/>
+                  </a:schemeClr>
+                </a:solidFill>
+              </a:rPr>
+              <a:t>&lt;/LinearLayout&gt;</a:t>
+            </a:r>
+            <a:endParaRPr kumimoji="1" lang="zh-CN" altLang="en-US" sz="1200">
+              <a:solidFill>
+                <a:schemeClr val="accent5">
+                  <a:lumMod val="60000"/>
+                  <a:lumOff val="40000"/>
+                </a:schemeClr>
+              </a:solidFill>
+            </a:endParaRPr>
+          </a:p>
+          <a:p>
+            <a:r>
+              <a:rPr kumimoji="1" lang="en-US" altLang="zh-CN" sz="1200">
+                <a:solidFill>
+                  <a:schemeClr val="accent5">
+                    <a:lumMod val="60000"/>
+                    <a:lumOff val="40000"/>
+                  </a:schemeClr>
+                </a:solidFill>
+              </a:rPr>
+              <a:t>&lt;layout&gt;</a:t>
+            </a:r>
+            <a:endParaRPr kumimoji="1" lang="zh-CN" altLang="en-US" sz="1200">
+              <a:solidFill>
+                <a:schemeClr val="accent5">
+                  <a:lumMod val="60000"/>
+                  <a:lumOff val="40000"/>
+                </a:schemeClr>
+              </a:solidFill>
+            </a:endParaRPr>
+          </a:p>
+        </p:txBody>
+      </p:sp>
+      <p:sp>
+        <p:nvSpPr>
+          <p:cNvPr id="9" name="矩形 8"/>
+          <p:cNvSpPr/>
+          <p:nvPr/>
+        </p:nvSpPr>
+        <p:spPr>
+          <a:xfrm>
+            <a:off x="5545978" y="1279929"/>
+            <a:ext cx="5938788" cy="1416269"/>
+          </a:xfrm>
+          <a:prstGeom prst="rect">
+            <a:avLst/>
+          </a:prstGeom>
+          <a:solidFill>
+            <a:schemeClr val="accent2">
+              <a:lumMod val="40000"/>
+              <a:lumOff val="60000"/>
+            </a:schemeClr>
+          </a:solidFill>
+          <a:ln>
+            <a:noFill/>
+          </a:ln>
+        </p:spPr>
+        <p:style>
+          <a:lnRef idx="2">
+            <a:schemeClr val="accent1">
+              <a:shade val="50000"/>
+            </a:schemeClr>
+          </a:lnRef>
+          <a:fillRef idx="1">
+            <a:schemeClr val="accent1"/>
+          </a:fillRef>
+          <a:effectRef idx="0">
+            <a:schemeClr val="accent1"/>
+          </a:effectRef>
+          <a:fontRef idx="minor">
+            <a:schemeClr val="lt1"/>
+          </a:fontRef>
+        </p:style>
+        <p:txBody>
+          <a:bodyPr rtlCol="0" anchor="ctr"/>
+          <a:lstStyle/>
+          <a:p>
+            <a:pPr algn="ctr"/>
+            <a:endParaRPr kumimoji="1" lang="zh-CN" altLang="en-US"/>
+          </a:p>
+        </p:txBody>
+      </p:sp>
+      <p:sp>
+        <p:nvSpPr>
+          <p:cNvPr id="10" name="文本框 9"/>
+          <p:cNvSpPr txBox="1"/>
+          <p:nvPr/>
+        </p:nvSpPr>
+        <p:spPr>
+          <a:xfrm>
+            <a:off x="5510240" y="910597"/>
+            <a:ext cx="1016625" cy="369332"/>
+          </a:xfrm>
+          <a:prstGeom prst="rect">
+            <a:avLst/>
+          </a:prstGeom>
+          <a:noFill/>
+        </p:spPr>
+        <p:txBody>
+          <a:bodyPr wrap="none" rtlCol="0">
+            <a:spAutoFit/>
+          </a:bodyPr>
+          <a:lstStyle/>
+          <a:p>
+            <a:r>
+              <a:rPr kumimoji="1" lang="en-US" altLang="zh-CN">
+                <a:solidFill>
+                  <a:schemeClr val="accent2">
+                    <a:lumMod val="60000"/>
+                    <a:lumOff val="40000"/>
+                  </a:schemeClr>
+                </a:solidFill>
+              </a:rPr>
+              <a:t>AActivity</a:t>
+            </a:r>
+            <a:endParaRPr kumimoji="1" lang="zh-CN" altLang="en-US">
+              <a:solidFill>
+                <a:schemeClr val="accent2">
+                  <a:lumMod val="60000"/>
+                  <a:lumOff val="40000"/>
+                </a:schemeClr>
+              </a:solidFill>
+            </a:endParaRPr>
+          </a:p>
+        </p:txBody>
+      </p:sp>
+      <p:sp>
+        <p:nvSpPr>
+          <p:cNvPr id="11" name="矩形 10"/>
+          <p:cNvSpPr/>
+          <p:nvPr/>
+        </p:nvSpPr>
+        <p:spPr>
+          <a:xfrm>
+            <a:off x="560876" y="4186989"/>
+            <a:ext cx="4242130" cy="2107933"/>
+          </a:xfrm>
+          <a:prstGeom prst="rect">
+            <a:avLst/>
+          </a:prstGeom>
+          <a:solidFill>
+            <a:schemeClr val="accent1">
+              <a:lumMod val="40000"/>
+              <a:lumOff val="60000"/>
+            </a:schemeClr>
+          </a:solidFill>
+          <a:ln>
+            <a:noFill/>
+          </a:ln>
+        </p:spPr>
+        <p:style>
+          <a:lnRef idx="2">
+            <a:schemeClr val="accent1">
+              <a:shade val="50000"/>
+            </a:schemeClr>
+          </a:lnRef>
+          <a:fillRef idx="1">
+            <a:schemeClr val="accent1"/>
+          </a:fillRef>
+          <a:effectRef idx="0">
+            <a:schemeClr val="accent1"/>
+          </a:effectRef>
+          <a:fontRef idx="minor">
+            <a:schemeClr val="lt1"/>
+          </a:fontRef>
+        </p:style>
+        <p:txBody>
+          <a:bodyPr rtlCol="0" anchor="ctr"/>
+          <a:lstStyle/>
+          <a:p>
+            <a:pPr algn="ctr"/>
+            <a:endParaRPr kumimoji="1" lang="zh-CN" altLang="en-US"/>
+          </a:p>
+        </p:txBody>
+      </p:sp>
+      <p:sp>
+        <p:nvSpPr>
+          <p:cNvPr id="12" name="文本框 11"/>
+          <p:cNvSpPr txBox="1"/>
+          <p:nvPr/>
+        </p:nvSpPr>
+        <p:spPr>
+          <a:xfrm>
+            <a:off x="526411" y="3939376"/>
+            <a:ext cx="1386918" cy="307777"/>
+          </a:xfrm>
+          <a:prstGeom prst="rect">
+            <a:avLst/>
+          </a:prstGeom>
+          <a:noFill/>
+        </p:spPr>
+        <p:txBody>
+          <a:bodyPr wrap="none" rtlCol="0">
+            <a:spAutoFit/>
+          </a:bodyPr>
+          <a:lstStyle/>
+          <a:p>
+            <a:r>
+              <a:rPr kumimoji="1" lang="en-US" altLang="zh-CN" sz="1400">
+                <a:solidFill>
+                  <a:schemeClr val="accent1">
+                    <a:lumMod val="75000"/>
+                  </a:schemeClr>
+                </a:solidFill>
+              </a:rPr>
+              <a:t>ActivityABinding</a:t>
+            </a:r>
+            <a:endParaRPr kumimoji="1" lang="zh-CN" altLang="en-US" sz="1400">
+              <a:solidFill>
+                <a:schemeClr val="accent1">
+                  <a:lumMod val="75000"/>
+                </a:schemeClr>
+              </a:solidFill>
+            </a:endParaRPr>
+          </a:p>
+        </p:txBody>
+      </p:sp>
+      <p:sp>
+        <p:nvSpPr>
+          <p:cNvPr id="13" name="文本框 12"/>
+          <p:cNvSpPr txBox="1"/>
+          <p:nvPr/>
+        </p:nvSpPr>
+        <p:spPr>
+          <a:xfrm>
+            <a:off x="5510240" y="1400360"/>
+            <a:ext cx="5770568" cy="1200329"/>
+          </a:xfrm>
+          <a:prstGeom prst="rect">
+            <a:avLst/>
+          </a:prstGeom>
+          <a:noFill/>
+        </p:spPr>
+        <p:txBody>
+          <a:bodyPr wrap="square" rtlCol="0">
+            <a:spAutoFit/>
+          </a:bodyPr>
+          <a:lstStyle/>
+          <a:p>
+            <a:r>
+              <a:rPr kumimoji="1" lang="en-US" altLang="zh-CN" sz="1200">
+                <a:solidFill>
+                  <a:schemeClr val="accent2">
+                    <a:lumMod val="75000"/>
+                  </a:schemeClr>
+                </a:solidFill>
+              </a:rPr>
+              <a:t>public</a:t>
+            </a:r>
+            <a:r>
+              <a:rPr kumimoji="1" lang="zh-CN" altLang="en-US" sz="1200">
+                <a:solidFill>
+                  <a:schemeClr val="accent2">
+                    <a:lumMod val="75000"/>
+                  </a:schemeClr>
+                </a:solidFill>
+              </a:rPr>
+              <a:t> </a:t>
+            </a:r>
+            <a:r>
+              <a:rPr kumimoji="1" lang="en-US" altLang="zh-CN" sz="1200">
+                <a:solidFill>
+                  <a:schemeClr val="accent2">
+                    <a:lumMod val="75000"/>
+                  </a:schemeClr>
+                </a:solidFill>
+              </a:rPr>
+              <a:t>class</a:t>
+            </a:r>
+            <a:r>
+              <a:rPr kumimoji="1" lang="zh-CN" altLang="en-US" sz="1200">
+                <a:solidFill>
+                  <a:schemeClr val="accent2">
+                    <a:lumMod val="75000"/>
+                  </a:schemeClr>
+                </a:solidFill>
+              </a:rPr>
+              <a:t> </a:t>
+            </a:r>
+            <a:r>
+              <a:rPr kumimoji="1" lang="en-US" altLang="zh-CN" sz="1200">
+                <a:solidFill>
+                  <a:schemeClr val="accent2">
+                    <a:lumMod val="75000"/>
+                  </a:schemeClr>
+                </a:solidFill>
+              </a:rPr>
+              <a:t>ActivityA</a:t>
+            </a:r>
+            <a:r>
+              <a:rPr kumimoji="1" lang="zh-CN" altLang="en-US" sz="1200">
+                <a:solidFill>
+                  <a:schemeClr val="accent2">
+                    <a:lumMod val="75000"/>
+                  </a:schemeClr>
+                </a:solidFill>
+              </a:rPr>
+              <a:t> </a:t>
+            </a:r>
+            <a:r>
+              <a:rPr kumimoji="1" lang="en-US" altLang="zh-CN" sz="1200">
+                <a:solidFill>
+                  <a:schemeClr val="accent2">
+                    <a:lumMod val="75000"/>
+                  </a:schemeClr>
+                </a:solidFill>
+              </a:rPr>
+              <a:t>extends</a:t>
+            </a:r>
+            <a:r>
+              <a:rPr kumimoji="1" lang="zh-CN" altLang="en-US" sz="1200">
+                <a:solidFill>
+                  <a:schemeClr val="accent2">
+                    <a:lumMod val="75000"/>
+                  </a:schemeClr>
+                </a:solidFill>
+              </a:rPr>
+              <a:t> </a:t>
+            </a:r>
+            <a:r>
+              <a:rPr kumimoji="1" lang="en-US" altLang="zh-CN" sz="1200">
+                <a:solidFill>
+                  <a:schemeClr val="accent2">
+                    <a:lumMod val="75000"/>
+                  </a:schemeClr>
+                </a:solidFill>
+              </a:rPr>
+              <a:t>AppCompatActivity</a:t>
+            </a:r>
+            <a:r>
+              <a:rPr kumimoji="1" lang="zh-CN" altLang="en-US" sz="1200">
+                <a:solidFill>
+                  <a:schemeClr val="accent2">
+                    <a:lumMod val="75000"/>
+                  </a:schemeClr>
+                </a:solidFill>
+              </a:rPr>
+              <a:t> </a:t>
+            </a:r>
+            <a:r>
+              <a:rPr kumimoji="1" lang="en-US" altLang="zh-CN" sz="1200">
+                <a:solidFill>
+                  <a:schemeClr val="accent2">
+                    <a:lumMod val="75000"/>
+                  </a:schemeClr>
+                </a:solidFill>
+              </a:rPr>
+              <a:t>{</a:t>
+            </a:r>
+            <a:endParaRPr kumimoji="1" lang="zh-CN" altLang="en-US" sz="1200">
+              <a:solidFill>
+                <a:schemeClr val="accent2">
+                  <a:lumMod val="75000"/>
+                </a:schemeClr>
+              </a:solidFill>
+            </a:endParaRPr>
+          </a:p>
+          <a:p>
+            <a:r>
+              <a:rPr kumimoji="1" lang="zh-CN" altLang="en-US" sz="1200">
+                <a:solidFill>
+                  <a:schemeClr val="accent2">
+                    <a:lumMod val="75000"/>
+                  </a:schemeClr>
+                </a:solidFill>
+              </a:rPr>
+              <a:t>    </a:t>
+            </a:r>
+            <a:r>
+              <a:rPr kumimoji="1" lang="mr-IN" altLang="zh-CN" sz="1200">
+                <a:solidFill>
+                  <a:schemeClr val="accent2">
+                    <a:lumMod val="75000"/>
+                  </a:schemeClr>
+                </a:solidFill>
+              </a:rPr>
+              <a:t>……</a:t>
+            </a:r>
+            <a:endParaRPr kumimoji="1" lang="zh-CN" altLang="en-US" sz="1200">
+              <a:solidFill>
+                <a:schemeClr val="accent2">
+                  <a:lumMod val="75000"/>
+                </a:schemeClr>
+              </a:solidFill>
+            </a:endParaRPr>
+          </a:p>
+          <a:p>
+            <a:r>
+              <a:rPr kumimoji="1" lang="zh-CN" altLang="en-US" sz="1200">
+                <a:solidFill>
+                  <a:schemeClr val="accent2">
+                    <a:lumMod val="75000"/>
+                  </a:schemeClr>
+                </a:solidFill>
+              </a:rPr>
+              <a:t>    </a:t>
+            </a:r>
+            <a:r>
+              <a:rPr lang="en-US" altLang="zh-CN" sz="1200">
+                <a:solidFill>
+                  <a:schemeClr val="accent2">
+                    <a:lumMod val="75000"/>
+                  </a:schemeClr>
+                </a:solidFill>
+              </a:rPr>
+              <a:t>protected void onCreate(Bundle savedInstanceState) {</a:t>
+            </a:r>
+            <a:endParaRPr lang="zh-CN" altLang="en-US" sz="1200">
+              <a:solidFill>
+                <a:schemeClr val="accent2">
+                  <a:lumMod val="75000"/>
+                </a:schemeClr>
+              </a:solidFill>
+            </a:endParaRPr>
+          </a:p>
+          <a:p>
+            <a:r>
+              <a:rPr lang="zh-CN" altLang="en-US" sz="1200">
+                <a:solidFill>
+                  <a:schemeClr val="accent2">
+                    <a:lumMod val="75000"/>
+                  </a:schemeClr>
+                </a:solidFill>
+              </a:rPr>
+              <a:t>        </a:t>
+            </a:r>
+            <a:r>
+              <a:rPr lang="en-US" altLang="zh-CN" sz="1200">
+                <a:solidFill>
+                  <a:schemeClr val="accent2">
+                    <a:lumMod val="75000"/>
+                  </a:schemeClr>
+                </a:solidFill>
+              </a:rPr>
+              <a:t>ActivityABinding</a:t>
+            </a:r>
+            <a:r>
+              <a:rPr lang="zh-CN" altLang="en-US" sz="1200">
+                <a:solidFill>
+                  <a:schemeClr val="accent2">
+                    <a:lumMod val="75000"/>
+                  </a:schemeClr>
+                </a:solidFill>
+              </a:rPr>
+              <a:t> </a:t>
+            </a:r>
+            <a:r>
+              <a:rPr lang="en-US" altLang="zh-CN" sz="1200">
+                <a:solidFill>
+                  <a:schemeClr val="accent2">
+                    <a:lumMod val="75000"/>
+                  </a:schemeClr>
+                </a:solidFill>
+              </a:rPr>
+              <a:t>aBinding</a:t>
+            </a:r>
+            <a:r>
+              <a:rPr lang="zh-CN" altLang="en-US" sz="1200">
+                <a:solidFill>
+                  <a:schemeClr val="accent2">
+                    <a:lumMod val="75000"/>
+                  </a:schemeClr>
+                </a:solidFill>
+              </a:rPr>
+              <a:t> </a:t>
+            </a:r>
+            <a:r>
+              <a:rPr lang="en-US" altLang="zh-CN" sz="1200">
+                <a:solidFill>
+                  <a:schemeClr val="accent2">
+                    <a:lumMod val="75000"/>
+                  </a:schemeClr>
+                </a:solidFill>
+              </a:rPr>
+              <a:t>=</a:t>
+            </a:r>
+            <a:r>
+              <a:rPr lang="zh-CN" altLang="en-US" sz="1200">
+                <a:solidFill>
+                  <a:schemeClr val="accent2">
+                    <a:lumMod val="75000"/>
+                  </a:schemeClr>
+                </a:solidFill>
+              </a:rPr>
+              <a:t> </a:t>
+            </a:r>
+            <a:r>
+              <a:rPr lang="en-US" altLang="zh-CN" sz="1200">
+                <a:solidFill>
+                  <a:schemeClr val="accent2">
+                    <a:lumMod val="75000"/>
+                  </a:schemeClr>
+                </a:solidFill>
+                <a:effectLst/>
+              </a:rPr>
+              <a:t>DataBindingUtil</a:t>
+            </a:r>
+            <a:r>
+              <a:rPr lang="en-US" altLang="zh-CN" sz="1200">
+                <a:solidFill>
+                  <a:schemeClr val="accent2">
+                    <a:lumMod val="75000"/>
+                  </a:schemeClr>
+                </a:solidFill>
+              </a:rPr>
+              <a:t>.setContentView(this,</a:t>
+            </a:r>
+            <a:r>
+              <a:rPr lang="zh-CN" altLang="en-US" sz="1200">
+                <a:solidFill>
+                  <a:schemeClr val="accent2">
+                    <a:lumMod val="75000"/>
+                  </a:schemeClr>
+                </a:solidFill>
+              </a:rPr>
+              <a:t> </a:t>
+            </a:r>
+            <a:r>
+              <a:rPr lang="en-US" altLang="zh-CN" sz="1200">
+                <a:solidFill>
+                  <a:schemeClr val="accent2">
+                    <a:lumMod val="75000"/>
+                  </a:schemeClr>
+                </a:solidFill>
+              </a:rPr>
+              <a:t>R.layout.activity_a);</a:t>
+            </a:r>
+            <a:endParaRPr lang="zh-CN" altLang="en-US" sz="1200">
+              <a:solidFill>
+                <a:schemeClr val="accent2">
+                  <a:lumMod val="75000"/>
+                </a:schemeClr>
+              </a:solidFill>
+            </a:endParaRPr>
+          </a:p>
+          <a:p>
+            <a:r>
+              <a:rPr lang="zh-CN" altLang="en-US" sz="1200">
+                <a:solidFill>
+                  <a:schemeClr val="accent2">
+                    <a:lumMod val="75000"/>
+                  </a:schemeClr>
+                </a:solidFill>
+              </a:rPr>
+              <a:t>    </a:t>
+            </a:r>
+            <a:r>
+              <a:rPr lang="en-US" altLang="zh-CN" sz="1200">
+                <a:solidFill>
+                  <a:schemeClr val="accent2">
+                    <a:lumMod val="75000"/>
+                  </a:schemeClr>
+                </a:solidFill>
+              </a:rPr>
+              <a:t>}</a:t>
+            </a:r>
+            <a:endParaRPr kumimoji="1" lang="zh-CN" altLang="en-US" sz="1200">
+              <a:solidFill>
+                <a:schemeClr val="accent2">
+                  <a:lumMod val="75000"/>
+                </a:schemeClr>
+              </a:solidFill>
+            </a:endParaRPr>
+          </a:p>
+          <a:p>
+            <a:r>
+              <a:rPr kumimoji="1" lang="en-US" altLang="zh-CN" sz="1200">
+                <a:solidFill>
+                  <a:schemeClr val="accent2">
+                    <a:lumMod val="75000"/>
+                  </a:schemeClr>
+                </a:solidFill>
+              </a:rPr>
+              <a:t>}</a:t>
+            </a:r>
+            <a:endParaRPr kumimoji="1" lang="zh-CN" altLang="en-US" sz="1200">
+              <a:solidFill>
+                <a:schemeClr val="accent2">
+                  <a:lumMod val="75000"/>
+                </a:schemeClr>
+              </a:solidFill>
+            </a:endParaRPr>
+          </a:p>
+        </p:txBody>
+      </p:sp>
+      <p:sp>
+        <p:nvSpPr>
+          <p:cNvPr id="14" name="文本框 13"/>
+          <p:cNvSpPr txBox="1"/>
+          <p:nvPr/>
+        </p:nvSpPr>
+        <p:spPr>
+          <a:xfrm>
+            <a:off x="573061" y="4186989"/>
+            <a:ext cx="3660554" cy="2123658"/>
+          </a:xfrm>
+          <a:prstGeom prst="rect">
+            <a:avLst/>
+          </a:prstGeom>
+          <a:noFill/>
+        </p:spPr>
+        <p:txBody>
+          <a:bodyPr wrap="none" rtlCol="0">
+            <a:spAutoFit/>
+          </a:bodyPr>
+          <a:lstStyle/>
+          <a:p>
+            <a:r>
+              <a:rPr lang="en-US" altLang="zh-CN" sz="1200">
+                <a:solidFill>
+                  <a:schemeClr val="accent1">
+                    <a:lumMod val="75000"/>
+                  </a:schemeClr>
+                </a:solidFill>
+              </a:rPr>
+              <a:t>public class ActivityABinding extends ViewDataBinding {</a:t>
+            </a:r>
+            <a:br>
+              <a:rPr lang="en-US" altLang="zh-CN" sz="1200">
+                <a:solidFill>
+                  <a:schemeClr val="accent1">
+                    <a:lumMod val="75000"/>
+                  </a:schemeClr>
+                </a:solidFill>
+              </a:rPr>
+            </a:br>
+            <a:r>
+              <a:rPr lang="zh-CN" altLang="en-US" sz="1200">
+                <a:solidFill>
+                  <a:schemeClr val="accent1">
+                    <a:lumMod val="75000"/>
+                  </a:schemeClr>
+                </a:solidFill>
+              </a:rPr>
+              <a:t>    </a:t>
+            </a:r>
+            <a:r>
+              <a:rPr lang="en-US" altLang="zh-CN" sz="1200">
+                <a:solidFill>
+                  <a:schemeClr val="accent1">
+                    <a:lumMod val="75000"/>
+                  </a:schemeClr>
+                </a:solidFill>
+              </a:rPr>
+              <a:t> </a:t>
+            </a:r>
+            <a:r>
+              <a:rPr lang="mr-IN" altLang="zh-CN" sz="1200">
+                <a:solidFill>
+                  <a:schemeClr val="accent1">
+                    <a:lumMod val="75000"/>
+                  </a:schemeClr>
+                </a:solidFill>
+              </a:rPr>
+              <a:t>……</a:t>
+            </a:r>
+            <a:endParaRPr lang="zh-CN" altLang="en-US" sz="1200">
+              <a:solidFill>
+                <a:schemeClr val="accent1">
+                  <a:lumMod val="75000"/>
+                </a:schemeClr>
+              </a:solidFill>
+            </a:endParaRPr>
+          </a:p>
+          <a:p>
+            <a:r>
+              <a:rPr lang="zh-CN" altLang="en-US" sz="1200">
+                <a:solidFill>
+                  <a:schemeClr val="accent1">
+                    <a:lumMod val="75000"/>
+                  </a:schemeClr>
+                </a:solidFill>
+              </a:rPr>
+              <a:t>    </a:t>
+            </a:r>
+            <a:r>
+              <a:rPr lang="en-US" altLang="zh-CN" sz="1200">
+                <a:solidFill>
+                  <a:schemeClr val="accent1">
+                    <a:lumMod val="75000"/>
+                  </a:schemeClr>
+                </a:solidFill>
+              </a:rPr>
+              <a:t>@NonNull</a:t>
+            </a:r>
+            <a:br>
+              <a:rPr lang="en-US" altLang="zh-CN" sz="1200">
+                <a:solidFill>
+                  <a:schemeClr val="accent1">
+                    <a:lumMod val="75000"/>
+                  </a:schemeClr>
+                </a:solidFill>
+              </a:rPr>
+            </a:br>
+            <a:r>
+              <a:rPr lang="en-US" altLang="zh-CN" sz="1200">
+                <a:solidFill>
+                  <a:schemeClr val="accent1">
+                    <a:lumMod val="75000"/>
+                  </a:schemeClr>
+                </a:solidFill>
+              </a:rPr>
+              <a:t>    public</a:t>
+            </a:r>
+            <a:r>
+              <a:rPr lang="zh-CN" altLang="en-US" sz="1200">
+                <a:solidFill>
+                  <a:schemeClr val="accent1">
+                    <a:lumMod val="75000"/>
+                  </a:schemeClr>
+                </a:solidFill>
+              </a:rPr>
+              <a:t> </a:t>
+            </a:r>
+            <a:r>
+              <a:rPr lang="en-US" altLang="zh-CN" sz="1200">
+                <a:solidFill>
+                  <a:schemeClr val="accent1">
+                    <a:lumMod val="75000"/>
+                  </a:schemeClr>
+                </a:solidFill>
+              </a:rPr>
+              <a:t>final TextView textView;</a:t>
+            </a:r>
+            <a:br>
+              <a:rPr lang="en-US" altLang="zh-CN" sz="1200">
+                <a:solidFill>
+                  <a:schemeClr val="accent1">
+                    <a:lumMod val="75000"/>
+                  </a:schemeClr>
+                </a:solidFill>
+              </a:rPr>
+            </a:br>
+            <a:r>
+              <a:rPr lang="en-US" altLang="zh-CN" sz="1200">
+                <a:solidFill>
+                  <a:schemeClr val="accent1">
+                    <a:lumMod val="75000"/>
+                  </a:schemeClr>
+                </a:solidFill>
+              </a:rPr>
+              <a:t>    @NonNull</a:t>
+            </a:r>
+            <a:br>
+              <a:rPr lang="en-US" altLang="zh-CN" sz="1200">
+                <a:solidFill>
+                  <a:schemeClr val="accent1">
+                    <a:lumMod val="75000"/>
+                  </a:schemeClr>
+                </a:solidFill>
+              </a:rPr>
+            </a:br>
+            <a:r>
+              <a:rPr lang="en-US" altLang="zh-CN" sz="1200">
+                <a:solidFill>
+                  <a:schemeClr val="accent1">
+                    <a:lumMod val="75000"/>
+                  </a:schemeClr>
+                </a:solidFill>
+              </a:rPr>
+              <a:t>    public final ImageView</a:t>
+            </a:r>
+            <a:r>
+              <a:rPr lang="zh-CN" altLang="en-US" sz="1200">
+                <a:solidFill>
+                  <a:schemeClr val="accent1">
+                    <a:lumMod val="75000"/>
+                  </a:schemeClr>
+                </a:solidFill>
+              </a:rPr>
+              <a:t> </a:t>
+            </a:r>
+            <a:r>
+              <a:rPr lang="en-US" altLang="zh-CN" sz="1200">
+                <a:solidFill>
+                  <a:schemeClr val="accent1">
+                    <a:lumMod val="75000"/>
+                  </a:schemeClr>
+                </a:solidFill>
+              </a:rPr>
+              <a:t>imageView;</a:t>
+            </a:r>
+            <a:endParaRPr lang="zh-CN" altLang="en-US" sz="1200">
+              <a:solidFill>
+                <a:schemeClr val="accent1">
+                  <a:lumMod val="75000"/>
+                </a:schemeClr>
+              </a:solidFill>
+            </a:endParaRPr>
+          </a:p>
+          <a:p>
+            <a:r>
+              <a:rPr kumimoji="1" lang="zh-CN" altLang="en-US" sz="1200">
+                <a:solidFill>
+                  <a:schemeClr val="accent1">
+                    <a:lumMod val="75000"/>
+                  </a:schemeClr>
+                </a:solidFill>
+              </a:rPr>
+              <a:t>    </a:t>
+            </a:r>
+            <a:r>
+              <a:rPr lang="en-US" altLang="zh-CN" sz="1200">
+                <a:solidFill>
+                  <a:schemeClr val="accent1">
+                    <a:lumMod val="75000"/>
+                  </a:schemeClr>
+                </a:solidFill>
+              </a:rPr>
+              <a:t>@Nullable</a:t>
+            </a:r>
+            <a:br>
+              <a:rPr lang="en-US" altLang="zh-CN" sz="1200">
+                <a:solidFill>
+                  <a:schemeClr val="accent1">
+                    <a:lumMod val="75000"/>
+                  </a:schemeClr>
+                </a:solidFill>
+              </a:rPr>
+            </a:br>
+            <a:r>
+              <a:rPr lang="zh-CN" altLang="en-US" sz="1200">
+                <a:solidFill>
+                  <a:schemeClr val="accent1">
+                    <a:lumMod val="75000"/>
+                  </a:schemeClr>
+                </a:solidFill>
+              </a:rPr>
+              <a:t>    </a:t>
+            </a:r>
+            <a:r>
+              <a:rPr lang="en-US" altLang="zh-CN" sz="1200">
+                <a:solidFill>
+                  <a:schemeClr val="accent1">
+                    <a:lumMod val="75000"/>
+                  </a:schemeClr>
+                </a:solidFill>
+              </a:rPr>
+              <a:t>private A</a:t>
+            </a:r>
+            <a:r>
+              <a:rPr lang="zh-CN" altLang="en-US" sz="1200">
+                <a:solidFill>
+                  <a:schemeClr val="accent1">
+                    <a:lumMod val="75000"/>
+                  </a:schemeClr>
+                </a:solidFill>
+              </a:rPr>
+              <a:t> </a:t>
+            </a:r>
+            <a:r>
+              <a:rPr lang="en-US" altLang="zh-CN" sz="1200">
+                <a:solidFill>
+                  <a:schemeClr val="accent1">
+                    <a:lumMod val="75000"/>
+                  </a:schemeClr>
+                </a:solidFill>
+              </a:rPr>
+              <a:t>a;</a:t>
+            </a:r>
+            <a:endParaRPr lang="zh-CN" altLang="en-US" sz="1200">
+              <a:solidFill>
+                <a:schemeClr val="accent1">
+                  <a:lumMod val="75000"/>
+                </a:schemeClr>
+              </a:solidFill>
+            </a:endParaRPr>
+          </a:p>
+          <a:p>
+            <a:r>
+              <a:rPr kumimoji="1" lang="zh-CN" altLang="en-US" sz="1200">
+                <a:solidFill>
+                  <a:schemeClr val="accent1">
+                    <a:lumMod val="75000"/>
+                  </a:schemeClr>
+                </a:solidFill>
+              </a:rPr>
+              <a:t>    </a:t>
+            </a:r>
+            <a:r>
+              <a:rPr kumimoji="1" lang="mr-IN" altLang="zh-CN" sz="1200">
+                <a:solidFill>
+                  <a:schemeClr val="accent1">
+                    <a:lumMod val="75000"/>
+                  </a:schemeClr>
+                </a:solidFill>
+              </a:rPr>
+              <a:t>……</a:t>
+            </a:r>
+            <a:endParaRPr kumimoji="1" lang="zh-CN" altLang="en-US" sz="1200">
+              <a:solidFill>
+                <a:schemeClr val="accent1">
+                  <a:lumMod val="75000"/>
+                </a:schemeClr>
+              </a:solidFill>
+            </a:endParaRPr>
+          </a:p>
+          <a:p>
+            <a:r>
+              <a:rPr kumimoji="1" lang="zh-CN" altLang="en-US" sz="1200">
+                <a:solidFill>
+                  <a:schemeClr val="accent1">
+                    <a:lumMod val="75000"/>
+                  </a:schemeClr>
+                </a:solidFill>
+              </a:rPr>
+              <a:t>    </a:t>
+            </a:r>
+            <a:r>
+              <a:rPr kumimoji="1" lang="en-US" altLang="zh-CN" sz="1200">
+                <a:solidFill>
+                  <a:schemeClr val="accent1">
+                    <a:lumMod val="75000"/>
+                  </a:schemeClr>
+                </a:solidFill>
+              </a:rPr>
+              <a:t>public</a:t>
+            </a:r>
+            <a:r>
+              <a:rPr kumimoji="1" lang="zh-CN" altLang="en-US" sz="1200">
+                <a:solidFill>
+                  <a:schemeClr val="accent1">
+                    <a:lumMod val="75000"/>
+                  </a:schemeClr>
+                </a:solidFill>
+              </a:rPr>
+              <a:t> </a:t>
+            </a:r>
+            <a:r>
+              <a:rPr kumimoji="1" lang="en-US" altLang="zh-CN" sz="1200">
+                <a:solidFill>
+                  <a:schemeClr val="accent1">
+                    <a:lumMod val="75000"/>
+                  </a:schemeClr>
+                </a:solidFill>
+              </a:rPr>
+              <a:t>void</a:t>
+            </a:r>
+            <a:r>
+              <a:rPr kumimoji="1" lang="zh-CN" altLang="en-US" sz="1200">
+                <a:solidFill>
+                  <a:schemeClr val="accent1">
+                    <a:lumMod val="75000"/>
+                  </a:schemeClr>
+                </a:solidFill>
+              </a:rPr>
+              <a:t> </a:t>
+            </a:r>
+            <a:r>
+              <a:rPr kumimoji="1" lang="en-US" altLang="zh-CN" sz="1200">
+                <a:solidFill>
+                  <a:schemeClr val="accent1">
+                    <a:lumMod val="75000"/>
+                  </a:schemeClr>
+                </a:solidFill>
+              </a:rPr>
+              <a:t>setA(A</a:t>
+            </a:r>
+            <a:r>
+              <a:rPr kumimoji="1" lang="zh-CN" altLang="en-US" sz="1200">
+                <a:solidFill>
+                  <a:schemeClr val="accent1">
+                    <a:lumMod val="75000"/>
+                  </a:schemeClr>
+                </a:solidFill>
+              </a:rPr>
+              <a:t> </a:t>
+            </a:r>
+            <a:r>
+              <a:rPr kumimoji="1" lang="en-US" altLang="zh-CN" sz="1200">
+                <a:solidFill>
+                  <a:schemeClr val="accent1">
+                    <a:lumMod val="75000"/>
+                  </a:schemeClr>
+                </a:solidFill>
+              </a:rPr>
+              <a:t>a);</a:t>
+            </a:r>
+            <a:endParaRPr kumimoji="1" lang="zh-CN" altLang="en-US" sz="1200">
+              <a:solidFill>
+                <a:schemeClr val="accent1">
+                  <a:lumMod val="75000"/>
+                </a:schemeClr>
+              </a:solidFill>
+            </a:endParaRPr>
+          </a:p>
+          <a:p>
+            <a:r>
+              <a:rPr kumimoji="1" lang="en-US" altLang="zh-CN" sz="1200">
+                <a:solidFill>
+                  <a:schemeClr val="accent1">
+                    <a:lumMod val="75000"/>
+                  </a:schemeClr>
+                </a:solidFill>
+              </a:rPr>
+              <a:t>}</a:t>
+            </a:r>
+            <a:endParaRPr kumimoji="1" lang="zh-CN" altLang="en-US" sz="1200">
+              <a:solidFill>
+                <a:schemeClr val="accent1">
+                  <a:lumMod val="75000"/>
+                </a:schemeClr>
+              </a:solidFill>
+            </a:endParaRPr>
+          </a:p>
+        </p:txBody>
+      </p:sp>
+      <p:cxnSp>
+        <p:nvCxnSpPr>
+          <p:cNvPr id="16" name="直线箭头连接符 15"/>
+          <p:cNvCxnSpPr>
+            <a:stCxn id="5" idx="2"/>
+            <a:endCxn id="14" idx="0"/>
+          </p:cNvCxnSpPr>
+          <p:nvPr/>
+        </p:nvCxnSpPr>
+        <p:spPr>
+          <a:xfrm>
+            <a:off x="2054634" y="3262964"/>
+            <a:ext cx="348704" cy="924025"/>
+          </a:xfrm>
+          <a:prstGeom prst="straightConnector1">
+            <a:avLst/>
+          </a:prstGeom>
+          <a:ln w="25400">
+            <a:tailEnd type="triangle" w="lg" len="lg"/>
+          </a:ln>
+        </p:spPr>
+        <p:style>
+          <a:lnRef idx="1">
+            <a:schemeClr val="accent1"/>
+          </a:lnRef>
+          <a:fillRef idx="0">
+            <a:schemeClr val="accent1"/>
+          </a:fillRef>
+          <a:effectRef idx="0">
+            <a:schemeClr val="accent1"/>
+          </a:effectRef>
+          <a:fontRef idx="minor">
+            <a:schemeClr val="tx1"/>
+          </a:fontRef>
+        </p:style>
+      </p:cxnSp>
+      <p:sp>
+        <p:nvSpPr>
+          <p:cNvPr id="17" name="文本框 16"/>
+          <p:cNvSpPr txBox="1"/>
+          <p:nvPr/>
+        </p:nvSpPr>
+        <p:spPr>
+          <a:xfrm>
+            <a:off x="1219870" y="3477594"/>
+            <a:ext cx="2874505" cy="307777"/>
+          </a:xfrm>
+          <a:prstGeom prst="rect">
+            <a:avLst/>
+          </a:prstGeom>
+          <a:noFill/>
+        </p:spPr>
+        <p:txBody>
+          <a:bodyPr wrap="none" rtlCol="0">
+            <a:spAutoFit/>
+          </a:bodyPr>
+          <a:lstStyle/>
+          <a:p>
+            <a:r>
+              <a:rPr kumimoji="1" lang="zh-CN" altLang="en-US" sz="1400"/>
+              <a:t>编译，生成</a:t>
+            </a:r>
+            <a:r>
+              <a:rPr kumimoji="1" lang="en-US" altLang="zh-CN" sz="1400"/>
+              <a:t>Binding</a:t>
+            </a:r>
+            <a:r>
+              <a:rPr kumimoji="1" lang="zh-CN" altLang="en-US" sz="1400"/>
+              <a:t>对应的</a:t>
+            </a:r>
+            <a:r>
+              <a:rPr kumimoji="1" lang="en-US" altLang="zh-CN" sz="1400"/>
+              <a:t>class</a:t>
+            </a:r>
+            <a:r>
+              <a:rPr kumimoji="1" lang="zh-CN" altLang="en-US" sz="1400"/>
+              <a:t>文件</a:t>
+            </a:r>
+          </a:p>
+        </p:txBody>
+      </p:sp>
+      <p:cxnSp>
+        <p:nvCxnSpPr>
+          <p:cNvPr id="19" name="直线连接符 18"/>
+          <p:cNvCxnSpPr>
+            <a:stCxn id="9" idx="2"/>
+            <a:endCxn id="11" idx="3"/>
+          </p:cNvCxnSpPr>
+          <p:nvPr/>
+        </p:nvCxnSpPr>
+        <p:spPr>
+          <a:xfrm flipH="1">
+            <a:off x="4803006" y="2696198"/>
+            <a:ext cx="3712366" cy="2544758"/>
+          </a:xfrm>
+          <a:prstGeom prst="line">
+            <a:avLst/>
+          </a:prstGeom>
+          <a:ln w="25400">
+            <a:prstDash val="sysDash"/>
+          </a:ln>
+        </p:spPr>
+        <p:style>
+          <a:lnRef idx="1">
+            <a:schemeClr val="accent1"/>
+          </a:lnRef>
+          <a:fillRef idx="0">
+            <a:schemeClr val="accent1"/>
+          </a:fillRef>
+          <a:effectRef idx="0">
+            <a:schemeClr val="accent1"/>
+          </a:effectRef>
+          <a:fontRef idx="minor">
+            <a:schemeClr val="tx1"/>
+          </a:fontRef>
+        </p:style>
+      </p:cxnSp>
+      <p:sp>
+        <p:nvSpPr>
+          <p:cNvPr id="20" name="文本框 19"/>
+          <p:cNvSpPr txBox="1"/>
+          <p:nvPr/>
+        </p:nvSpPr>
+        <p:spPr>
+          <a:xfrm>
+            <a:off x="5841042" y="3553078"/>
+            <a:ext cx="2484911" cy="276999"/>
+          </a:xfrm>
+          <a:prstGeom prst="rect">
+            <a:avLst/>
+          </a:prstGeom>
+          <a:noFill/>
+        </p:spPr>
+        <p:txBody>
+          <a:bodyPr wrap="none" rtlCol="0">
+            <a:spAutoFit/>
+          </a:bodyPr>
+          <a:lstStyle/>
+          <a:p>
+            <a:r>
+              <a:rPr kumimoji="1" lang="zh-CN" altLang="en-US" sz="1200">
+                <a:solidFill>
+                  <a:schemeClr val="tx1">
+                    <a:lumMod val="65000"/>
+                    <a:lumOff val="35000"/>
+                  </a:schemeClr>
+                </a:solidFill>
+              </a:rPr>
+              <a:t>使用</a:t>
+            </a:r>
+            <a:r>
+              <a:rPr kumimoji="1" lang="en-US" altLang="zh-CN" sz="1200">
+                <a:solidFill>
+                  <a:schemeClr val="tx1">
+                    <a:lumMod val="65000"/>
+                    <a:lumOff val="35000"/>
+                  </a:schemeClr>
+                </a:solidFill>
+              </a:rPr>
+              <a:t>DataBinding</a:t>
+            </a:r>
+            <a:r>
+              <a:rPr kumimoji="1" lang="zh-CN" altLang="en-US" sz="1200">
+                <a:solidFill>
+                  <a:schemeClr val="tx1">
+                    <a:lumMod val="65000"/>
+                    <a:lumOff val="35000"/>
+                  </a:schemeClr>
+                </a:solidFill>
+              </a:rPr>
+              <a:t>生成的</a:t>
+            </a:r>
+            <a:r>
+              <a:rPr kumimoji="1" lang="en-US" altLang="zh-CN" sz="1200">
+                <a:solidFill>
+                  <a:schemeClr val="tx1">
+                    <a:lumMod val="65000"/>
+                    <a:lumOff val="35000"/>
+                  </a:schemeClr>
+                </a:solidFill>
+              </a:rPr>
+              <a:t>Binding</a:t>
+            </a:r>
+            <a:r>
+              <a:rPr kumimoji="1" lang="zh-CN" altLang="en-US" sz="1200">
+                <a:solidFill>
+                  <a:schemeClr val="tx1">
+                    <a:lumMod val="65000"/>
+                    <a:lumOff val="35000"/>
+                  </a:schemeClr>
+                </a:solidFill>
+              </a:rPr>
+              <a:t>对象</a:t>
+            </a:r>
+          </a:p>
+        </p:txBody>
+      </p:sp>
+    </p:spTree>
+    <p:extLst>
+      <p:ext uri="{BB962C8B-B14F-4D97-AF65-F5344CB8AC3E}">
+        <p14:creationId xmlns:p14="http://schemas.microsoft.com/office/powerpoint/2010/main" val="1974510372"/>
+      </p:ext>
+    </p:extLst>
+  </p:cSld>
+  <p:clrMapOvr>
+    <a:masterClrMapping/>
+  </p:clrMapOvr>
+</p:sld>
+</file>
+
+<file path=ppt/slides/slide7.xml><?xml version="1.0" encoding="utf-8"?>
+<p:sld xmlns:a="http://schemas.openxmlformats.org/drawingml/2006/main" xmlns:r="http://schemas.openxmlformats.org/officeDocument/2006/relationships" xmlns:p="http://schemas.openxmlformats.org/presentationml/2006/main">
+  <p:cSld>
+    <p:spTree>
+      <p:nvGrpSpPr>
+        <p:cNvPr id="1" name=""/>
+        <p:cNvGrpSpPr/>
+        <p:nvPr/>
+      </p:nvGrpSpPr>
+      <p:grpSpPr>
+        <a:xfrm>
+          <a:off x="0" y="0"/>
+          <a:ext cx="0" cy="0"/>
+          <a:chOff x="0" y="0"/>
+          <a:chExt cx="0" cy="0"/>
+        </a:xfrm>
+      </p:grpSpPr>
+      <p:sp>
+        <p:nvSpPr>
+          <p:cNvPr id="4" name="文本框 3"/>
+          <p:cNvSpPr txBox="1"/>
+          <p:nvPr/>
+        </p:nvSpPr>
+        <p:spPr>
+          <a:xfrm>
+            <a:off x="269507" y="240632"/>
+            <a:ext cx="1571969" cy="369332"/>
+          </a:xfrm>
+          <a:prstGeom prst="rect">
+            <a:avLst/>
+          </a:prstGeom>
+          <a:noFill/>
+        </p:spPr>
+        <p:txBody>
+          <a:bodyPr wrap="none" rtlCol="0">
+            <a:spAutoFit/>
+          </a:bodyPr>
+          <a:lstStyle/>
+          <a:p>
+            <a:r>
+              <a:rPr kumimoji="1" lang="en-US" altLang="zh-CN"/>
+              <a:t>View</a:t>
+            </a:r>
+            <a:r>
+              <a:rPr kumimoji="1" lang="zh-CN" altLang="en-US"/>
+              <a:t>工作原理</a:t>
+            </a:r>
+            <a:endParaRPr kumimoji="1" lang="zh-CN" altLang="en-US"/>
+          </a:p>
+        </p:txBody>
+      </p:sp>
+      <p:sp>
+        <p:nvSpPr>
+          <p:cNvPr id="5" name="矩形 4"/>
+          <p:cNvSpPr/>
+          <p:nvPr/>
+        </p:nvSpPr>
+        <p:spPr>
+          <a:xfrm>
+            <a:off x="2324500" y="1071971"/>
+            <a:ext cx="2300438" cy="4249555"/>
+          </a:xfrm>
+          <a:prstGeom prst="rect">
+            <a:avLst/>
+          </a:prstGeom>
+          <a:solidFill>
+            <a:schemeClr val="accent2">
+              <a:lumMod val="20000"/>
+              <a:lumOff val="80000"/>
+            </a:schemeClr>
+          </a:solidFill>
+          <a:ln>
+            <a:noFill/>
+          </a:ln>
+        </p:spPr>
+        <p:style>
+          <a:lnRef idx="2">
+            <a:schemeClr val="accent1">
+              <a:shade val="50000"/>
+            </a:schemeClr>
+          </a:lnRef>
+          <a:fillRef idx="1">
+            <a:schemeClr val="accent1"/>
+          </a:fillRef>
+          <a:effectRef idx="0">
+            <a:schemeClr val="accent1"/>
+          </a:effectRef>
+          <a:fontRef idx="minor">
+            <a:schemeClr val="lt1"/>
+          </a:fontRef>
+        </p:style>
+        <p:txBody>
+          <a:bodyPr rtlCol="0" anchor="ctr"/>
+          <a:lstStyle/>
+          <a:p>
+            <a:endParaRPr kumimoji="1" lang="zh-CN" altLang="en-US">
+              <a:solidFill>
+                <a:schemeClr val="accent2">
+                  <a:lumMod val="75000"/>
+                </a:schemeClr>
+              </a:solidFill>
+            </a:endParaRPr>
+          </a:p>
+        </p:txBody>
+      </p:sp>
+      <p:sp>
+        <p:nvSpPr>
+          <p:cNvPr id="6" name="矩形 5"/>
+          <p:cNvSpPr/>
+          <p:nvPr/>
+        </p:nvSpPr>
+        <p:spPr>
+          <a:xfrm>
+            <a:off x="8287351" y="1020275"/>
+            <a:ext cx="3157087" cy="4292869"/>
+          </a:xfrm>
+          <a:prstGeom prst="rect">
+            <a:avLst/>
+          </a:prstGeom>
+          <a:solidFill>
+            <a:schemeClr val="accent6">
+              <a:lumMod val="20000"/>
+              <a:lumOff val="80000"/>
+            </a:schemeClr>
+          </a:solidFill>
+          <a:ln>
+            <a:noFill/>
+          </a:ln>
+        </p:spPr>
+        <p:style>
+          <a:lnRef idx="2">
+            <a:schemeClr val="accent1">
+              <a:shade val="50000"/>
+            </a:schemeClr>
+          </a:lnRef>
+          <a:fillRef idx="1">
+            <a:schemeClr val="accent1"/>
+          </a:fillRef>
+          <a:effectRef idx="0">
+            <a:schemeClr val="accent1"/>
+          </a:effectRef>
+          <a:fontRef idx="minor">
+            <a:schemeClr val="lt1"/>
+          </a:fontRef>
+        </p:style>
+        <p:txBody>
+          <a:bodyPr rtlCol="0" anchor="ctr"/>
+          <a:lstStyle/>
+          <a:p>
+            <a:pPr algn="ctr"/>
+            <a:endParaRPr kumimoji="1" lang="zh-CN" altLang="en-US"/>
+          </a:p>
+        </p:txBody>
+      </p:sp>
+      <p:sp>
+        <p:nvSpPr>
+          <p:cNvPr id="8" name="文本框 7"/>
+          <p:cNvSpPr txBox="1"/>
+          <p:nvPr/>
+        </p:nvSpPr>
+        <p:spPr>
+          <a:xfrm>
+            <a:off x="8287351" y="1004597"/>
+            <a:ext cx="1338828" cy="369332"/>
+          </a:xfrm>
+          <a:prstGeom prst="rect">
+            <a:avLst/>
+          </a:prstGeom>
+          <a:noFill/>
+        </p:spPr>
+        <p:txBody>
+          <a:bodyPr wrap="none" rtlCol="0">
+            <a:spAutoFit/>
+          </a:bodyPr>
+          <a:lstStyle/>
+          <a:p>
+            <a:r>
+              <a:rPr kumimoji="1" lang="zh-CN" altLang="en-US">
+                <a:solidFill>
+                  <a:schemeClr val="accent6">
+                    <a:lumMod val="75000"/>
+                  </a:schemeClr>
+                </a:solidFill>
+              </a:rPr>
+              <a:t>逻辑控制器</a:t>
+            </a:r>
+            <a:endParaRPr kumimoji="1" lang="zh-CN" altLang="en-US">
+              <a:solidFill>
+                <a:schemeClr val="accent6">
+                  <a:lumMod val="75000"/>
+                </a:schemeClr>
+              </a:solidFill>
+            </a:endParaRPr>
+          </a:p>
+        </p:txBody>
+      </p:sp>
+      <p:sp>
+        <p:nvSpPr>
+          <p:cNvPr id="9" name="矩形 8"/>
+          <p:cNvSpPr/>
+          <p:nvPr/>
+        </p:nvSpPr>
+        <p:spPr>
+          <a:xfrm>
+            <a:off x="8527983" y="1540041"/>
+            <a:ext cx="2589196" cy="644893"/>
+          </a:xfrm>
+          <a:prstGeom prst="rect">
+            <a:avLst/>
+          </a:prstGeom>
+          <a:solidFill>
+            <a:schemeClr val="accent6">
+              <a:lumMod val="40000"/>
+              <a:lumOff val="60000"/>
+            </a:schemeClr>
+          </a:solidFill>
+          <a:ln>
+            <a:noFill/>
+          </a:ln>
+        </p:spPr>
+        <p:style>
+          <a:lnRef idx="2">
+            <a:schemeClr val="accent1">
+              <a:shade val="50000"/>
+            </a:schemeClr>
+          </a:lnRef>
+          <a:fillRef idx="1">
+            <a:schemeClr val="accent1"/>
+          </a:fillRef>
+          <a:effectRef idx="0">
+            <a:schemeClr val="accent1"/>
+          </a:effectRef>
+          <a:fontRef idx="minor">
+            <a:schemeClr val="lt1"/>
+          </a:fontRef>
+        </p:style>
+        <p:txBody>
+          <a:bodyPr rtlCol="0" anchor="ctr"/>
+          <a:lstStyle/>
+          <a:p>
+            <a:pPr algn="ctr"/>
+            <a:r>
+              <a:rPr kumimoji="1" lang="en-US" altLang="zh-CN">
+                <a:solidFill>
+                  <a:schemeClr val="accent6">
+                    <a:lumMod val="75000"/>
+                  </a:schemeClr>
+                </a:solidFill>
+              </a:rPr>
+              <a:t>Controller</a:t>
+            </a:r>
+            <a:endParaRPr kumimoji="1" lang="zh-CN" altLang="en-US">
+              <a:solidFill>
+                <a:schemeClr val="accent6">
+                  <a:lumMod val="75000"/>
+                </a:schemeClr>
+              </a:solidFill>
+            </a:endParaRPr>
+          </a:p>
+        </p:txBody>
+      </p:sp>
+      <p:sp>
+        <p:nvSpPr>
+          <p:cNvPr id="10" name="矩形 9"/>
+          <p:cNvSpPr/>
+          <p:nvPr/>
+        </p:nvSpPr>
+        <p:spPr>
+          <a:xfrm>
+            <a:off x="8571296" y="2698643"/>
+            <a:ext cx="2589196" cy="644893"/>
+          </a:xfrm>
+          <a:prstGeom prst="rect">
+            <a:avLst/>
+          </a:prstGeom>
+          <a:solidFill>
+            <a:schemeClr val="accent6">
+              <a:lumMod val="40000"/>
+              <a:lumOff val="60000"/>
+            </a:schemeClr>
+          </a:solidFill>
+          <a:ln>
+            <a:noFill/>
+          </a:ln>
+        </p:spPr>
+        <p:style>
+          <a:lnRef idx="2">
+            <a:schemeClr val="accent1">
+              <a:shade val="50000"/>
+            </a:schemeClr>
+          </a:lnRef>
+          <a:fillRef idx="1">
+            <a:schemeClr val="accent1"/>
+          </a:fillRef>
+          <a:effectRef idx="0">
+            <a:schemeClr val="accent1"/>
+          </a:effectRef>
+          <a:fontRef idx="minor">
+            <a:schemeClr val="lt1"/>
+          </a:fontRef>
+        </p:style>
+        <p:txBody>
+          <a:bodyPr rtlCol="0" anchor="ctr"/>
+          <a:lstStyle/>
+          <a:p>
+            <a:pPr algn="ctr"/>
+            <a:r>
+              <a:rPr kumimoji="1" lang="en-US" altLang="zh-CN">
+                <a:solidFill>
+                  <a:schemeClr val="accent6">
+                    <a:lumMod val="75000"/>
+                  </a:schemeClr>
+                </a:solidFill>
+              </a:rPr>
+              <a:t>Presenter</a:t>
+            </a:r>
+            <a:endParaRPr kumimoji="1" lang="zh-CN" altLang="en-US">
+              <a:solidFill>
+                <a:schemeClr val="accent6">
+                  <a:lumMod val="75000"/>
+                </a:schemeClr>
+              </a:solidFill>
+            </a:endParaRPr>
+          </a:p>
+        </p:txBody>
+      </p:sp>
+      <p:sp>
+        <p:nvSpPr>
+          <p:cNvPr id="11" name="矩形 10"/>
+          <p:cNvSpPr/>
+          <p:nvPr/>
+        </p:nvSpPr>
+        <p:spPr>
+          <a:xfrm>
+            <a:off x="8571296" y="3983615"/>
+            <a:ext cx="2589196" cy="644893"/>
+          </a:xfrm>
+          <a:prstGeom prst="rect">
+            <a:avLst/>
+          </a:prstGeom>
+          <a:solidFill>
+            <a:schemeClr val="accent6">
+              <a:lumMod val="40000"/>
+              <a:lumOff val="60000"/>
+            </a:schemeClr>
+          </a:solidFill>
+          <a:ln>
+            <a:noFill/>
+          </a:ln>
+        </p:spPr>
+        <p:style>
+          <a:lnRef idx="2">
+            <a:schemeClr val="accent1">
+              <a:shade val="50000"/>
+            </a:schemeClr>
+          </a:lnRef>
+          <a:fillRef idx="1">
+            <a:schemeClr val="accent1"/>
+          </a:fillRef>
+          <a:effectRef idx="0">
+            <a:schemeClr val="accent1"/>
+          </a:effectRef>
+          <a:fontRef idx="minor">
+            <a:schemeClr val="lt1"/>
+          </a:fontRef>
+        </p:style>
+        <p:txBody>
+          <a:bodyPr rtlCol="0" anchor="ctr"/>
+          <a:lstStyle/>
+          <a:p>
+            <a:pPr algn="ctr"/>
+            <a:r>
+              <a:rPr kumimoji="1" lang="en-US" altLang="zh-CN">
+                <a:solidFill>
+                  <a:schemeClr val="accent6">
+                    <a:lumMod val="75000"/>
+                  </a:schemeClr>
+                </a:solidFill>
+              </a:rPr>
+              <a:t>ViewModel</a:t>
+            </a:r>
+            <a:endParaRPr kumimoji="1" lang="zh-CN" altLang="en-US">
+              <a:solidFill>
+                <a:schemeClr val="accent6">
+                  <a:lumMod val="75000"/>
+                </a:schemeClr>
+              </a:solidFill>
+            </a:endParaRPr>
+          </a:p>
+        </p:txBody>
+      </p:sp>
+      <p:sp>
+        <p:nvSpPr>
+          <p:cNvPr id="21" name="矩形 20"/>
+          <p:cNvSpPr/>
+          <p:nvPr/>
+        </p:nvSpPr>
+        <p:spPr>
+          <a:xfrm>
+            <a:off x="5553776" y="1873570"/>
+            <a:ext cx="2021305" cy="622727"/>
+          </a:xfrm>
+          <a:prstGeom prst="rect">
+            <a:avLst/>
+          </a:prstGeom>
+          <a:solidFill>
+            <a:schemeClr val="accent1">
+              <a:lumMod val="20000"/>
+              <a:lumOff val="80000"/>
+            </a:schemeClr>
+          </a:solidFill>
+          <a:ln>
+            <a:noFill/>
+          </a:ln>
+        </p:spPr>
+        <p:style>
+          <a:lnRef idx="2">
+            <a:schemeClr val="accent1">
+              <a:shade val="50000"/>
+            </a:schemeClr>
+          </a:lnRef>
+          <a:fillRef idx="1">
+            <a:schemeClr val="accent1"/>
+          </a:fillRef>
+          <a:effectRef idx="0">
+            <a:schemeClr val="accent1"/>
+          </a:effectRef>
+          <a:fontRef idx="minor">
+            <a:schemeClr val="lt1"/>
+          </a:fontRef>
+        </p:style>
+        <p:txBody>
+          <a:bodyPr rtlCol="0" anchor="ctr"/>
+          <a:lstStyle/>
+          <a:p>
+            <a:pPr algn="ctr"/>
+            <a:r>
+              <a:rPr kumimoji="1" lang="en-US" altLang="zh-CN">
+                <a:solidFill>
+                  <a:schemeClr val="accent1">
+                    <a:lumMod val="75000"/>
+                  </a:schemeClr>
+                </a:solidFill>
+              </a:rPr>
+              <a:t>View</a:t>
+            </a:r>
+            <a:r>
+              <a:rPr kumimoji="1" lang="zh-CN" altLang="en-US">
+                <a:solidFill>
+                  <a:schemeClr val="accent1">
+                    <a:lumMod val="75000"/>
+                  </a:schemeClr>
+                </a:solidFill>
+              </a:rPr>
+              <a:t>发起逻辑请求</a:t>
+            </a:r>
+          </a:p>
+        </p:txBody>
+      </p:sp>
+      <p:cxnSp>
+        <p:nvCxnSpPr>
+          <p:cNvPr id="28" name="直线箭头连接符 27"/>
+          <p:cNvCxnSpPr>
+            <a:stCxn id="21" idx="3"/>
+            <a:endCxn id="6" idx="1"/>
+          </p:cNvCxnSpPr>
+          <p:nvPr/>
+        </p:nvCxnSpPr>
+        <p:spPr>
+          <a:xfrm>
+            <a:off x="7575081" y="2184934"/>
+            <a:ext cx="712270" cy="981776"/>
+          </a:xfrm>
+          <a:prstGeom prst="straightConnector1">
+            <a:avLst/>
+          </a:prstGeom>
+          <a:ln w="19050">
+            <a:tailEnd type="triangle"/>
+          </a:ln>
+        </p:spPr>
+        <p:style>
+          <a:lnRef idx="1">
+            <a:schemeClr val="accent1"/>
+          </a:lnRef>
+          <a:fillRef idx="0">
+            <a:schemeClr val="accent1"/>
+          </a:fillRef>
+          <a:effectRef idx="0">
+            <a:schemeClr val="accent1"/>
+          </a:effectRef>
+          <a:fontRef idx="minor">
+            <a:schemeClr val="tx1"/>
+          </a:fontRef>
+        </p:style>
+      </p:cxnSp>
+      <p:cxnSp>
+        <p:nvCxnSpPr>
+          <p:cNvPr id="29" name="直线箭头连接符 28"/>
+          <p:cNvCxnSpPr>
+            <a:stCxn id="5" idx="3"/>
+            <a:endCxn id="21" idx="1"/>
+          </p:cNvCxnSpPr>
+          <p:nvPr/>
+        </p:nvCxnSpPr>
+        <p:spPr>
+          <a:xfrm flipV="1">
+            <a:off x="4624938" y="2184934"/>
+            <a:ext cx="928838" cy="1011815"/>
+          </a:xfrm>
+          <a:prstGeom prst="straightConnector1">
+            <a:avLst/>
+          </a:prstGeom>
+          <a:ln w="19050">
+            <a:tailEnd type="triangle"/>
+          </a:ln>
+        </p:spPr>
+        <p:style>
+          <a:lnRef idx="1">
+            <a:schemeClr val="accent1"/>
+          </a:lnRef>
+          <a:fillRef idx="0">
+            <a:schemeClr val="accent1"/>
+          </a:fillRef>
+          <a:effectRef idx="0">
+            <a:schemeClr val="accent1"/>
+          </a:effectRef>
+          <a:fontRef idx="minor">
+            <a:schemeClr val="tx1"/>
+          </a:fontRef>
+        </p:style>
+      </p:cxnSp>
+      <p:sp>
+        <p:nvSpPr>
+          <p:cNvPr id="32" name="矩形 31"/>
+          <p:cNvSpPr/>
+          <p:nvPr/>
+        </p:nvSpPr>
+        <p:spPr>
+          <a:xfrm>
+            <a:off x="5553775" y="4020005"/>
+            <a:ext cx="2021305" cy="622727"/>
+          </a:xfrm>
+          <a:prstGeom prst="rect">
+            <a:avLst/>
+          </a:prstGeom>
+          <a:solidFill>
+            <a:schemeClr val="accent1">
+              <a:lumMod val="20000"/>
+              <a:lumOff val="80000"/>
+            </a:schemeClr>
+          </a:solidFill>
+          <a:ln>
+            <a:noFill/>
+          </a:ln>
+        </p:spPr>
+        <p:style>
+          <a:lnRef idx="2">
+            <a:schemeClr val="accent1">
+              <a:shade val="50000"/>
+            </a:schemeClr>
+          </a:lnRef>
+          <a:fillRef idx="1">
+            <a:schemeClr val="accent1"/>
+          </a:fillRef>
+          <a:effectRef idx="0">
+            <a:schemeClr val="accent1"/>
+          </a:effectRef>
+          <a:fontRef idx="minor">
+            <a:schemeClr val="lt1"/>
+          </a:fontRef>
+        </p:style>
+        <p:txBody>
+          <a:bodyPr rtlCol="0" anchor="ctr"/>
+          <a:lstStyle/>
+          <a:p>
+            <a:pPr algn="ctr"/>
+            <a:r>
+              <a:rPr kumimoji="1" lang="zh-CN" altLang="en-US">
+                <a:solidFill>
+                  <a:schemeClr val="accent1">
+                    <a:lumMod val="75000"/>
+                  </a:schemeClr>
+                </a:solidFill>
+              </a:rPr>
+              <a:t>返回处理结果</a:t>
+            </a:r>
+            <a:endParaRPr kumimoji="1" lang="zh-CN" altLang="en-US">
+              <a:solidFill>
+                <a:schemeClr val="accent1">
+                  <a:lumMod val="75000"/>
+                </a:schemeClr>
+              </a:solidFill>
+            </a:endParaRPr>
+          </a:p>
+        </p:txBody>
+      </p:sp>
+      <p:cxnSp>
+        <p:nvCxnSpPr>
+          <p:cNvPr id="35" name="直线箭头连接符 34"/>
+          <p:cNvCxnSpPr>
+            <a:stCxn id="6" idx="1"/>
+            <a:endCxn id="32" idx="3"/>
+          </p:cNvCxnSpPr>
+          <p:nvPr/>
+        </p:nvCxnSpPr>
+        <p:spPr>
+          <a:xfrm flipH="1">
+            <a:off x="7575080" y="3166710"/>
+            <a:ext cx="712271" cy="1164659"/>
+          </a:xfrm>
+          <a:prstGeom prst="straightConnector1">
+            <a:avLst/>
+          </a:prstGeom>
+          <a:ln w="19050">
+            <a:tailEnd type="triangle"/>
+          </a:ln>
+        </p:spPr>
+        <p:style>
+          <a:lnRef idx="1">
+            <a:schemeClr val="accent1"/>
+          </a:lnRef>
+          <a:fillRef idx="0">
+            <a:schemeClr val="accent1"/>
+          </a:fillRef>
+          <a:effectRef idx="0">
+            <a:schemeClr val="accent1"/>
+          </a:effectRef>
+          <a:fontRef idx="minor">
+            <a:schemeClr val="tx1"/>
+          </a:fontRef>
+        </p:style>
+      </p:cxnSp>
+      <p:cxnSp>
+        <p:nvCxnSpPr>
+          <p:cNvPr id="38" name="直线箭头连接符 37"/>
+          <p:cNvCxnSpPr>
+            <a:stCxn id="32" idx="1"/>
+            <a:endCxn id="5" idx="3"/>
+          </p:cNvCxnSpPr>
+          <p:nvPr/>
+        </p:nvCxnSpPr>
+        <p:spPr>
+          <a:xfrm flipH="1" flipV="1">
+            <a:off x="4624938" y="3196749"/>
+            <a:ext cx="928837" cy="1134620"/>
+          </a:xfrm>
+          <a:prstGeom prst="straightConnector1">
+            <a:avLst/>
+          </a:prstGeom>
+          <a:ln w="19050">
+            <a:tailEnd type="triangle"/>
+          </a:ln>
+        </p:spPr>
+        <p:style>
+          <a:lnRef idx="1">
+            <a:schemeClr val="accent1"/>
+          </a:lnRef>
+          <a:fillRef idx="0">
+            <a:schemeClr val="accent1"/>
+          </a:fillRef>
+          <a:effectRef idx="0">
+            <a:schemeClr val="accent1"/>
+          </a:effectRef>
+          <a:fontRef idx="minor">
+            <a:schemeClr val="tx1"/>
+          </a:fontRef>
+        </p:style>
+      </p:cxnSp>
+      <p:sp>
+        <p:nvSpPr>
+          <p:cNvPr id="45" name="文本框 44"/>
+          <p:cNvSpPr txBox="1"/>
+          <p:nvPr/>
+        </p:nvSpPr>
+        <p:spPr>
+          <a:xfrm>
+            <a:off x="2324499" y="1135775"/>
+            <a:ext cx="785985" cy="369332"/>
+          </a:xfrm>
+          <a:prstGeom prst="rect">
+            <a:avLst/>
+          </a:prstGeom>
+          <a:noFill/>
+        </p:spPr>
+        <p:txBody>
+          <a:bodyPr wrap="square" rtlCol="0">
+            <a:spAutoFit/>
+          </a:bodyPr>
+          <a:lstStyle/>
+          <a:p>
+            <a:r>
+              <a:rPr kumimoji="1" lang="en-US" altLang="zh-CN">
+                <a:solidFill>
+                  <a:schemeClr val="accent2">
+                    <a:lumMod val="75000"/>
+                  </a:schemeClr>
+                </a:solidFill>
+              </a:rPr>
+              <a:t>View</a:t>
+            </a:r>
+            <a:endParaRPr kumimoji="1" lang="zh-CN" altLang="en-US">
+              <a:solidFill>
+                <a:schemeClr val="accent2">
+                  <a:lumMod val="75000"/>
+                </a:schemeClr>
+              </a:solidFill>
+            </a:endParaRPr>
+          </a:p>
+        </p:txBody>
+      </p:sp>
+      <p:sp>
+        <p:nvSpPr>
+          <p:cNvPr id="46" name="矩形 45"/>
+          <p:cNvSpPr/>
+          <p:nvPr/>
+        </p:nvSpPr>
+        <p:spPr>
+          <a:xfrm>
+            <a:off x="2455965" y="1505108"/>
+            <a:ext cx="1841714" cy="3412158"/>
+          </a:xfrm>
+          <a:prstGeom prst="rect">
+            <a:avLst/>
+          </a:prstGeom>
+          <a:solidFill>
+            <a:schemeClr val="accent2">
+              <a:lumMod val="40000"/>
+              <a:lumOff val="60000"/>
+            </a:schemeClr>
+          </a:solidFill>
+          <a:ln>
+            <a:noFill/>
+          </a:ln>
+        </p:spPr>
+        <p:style>
+          <a:lnRef idx="2">
+            <a:schemeClr val="accent1">
+              <a:shade val="50000"/>
+            </a:schemeClr>
+          </a:lnRef>
+          <a:fillRef idx="1">
+            <a:schemeClr val="accent1"/>
+          </a:fillRef>
+          <a:effectRef idx="0">
+            <a:schemeClr val="accent1"/>
+          </a:effectRef>
+          <a:fontRef idx="minor">
+            <a:schemeClr val="lt1"/>
+          </a:fontRef>
+        </p:style>
+        <p:txBody>
+          <a:bodyPr rtlCol="0" anchor="ctr"/>
+          <a:lstStyle/>
+          <a:p>
+            <a:pPr algn="ctr"/>
+            <a:endParaRPr kumimoji="1" lang="zh-CN" altLang="en-US"/>
+          </a:p>
+        </p:txBody>
+      </p:sp>
+      <p:sp>
+        <p:nvSpPr>
+          <p:cNvPr id="47" name="文本框 46"/>
+          <p:cNvSpPr txBox="1"/>
+          <p:nvPr/>
+        </p:nvSpPr>
+        <p:spPr>
+          <a:xfrm>
+            <a:off x="2545880" y="1571024"/>
+            <a:ext cx="805029" cy="1477328"/>
+          </a:xfrm>
+          <a:prstGeom prst="rect">
+            <a:avLst/>
+          </a:prstGeom>
+          <a:noFill/>
+        </p:spPr>
+        <p:txBody>
+          <a:bodyPr wrap="none" rtlCol="0">
+            <a:spAutoFit/>
+          </a:bodyPr>
+          <a:lstStyle/>
+          <a:p>
+            <a:r>
+              <a:rPr kumimoji="1" lang="zh-CN" altLang="en-US">
+                <a:solidFill>
+                  <a:schemeClr val="accent2">
+                    <a:lumMod val="50000"/>
+                  </a:schemeClr>
+                </a:solidFill>
+              </a:rPr>
+              <a:t>点击</a:t>
+            </a:r>
+            <a:r>
+              <a:rPr kumimoji="1" lang="mr-IN" altLang="zh-CN">
+                <a:solidFill>
+                  <a:schemeClr val="accent2">
+                    <a:lumMod val="50000"/>
+                  </a:schemeClr>
+                </a:solidFill>
+              </a:rPr>
+              <a:t>…</a:t>
+            </a:r>
+            <a:endParaRPr kumimoji="1" lang="zh-CN" altLang="en-US">
+              <a:solidFill>
+                <a:schemeClr val="accent2">
+                  <a:lumMod val="50000"/>
+                </a:schemeClr>
+              </a:solidFill>
+            </a:endParaRPr>
+          </a:p>
+          <a:p>
+            <a:r>
+              <a:rPr kumimoji="1" lang="zh-CN" altLang="en-US">
+                <a:solidFill>
+                  <a:schemeClr val="accent2">
+                    <a:lumMod val="50000"/>
+                  </a:schemeClr>
+                </a:solidFill>
+              </a:rPr>
+              <a:t>拖拽</a:t>
+            </a:r>
+            <a:r>
+              <a:rPr kumimoji="1" lang="mr-IN" altLang="zh-CN">
+                <a:solidFill>
+                  <a:schemeClr val="accent2">
+                    <a:lumMod val="50000"/>
+                  </a:schemeClr>
+                </a:solidFill>
+              </a:rPr>
+              <a:t>…</a:t>
+            </a:r>
+            <a:endParaRPr kumimoji="1" lang="zh-CN" altLang="en-US">
+              <a:solidFill>
+                <a:schemeClr val="accent2">
+                  <a:lumMod val="50000"/>
+                </a:schemeClr>
+              </a:solidFill>
+            </a:endParaRPr>
+          </a:p>
+          <a:p>
+            <a:r>
+              <a:rPr kumimoji="1" lang="zh-CN" altLang="en-US">
+                <a:solidFill>
+                  <a:schemeClr val="accent2">
+                    <a:lumMod val="50000"/>
+                  </a:schemeClr>
+                </a:solidFill>
+              </a:rPr>
+              <a:t>删除</a:t>
+            </a:r>
+            <a:r>
+              <a:rPr kumimoji="1" lang="mr-IN" altLang="zh-CN">
+                <a:solidFill>
+                  <a:schemeClr val="accent2">
+                    <a:lumMod val="50000"/>
+                  </a:schemeClr>
+                </a:solidFill>
+              </a:rPr>
+              <a:t>…</a:t>
+            </a:r>
+            <a:endParaRPr kumimoji="1" lang="zh-CN" altLang="en-US">
+              <a:solidFill>
+                <a:schemeClr val="accent2">
+                  <a:lumMod val="50000"/>
+                </a:schemeClr>
+              </a:solidFill>
+            </a:endParaRPr>
+          </a:p>
+          <a:p>
+            <a:r>
+              <a:rPr kumimoji="1" lang="zh-CN" altLang="en-US">
+                <a:solidFill>
+                  <a:schemeClr val="accent2">
+                    <a:lumMod val="50000"/>
+                  </a:schemeClr>
+                </a:solidFill>
+              </a:rPr>
+              <a:t>添加</a:t>
+            </a:r>
+            <a:r>
+              <a:rPr kumimoji="1" lang="mr-IN" altLang="zh-CN">
+                <a:solidFill>
+                  <a:schemeClr val="accent2">
+                    <a:lumMod val="50000"/>
+                  </a:schemeClr>
+                </a:solidFill>
+              </a:rPr>
+              <a:t>…</a:t>
+            </a:r>
+            <a:endParaRPr kumimoji="1" lang="zh-CN" altLang="en-US">
+              <a:solidFill>
+                <a:schemeClr val="accent2">
+                  <a:lumMod val="50000"/>
+                </a:schemeClr>
+              </a:solidFill>
+            </a:endParaRPr>
+          </a:p>
+          <a:p>
+            <a:r>
+              <a:rPr kumimoji="1" lang="mr-IN" altLang="zh-CN">
+                <a:solidFill>
+                  <a:schemeClr val="accent2">
+                    <a:lumMod val="50000"/>
+                  </a:schemeClr>
+                </a:solidFill>
+              </a:rPr>
+              <a:t>……</a:t>
+            </a:r>
+            <a:endParaRPr kumimoji="1" lang="zh-CN" altLang="en-US">
+              <a:solidFill>
+                <a:schemeClr val="accent2">
+                  <a:lumMod val="50000"/>
+                </a:schemeClr>
+              </a:solidFill>
+            </a:endParaRPr>
+          </a:p>
+        </p:txBody>
+      </p:sp>
+    </p:spTree>
+    <p:extLst>
+      <p:ext uri="{BB962C8B-B14F-4D97-AF65-F5344CB8AC3E}">
+        <p14:creationId xmlns:p14="http://schemas.microsoft.com/office/powerpoint/2010/main" val="1734928974"/>
+      </p:ext>
+    </p:extLst>
+  </p:cSld>
+  <p:clrMapOvr>
+    <a:masterClrMapping/>
+  </p:clrMapOvr>
+</p:sld>
+</file>
+
+<file path=ppt/slides/slide8.xml><?xml version="1.0" encoding="utf-8"?>
+<p:sld xmlns:a="http://schemas.openxmlformats.org/drawingml/2006/main" xmlns:r="http://schemas.openxmlformats.org/officeDocument/2006/relationships" xmlns:p="http://schemas.openxmlformats.org/presentationml/2006/main">
+  <p:cSld>
+    <p:spTree>
+      <p:nvGrpSpPr>
+        <p:cNvPr id="1" name=""/>
+        <p:cNvGrpSpPr/>
+        <p:nvPr/>
+      </p:nvGrpSpPr>
+      <p:grpSpPr>
+        <a:xfrm>
+          <a:off x="0" y="0"/>
+          <a:ext cx="0" cy="0"/>
+          <a:chOff x="0" y="0"/>
+          <a:chExt cx="0" cy="0"/>
+        </a:xfrm>
+      </p:grpSpPr>
+      <p:sp>
+        <p:nvSpPr>
+          <p:cNvPr id="4" name="矩形 3"/>
+          <p:cNvSpPr/>
+          <p:nvPr/>
+        </p:nvSpPr>
+        <p:spPr>
+          <a:xfrm>
+            <a:off x="5329956" y="2967335"/>
+            <a:ext cx="1532086" cy="923330"/>
+          </a:xfrm>
+          <a:prstGeom prst="rect">
+            <a:avLst/>
+          </a:prstGeom>
+          <a:noFill/>
+        </p:spPr>
+        <p:txBody>
+          <a:bodyPr wrap="none" lIns="91440" tIns="45720" rIns="91440" bIns="45720">
+            <a:spAutoFit/>
+          </a:bodyPr>
+          <a:lstStyle/>
+          <a:p>
+            <a:pPr algn="ctr"/>
+            <a:r>
+              <a:rPr lang="en-US" altLang="zh-CN" sz="5400" b="0" cap="none" spc="0">
+                <a:ln w="0"/>
+                <a:solidFill>
+                  <a:schemeClr val="tx1"/>
+                </a:solidFill>
+                <a:effectLst>
+                  <a:outerShdw blurRad="38100" dist="19050" dir="2700000" algn="tl" rotWithShape="0">
+                    <a:schemeClr val="dk1">
+                      <a:alpha val="40000"/>
+                    </a:schemeClr>
+                  </a:outerShdw>
+                </a:effectLst>
+              </a:rPr>
+              <a:t>MVC</a:t>
+            </a:r>
+            <a:endParaRPr lang="zh-CN" altLang="en-US" sz="5400" b="0" cap="none" spc="0">
+              <a:ln w="0"/>
+              <a:solidFill>
+                <a:schemeClr val="tx1"/>
+              </a:solidFill>
+              <a:effectLst>
+                <a:outerShdw blurRad="38100" dist="19050" dir="2700000" algn="tl" rotWithShape="0">
+                  <a:schemeClr val="dk1">
+                    <a:alpha val="40000"/>
+                  </a:schemeClr>
+                </a:outerShdw>
+              </a:effectLst>
+            </a:endParaRPr>
+          </a:p>
+        </p:txBody>
+      </p:sp>
+    </p:spTree>
+    <p:extLst>
+      <p:ext uri="{BB962C8B-B14F-4D97-AF65-F5344CB8AC3E}">
+        <p14:creationId xmlns:p14="http://schemas.microsoft.com/office/powerpoint/2010/main" val="1950767229"/>
+      </p:ext>
+    </p:extLst>
+  </p:cSld>
+  <p:clrMapOvr>
+    <a:masterClrMapping/>
+  </p:clrMapOvr>
+</p:sld>
+</file>
+
+<file path=ppt/slides/slide9.xml><?xml version="1.0" encoding="utf-8"?>
+<p:sld xmlns:a="http://schemas.openxmlformats.org/drawingml/2006/main" xmlns:r="http://schemas.openxmlformats.org/officeDocument/2006/relationships" xmlns:p="http://schemas.openxmlformats.org/presentationml/2006/main">
+  <p:cSld>
+    <p:spTree>
+      <p:nvGrpSpPr>
+        <p:cNvPr id="1" name=""/>
+        <p:cNvGrpSpPr/>
+        <p:nvPr/>
+      </p:nvGrpSpPr>
+      <p:grpSpPr>
+        <a:xfrm>
+          <a:off x="0" y="0"/>
+          <a:ext cx="0" cy="0"/>
+          <a:chOff x="0" y="0"/>
+          <a:chExt cx="0" cy="0"/>
+        </a:xfrm>
+      </p:grpSpPr>
+      <p:sp>
+        <p:nvSpPr>
+          <p:cNvPr id="4" name="文本框 3"/>
+          <p:cNvSpPr txBox="1"/>
+          <p:nvPr/>
+        </p:nvSpPr>
+        <p:spPr>
+          <a:xfrm>
+            <a:off x="779646" y="356135"/>
+            <a:ext cx="2853410" cy="369332"/>
+          </a:xfrm>
+          <a:prstGeom prst="rect">
+            <a:avLst/>
+          </a:prstGeom>
+          <a:noFill/>
+        </p:spPr>
+        <p:txBody>
+          <a:bodyPr wrap="none" rtlCol="0">
+            <a:spAutoFit/>
+          </a:bodyPr>
+          <a:lstStyle/>
+          <a:p>
+            <a:r>
+              <a:rPr kumimoji="1" lang="en-US" altLang="zh-CN"/>
+              <a:t>MVC</a:t>
+            </a:r>
+            <a:r>
+              <a:rPr kumimoji="1" lang="zh-CN" altLang="en-US"/>
+              <a:t>基础架构</a:t>
+            </a:r>
+            <a:r>
+              <a:rPr kumimoji="1" lang="en-US" altLang="zh-CN"/>
+              <a:t>(</a:t>
+            </a:r>
+            <a:r>
+              <a:rPr kumimoji="1" lang="zh-CN" altLang="en-US"/>
+              <a:t>别人的画法</a:t>
+            </a:r>
+            <a:r>
+              <a:rPr kumimoji="1" lang="en-US" altLang="zh-CN"/>
+              <a:t>)</a:t>
+            </a:r>
+            <a:endParaRPr kumimoji="1" lang="zh-CN" altLang="en-US"/>
+          </a:p>
+        </p:txBody>
+      </p:sp>
+      <p:sp>
+        <p:nvSpPr>
+          <p:cNvPr id="5" name="矩形 4"/>
+          <p:cNvSpPr/>
+          <p:nvPr/>
+        </p:nvSpPr>
+        <p:spPr>
+          <a:xfrm>
+            <a:off x="779645" y="1430589"/>
+            <a:ext cx="2993457" cy="4485373"/>
+          </a:xfrm>
+          <a:prstGeom prst="rect">
+            <a:avLst/>
+          </a:prstGeom>
+          <a:solidFill>
+            <a:schemeClr val="accent3">
+              <a:lumMod val="40000"/>
+              <a:lumOff val="60000"/>
+            </a:schemeClr>
+          </a:solidFill>
+          <a:ln>
+            <a:noFill/>
+          </a:ln>
+        </p:spPr>
+        <p:style>
+          <a:lnRef idx="2">
+            <a:schemeClr val="accent1">
+              <a:shade val="50000"/>
+            </a:schemeClr>
+          </a:lnRef>
+          <a:fillRef idx="1">
+            <a:schemeClr val="accent1"/>
+          </a:fillRef>
+          <a:effectRef idx="0">
+            <a:schemeClr val="accent1"/>
+          </a:effectRef>
+          <a:fontRef idx="minor">
+            <a:schemeClr val="lt1"/>
+          </a:fontRef>
+        </p:style>
+        <p:txBody>
+          <a:bodyPr rtlCol="0" anchor="ctr"/>
+          <a:lstStyle/>
+          <a:p>
+            <a:pPr algn="ctr"/>
+            <a:endParaRPr kumimoji="1" lang="zh-CN" altLang="en-US"/>
+          </a:p>
+        </p:txBody>
+      </p:sp>
+      <p:sp>
+        <p:nvSpPr>
+          <p:cNvPr id="6" name="文本框 5"/>
+          <p:cNvSpPr txBox="1"/>
+          <p:nvPr/>
+        </p:nvSpPr>
+        <p:spPr>
+          <a:xfrm>
+            <a:off x="779645" y="1430589"/>
+            <a:ext cx="1870769" cy="369332"/>
+          </a:xfrm>
+          <a:prstGeom prst="rect">
+            <a:avLst/>
+          </a:prstGeom>
+          <a:noFill/>
+        </p:spPr>
+        <p:txBody>
+          <a:bodyPr wrap="none" rtlCol="0">
+            <a:spAutoFit/>
+          </a:bodyPr>
+          <a:lstStyle/>
+          <a:p>
+            <a:r>
+              <a:rPr kumimoji="1" lang="en-US" altLang="zh-CN">
+                <a:solidFill>
+                  <a:schemeClr val="bg2">
+                    <a:lumMod val="50000"/>
+                  </a:schemeClr>
+                </a:solidFill>
+              </a:rPr>
+              <a:t>Activity/Fragment</a:t>
+            </a:r>
+            <a:endParaRPr kumimoji="1" lang="zh-CN" altLang="en-US">
+              <a:solidFill>
+                <a:schemeClr val="bg2">
+                  <a:lumMod val="50000"/>
+                </a:schemeClr>
+              </a:solidFill>
+            </a:endParaRPr>
+          </a:p>
+        </p:txBody>
+      </p:sp>
+      <p:sp>
+        <p:nvSpPr>
+          <p:cNvPr id="8" name="矩形 7"/>
+          <p:cNvSpPr/>
+          <p:nvPr/>
+        </p:nvSpPr>
+        <p:spPr>
+          <a:xfrm>
+            <a:off x="981777" y="1886552"/>
+            <a:ext cx="2560320" cy="1309035"/>
+          </a:xfrm>
+          <a:prstGeom prst="rect">
+            <a:avLst/>
+          </a:prstGeom>
+          <a:solidFill>
+            <a:schemeClr val="accent3">
+              <a:lumMod val="60000"/>
+              <a:lumOff val="40000"/>
+            </a:schemeClr>
+          </a:solidFill>
+          <a:ln>
+            <a:noFill/>
+          </a:ln>
+        </p:spPr>
+        <p:style>
+          <a:lnRef idx="2">
+            <a:schemeClr val="accent1">
+              <a:shade val="50000"/>
+            </a:schemeClr>
+          </a:lnRef>
+          <a:fillRef idx="1">
+            <a:schemeClr val="accent1"/>
+          </a:fillRef>
+          <a:effectRef idx="0">
+            <a:schemeClr val="accent1"/>
+          </a:effectRef>
+          <a:fontRef idx="minor">
+            <a:schemeClr val="lt1"/>
+          </a:fontRef>
+        </p:style>
+        <p:txBody>
+          <a:bodyPr rtlCol="0" anchor="ctr"/>
+          <a:lstStyle/>
+          <a:p>
+            <a:pPr algn="ctr"/>
+            <a:r>
+              <a:rPr kumimoji="1" lang="en-US" altLang="zh-CN">
+                <a:solidFill>
+                  <a:schemeClr val="bg2">
+                    <a:lumMod val="50000"/>
+                  </a:schemeClr>
+                </a:solidFill>
+              </a:rPr>
+              <a:t>View</a:t>
+            </a:r>
+            <a:endParaRPr kumimoji="1" lang="zh-CN" altLang="en-US">
+              <a:solidFill>
+                <a:schemeClr val="bg2">
+                  <a:lumMod val="50000"/>
+                </a:schemeClr>
+              </a:solidFill>
+            </a:endParaRPr>
+          </a:p>
+        </p:txBody>
+      </p:sp>
+      <p:sp>
+        <p:nvSpPr>
+          <p:cNvPr id="10" name="矩形 9"/>
+          <p:cNvSpPr/>
+          <p:nvPr/>
+        </p:nvSpPr>
+        <p:spPr>
+          <a:xfrm>
+            <a:off x="981777" y="4129238"/>
+            <a:ext cx="2560320" cy="1472665"/>
+          </a:xfrm>
+          <a:prstGeom prst="rect">
+            <a:avLst/>
+          </a:prstGeom>
+          <a:solidFill>
+            <a:schemeClr val="accent3">
+              <a:lumMod val="60000"/>
+              <a:lumOff val="40000"/>
+            </a:schemeClr>
+          </a:solidFill>
+          <a:ln>
+            <a:noFill/>
+          </a:ln>
+        </p:spPr>
+        <p:style>
+          <a:lnRef idx="2">
+            <a:schemeClr val="accent1">
+              <a:shade val="50000"/>
+            </a:schemeClr>
+          </a:lnRef>
+          <a:fillRef idx="1">
+            <a:schemeClr val="accent1"/>
+          </a:fillRef>
+          <a:effectRef idx="0">
+            <a:schemeClr val="accent1"/>
+          </a:effectRef>
+          <a:fontRef idx="minor">
+            <a:schemeClr val="lt1"/>
+          </a:fontRef>
+        </p:style>
+        <p:txBody>
+          <a:bodyPr rtlCol="0" anchor="ctr"/>
+          <a:lstStyle/>
+          <a:p>
+            <a:pPr algn="ctr"/>
+            <a:r>
+              <a:rPr kumimoji="1" lang="en-US" altLang="zh-CN">
+                <a:solidFill>
+                  <a:schemeClr val="bg2">
+                    <a:lumMod val="50000"/>
+                  </a:schemeClr>
+                </a:solidFill>
+              </a:rPr>
+              <a:t>Controller</a:t>
+            </a:r>
+            <a:endParaRPr kumimoji="1" lang="zh-CN" altLang="en-US">
+              <a:solidFill>
+                <a:schemeClr val="bg2">
+                  <a:lumMod val="50000"/>
+                </a:schemeClr>
+              </a:solidFill>
+            </a:endParaRPr>
+          </a:p>
+        </p:txBody>
+      </p:sp>
+      <p:sp>
+        <p:nvSpPr>
+          <p:cNvPr id="11" name="矩形 10"/>
+          <p:cNvSpPr/>
+          <p:nvPr/>
+        </p:nvSpPr>
+        <p:spPr>
+          <a:xfrm>
+            <a:off x="5255394" y="4129238"/>
+            <a:ext cx="2521819" cy="1478715"/>
+          </a:xfrm>
+          <a:prstGeom prst="rect">
+            <a:avLst/>
+          </a:prstGeom>
+          <a:solidFill>
+            <a:schemeClr val="accent5">
+              <a:lumMod val="40000"/>
+              <a:lumOff val="60000"/>
+            </a:schemeClr>
+          </a:solidFill>
+          <a:ln>
+            <a:noFill/>
+          </a:ln>
+        </p:spPr>
+        <p:style>
+          <a:lnRef idx="2">
+            <a:schemeClr val="accent1">
+              <a:shade val="50000"/>
+            </a:schemeClr>
+          </a:lnRef>
+          <a:fillRef idx="1">
+            <a:schemeClr val="accent1"/>
+          </a:fillRef>
+          <a:effectRef idx="0">
+            <a:schemeClr val="accent1"/>
+          </a:effectRef>
+          <a:fontRef idx="minor">
+            <a:schemeClr val="lt1"/>
+          </a:fontRef>
+        </p:style>
+        <p:txBody>
+          <a:bodyPr rtlCol="0" anchor="ctr"/>
+          <a:lstStyle/>
+          <a:p>
+            <a:pPr algn="ctr"/>
+            <a:r>
+              <a:rPr kumimoji="1" lang="en-US" altLang="zh-CN">
+                <a:solidFill>
+                  <a:schemeClr val="accent5">
+                    <a:lumMod val="75000"/>
+                  </a:schemeClr>
+                </a:solidFill>
+              </a:rPr>
+              <a:t>Model</a:t>
+            </a:r>
+            <a:endParaRPr kumimoji="1" lang="zh-CN" altLang="en-US">
+              <a:solidFill>
+                <a:schemeClr val="accent5">
+                  <a:lumMod val="75000"/>
+                </a:schemeClr>
+              </a:solidFill>
+            </a:endParaRPr>
+          </a:p>
+        </p:txBody>
+      </p:sp>
+      <p:cxnSp>
+        <p:nvCxnSpPr>
+          <p:cNvPr id="13" name="直线箭头连接符 12"/>
+          <p:cNvCxnSpPr>
+            <a:endCxn id="10" idx="0"/>
+          </p:cNvCxnSpPr>
+          <p:nvPr/>
+        </p:nvCxnSpPr>
+        <p:spPr>
+          <a:xfrm>
+            <a:off x="2261937" y="3195587"/>
+            <a:ext cx="0" cy="933651"/>
+          </a:xfrm>
+          <a:prstGeom prst="straightConnector1">
+            <a:avLst/>
+          </a:prstGeom>
+          <a:ln w="19050">
+            <a:solidFill>
+              <a:schemeClr val="bg2">
+                <a:lumMod val="25000"/>
+              </a:schemeClr>
+            </a:solidFill>
+            <a:headEnd type="none" w="lg" len="lg"/>
+            <a:tailEnd type="stealth" w="lg" len="lg"/>
+          </a:ln>
+        </p:spPr>
+        <p:style>
+          <a:lnRef idx="1">
+            <a:schemeClr val="accent1"/>
+          </a:lnRef>
+          <a:fillRef idx="0">
+            <a:schemeClr val="accent1"/>
+          </a:fillRef>
+          <a:effectRef idx="0">
+            <a:schemeClr val="accent1"/>
+          </a:effectRef>
+          <a:fontRef idx="minor">
+            <a:schemeClr val="tx1"/>
+          </a:fontRef>
+        </p:style>
+      </p:cxnSp>
+      <p:cxnSp>
+        <p:nvCxnSpPr>
+          <p:cNvPr id="17" name="直线箭头连接符 16"/>
+          <p:cNvCxnSpPr>
+            <a:stCxn id="10" idx="3"/>
+            <a:endCxn id="11" idx="1"/>
+          </p:cNvCxnSpPr>
+          <p:nvPr/>
+        </p:nvCxnSpPr>
+        <p:spPr>
+          <a:xfrm>
+            <a:off x="3542097" y="4865571"/>
+            <a:ext cx="1713297" cy="3025"/>
+          </a:xfrm>
+          <a:prstGeom prst="straightConnector1">
+            <a:avLst/>
+          </a:prstGeom>
+          <a:ln w="25400">
+            <a:solidFill>
+              <a:schemeClr val="tx1">
+                <a:lumMod val="75000"/>
+                <a:lumOff val="25000"/>
+              </a:schemeClr>
+            </a:solidFill>
+            <a:headEnd type="none" w="lg" len="lg"/>
+            <a:tailEnd type="stealth" w="lg" len="lg"/>
+          </a:ln>
+        </p:spPr>
+        <p:style>
+          <a:lnRef idx="1">
+            <a:schemeClr val="accent1"/>
+          </a:lnRef>
+          <a:fillRef idx="0">
+            <a:schemeClr val="accent1"/>
+          </a:fillRef>
+          <a:effectRef idx="0">
+            <a:schemeClr val="accent1"/>
+          </a:effectRef>
+          <a:fontRef idx="minor">
+            <a:schemeClr val="tx1"/>
+          </a:fontRef>
+        </p:style>
+      </p:cxnSp>
+      <p:cxnSp>
+        <p:nvCxnSpPr>
+          <p:cNvPr id="22" name="直线箭头连接符 21"/>
+          <p:cNvCxnSpPr>
+            <a:stCxn id="11" idx="0"/>
+            <a:endCxn id="8" idx="3"/>
+          </p:cNvCxnSpPr>
+          <p:nvPr/>
+        </p:nvCxnSpPr>
+        <p:spPr>
+          <a:xfrm flipH="1" flipV="1">
+            <a:off x="3542097" y="2541070"/>
+            <a:ext cx="2974207" cy="1588168"/>
+          </a:xfrm>
+          <a:prstGeom prst="straightConnector1">
+            <a:avLst/>
+          </a:prstGeom>
+          <a:ln w="25400">
+            <a:solidFill>
+              <a:schemeClr val="tx1">
+                <a:lumMod val="75000"/>
+                <a:lumOff val="25000"/>
+              </a:schemeClr>
+            </a:solidFill>
+            <a:headEnd type="stealth" w="lg" len="lg"/>
+            <a:tailEnd type="stealth" w="lg" len="lg"/>
+          </a:ln>
+        </p:spPr>
+        <p:style>
+          <a:lnRef idx="1">
+            <a:schemeClr val="accent1"/>
+          </a:lnRef>
+          <a:fillRef idx="0">
+            <a:schemeClr val="accent1"/>
+          </a:fillRef>
+          <a:effectRef idx="0">
+            <a:schemeClr val="accent1"/>
+          </a:effectRef>
+          <a:fontRef idx="minor">
+            <a:schemeClr val="tx1"/>
+          </a:fontRef>
+        </p:style>
+      </p:cxnSp>
+    </p:spTree>
+    <p:extLst>
+      <p:ext uri="{BB962C8B-B14F-4D97-AF65-F5344CB8AC3E}">
+        <p14:creationId xmlns:p14="http://schemas.microsoft.com/office/powerpoint/2010/main" val="78410049"/>
       </p:ext>
     </p:extLst>
   </p:cSld>
